--- a/SpringWebTraining.pptx
+++ b/SpringWebTraining.pptx
@@ -7,20 +7,25 @@
   <p:sldIdLst>
     <p:sldId id="256" r:id="rId2"/>
     <p:sldId id="257" r:id="rId3"/>
-    <p:sldId id="258" r:id="rId4"/>
-    <p:sldId id="259" r:id="rId5"/>
-    <p:sldId id="260" r:id="rId6"/>
-    <p:sldId id="261" r:id="rId7"/>
-    <p:sldId id="262" r:id="rId8"/>
-    <p:sldId id="263" r:id="rId9"/>
-    <p:sldId id="265" r:id="rId10"/>
-    <p:sldId id="264" r:id="rId11"/>
-    <p:sldId id="269" r:id="rId12"/>
-    <p:sldId id="266" r:id="rId13"/>
-    <p:sldId id="267" r:id="rId14"/>
-    <p:sldId id="268" r:id="rId15"/>
-    <p:sldId id="270" r:id="rId16"/>
-    <p:sldId id="271" r:id="rId17"/>
+    <p:sldId id="272" r:id="rId4"/>
+    <p:sldId id="273" r:id="rId5"/>
+    <p:sldId id="258" r:id="rId6"/>
+    <p:sldId id="259" r:id="rId7"/>
+    <p:sldId id="260" r:id="rId8"/>
+    <p:sldId id="275" r:id="rId9"/>
+    <p:sldId id="261" r:id="rId10"/>
+    <p:sldId id="262" r:id="rId11"/>
+    <p:sldId id="274" r:id="rId12"/>
+    <p:sldId id="263" r:id="rId13"/>
+    <p:sldId id="265" r:id="rId14"/>
+    <p:sldId id="264" r:id="rId15"/>
+    <p:sldId id="269" r:id="rId16"/>
+    <p:sldId id="276" r:id="rId17"/>
+    <p:sldId id="266" r:id="rId18"/>
+    <p:sldId id="267" r:id="rId19"/>
+    <p:sldId id="268" r:id="rId20"/>
+    <p:sldId id="270" r:id="rId21"/>
+    <p:sldId id="271" r:id="rId22"/>
   </p:sldIdLst>
   <p:sldSz cx="9144000" cy="6858000" type="screen4x3"/>
   <p:notesSz cx="6858000" cy="9144000"/>
@@ -2880,7 +2885,7 @@
             <a:fld id="{2233D26B-DFC2-4248-8ED0-AD3E108CBDD7}" type="datetime1">
               <a:rPr lang="en-US" smtClean="0"/>
               <a:pPr/>
-              <a:t>24/04/16</a:t>
+              <a:t>26/04/16</a:t>
             </a:fld>
             <a:endParaRPr lang="en-US"/>
           </a:p>
@@ -3167,7 +3172,7 @@
             <a:fld id="{E694C003-38E8-486A-9BFD-47E55D87241C}" type="datetime1">
               <a:rPr lang="en-US" smtClean="0"/>
               <a:pPr/>
-              <a:t>24/04/16</a:t>
+              <a:t>26/04/16</a:t>
             </a:fld>
             <a:endParaRPr lang="en-US"/>
           </a:p>
@@ -3344,7 +3349,7 @@
             <a:fld id="{E059EAA3-934B-41DB-B3B1-806F4BE5CC37}" type="datetime1">
               <a:rPr lang="en-US" smtClean="0"/>
               <a:pPr/>
-              <a:t>24/04/16</a:t>
+              <a:t>26/04/16</a:t>
             </a:fld>
             <a:endParaRPr lang="en-US"/>
           </a:p>
@@ -3511,7 +3516,7 @@
             <a:fld id="{8F97F932-D99A-4087-BFB1-EA42FAFC8D2C}" type="datetime1">
               <a:rPr lang="en-US" smtClean="0"/>
               <a:pPr/>
-              <a:t>24/04/16</a:t>
+              <a:t>26/04/16</a:t>
             </a:fld>
             <a:endParaRPr lang="en-US"/>
           </a:p>
@@ -3754,7 +3759,7 @@
             <a:fld id="{79C96367-2F2B-4F6E-ACF4-15FA13738E10}" type="datetime1">
               <a:rPr lang="en-US" smtClean="0"/>
               <a:pPr/>
-              <a:t>24/04/16</a:t>
+              <a:t>26/04/16</a:t>
             </a:fld>
             <a:endParaRPr lang="en-US"/>
           </a:p>
@@ -3869,7 +3874,7 @@
             <a:fld id="{8FB3498D-21C7-408B-8EF5-5B55DEF0BFD5}" type="datetime1">
               <a:rPr lang="en-US" smtClean="0"/>
               <a:pPr/>
-              <a:t>24/04/16</a:t>
+              <a:t>26/04/16</a:t>
             </a:fld>
             <a:endParaRPr lang="en-US"/>
           </a:p>
@@ -4410,7 +4415,7 @@
             <a:fld id="{84DB246E-8FD1-42FF-94A4-E4133095C37A}" type="datetime1">
               <a:rPr lang="en-US" smtClean="0"/>
               <a:pPr/>
-              <a:t>24/04/16</a:t>
+              <a:t>26/04/16</a:t>
             </a:fld>
             <a:endParaRPr lang="en-US"/>
           </a:p>
@@ -4525,7 +4530,7 @@
             <a:fld id="{A93939D4-B818-4372-B1EE-7CB6D5BBC74A}" type="datetime1">
               <a:rPr lang="en-US" smtClean="0"/>
               <a:pPr/>
-              <a:t>24/04/16</a:t>
+              <a:t>26/04/16</a:t>
             </a:fld>
             <a:endParaRPr lang="en-US"/>
           </a:p>
@@ -4617,7 +4622,7 @@
             <a:fld id="{2F35E438-4D0D-4834-B658-A90420491D98}" type="datetime1">
               <a:rPr lang="en-US" smtClean="0"/>
               <a:pPr/>
-              <a:t>24/04/16</a:t>
+              <a:t>26/04/16</a:t>
             </a:fld>
             <a:endParaRPr lang="en-US"/>
           </a:p>
@@ -7270,7 +7275,7 @@
             <a:fld id="{76F8ADFA-7142-4015-85E6-1712F15FA709}" type="datetime1">
               <a:rPr lang="en-US" smtClean="0"/>
               <a:pPr/>
-              <a:t>24/04/16</a:t>
+              <a:t>26/04/16</a:t>
             </a:fld>
             <a:endParaRPr lang="en-US"/>
           </a:p>
@@ -10484,7 +10489,7 @@
             <a:fld id="{34A581E0-D653-4D78-A48F-41D80498BC7E}" type="datetime1">
               <a:rPr lang="en-US" smtClean="0"/>
               <a:pPr/>
-              <a:t>24/04/16</a:t>
+              <a:t>26/04/16</a:t>
             </a:fld>
             <a:endParaRPr lang="en-US"/>
           </a:p>
@@ -13308,7 +13313,7 @@
             <a:fld id="{8B3AFFF1-9C47-49F0-AE12-AF188F3F4E82}" type="datetime1">
               <a:rPr lang="en-US" smtClean="0"/>
               <a:pPr/>
-              <a:t>24/04/16</a:t>
+              <a:t>26/04/16</a:t>
             </a:fld>
             <a:endParaRPr lang="en-US" dirty="0"/>
           </a:p>
@@ -13931,21 +13936,21 @@
         </p:nvSpPr>
         <p:spPr>
           <a:xfrm>
-            <a:off x="1226292" y="727764"/>
-            <a:ext cx="6594517" cy="595322"/>
+            <a:off x="1043489" y="774105"/>
+            <a:ext cx="6777319" cy="507117"/>
           </a:xfrm>
         </p:spPr>
         <p:txBody>
           <a:bodyPr>
-            <a:normAutofit/>
+            <a:normAutofit fontScale="90000"/>
           </a:bodyPr>
           <a:lstStyle/>
           <a:p>
             <a:r>
-              <a:rPr lang="en-US" sz="2800" dirty="0" smtClean="0"/>
-              <a:t>Resource Handlers</a:t>
-            </a:r>
-            <a:endParaRPr lang="en-US" sz="2800" dirty="0"/>
+              <a:rPr lang="en-US" sz="3100" dirty="0" smtClean="0"/>
+              <a:t>Adapters </a:t>
+            </a:r>
+            <a:endParaRPr lang="en-US" dirty="0"/>
           </a:p>
         </p:txBody>
       </p:sp>
@@ -13961,144 +13966,118 @@
         </p:nvSpPr>
         <p:spPr>
           <a:xfrm>
-            <a:off x="705590" y="1446575"/>
-            <a:ext cx="7461609" cy="4386055"/>
+            <a:off x="1043492" y="1281222"/>
+            <a:ext cx="6777317" cy="4551408"/>
           </a:xfrm>
         </p:spPr>
         <p:txBody>
           <a:bodyPr>
-            <a:normAutofit lnSpcReduction="10000"/>
+            <a:normAutofit fontScale="92500" lnSpcReduction="20000"/>
           </a:bodyPr>
           <a:lstStyle/>
-          <a:p>
-            <a:r>
-              <a:rPr lang="en-US" dirty="0"/>
-              <a:t>resource handlers for serving static resources such as images, </a:t>
-            </a:r>
-            <a:r>
-              <a:rPr lang="en-US" dirty="0" smtClean="0"/>
-              <a:t>CSS files </a:t>
-            </a:r>
-            <a:r>
-              <a:rPr lang="en-US" dirty="0"/>
-              <a:t>and others through Spring MVC including setting cache headers optimized for efficient loading in a web browser. Resources can be served out of locations under web application root, from the </a:t>
-            </a:r>
-            <a:r>
-              <a:rPr lang="en-US" dirty="0" smtClean="0"/>
-              <a:t>class path</a:t>
-            </a:r>
-            <a:r>
-              <a:rPr lang="en-US" dirty="0"/>
-              <a:t>, and others</a:t>
-            </a:r>
-            <a:r>
-              <a:rPr lang="en-US" dirty="0" smtClean="0"/>
-              <a:t>.</a:t>
-            </a:r>
-          </a:p>
           <a:p>
             <a:pPr marL="68580" indent="0">
               <a:buNone/>
             </a:pPr>
             <a:r>
-              <a:rPr lang="en-US" sz="1700" b="1" dirty="0" smtClean="0"/>
-              <a:t>@Override</a:t>
+              <a:rPr lang="en-US" dirty="0" smtClean="0"/>
+              <a:t>Spring comes with different adapters to </a:t>
+            </a:r>
+            <a:r>
+              <a:rPr lang="en-US" dirty="0" smtClean="0"/>
+              <a:t>customize </a:t>
+            </a:r>
+            <a:r>
+              <a:rPr lang="en-US" dirty="0" smtClean="0"/>
+              <a:t>spring web </a:t>
+            </a:r>
+            <a:r>
+              <a:rPr lang="en-US" dirty="0" smtClean="0"/>
+              <a:t>applications.</a:t>
             </a:r>
           </a:p>
           <a:p>
             <a:pPr marL="68580" indent="0">
               <a:buNone/>
             </a:pPr>
-            <a:r>
-              <a:rPr lang="en-US" sz="1700" b="1" dirty="0" smtClean="0"/>
-              <a:t>public </a:t>
-            </a:r>
-            <a:r>
-              <a:rPr lang="en-US" sz="1700" b="1" dirty="0"/>
-              <a:t>void </a:t>
-            </a:r>
-            <a:r>
-              <a:rPr lang="en-US" sz="1700" b="1" dirty="0" err="1"/>
-              <a:t>addResourceHandlers</a:t>
-            </a:r>
-            <a:r>
-              <a:rPr lang="en-US" sz="1700" b="1" dirty="0"/>
-              <a:t>(</a:t>
-            </a:r>
-            <a:r>
-              <a:rPr lang="en-US" sz="1700" b="1" dirty="0" err="1"/>
-              <a:t>ResourceHandlerRegistry</a:t>
-            </a:r>
-            <a:r>
-              <a:rPr lang="en-US" sz="1700" b="1" dirty="0"/>
-              <a:t> registry) {</a:t>
-            </a:r>
+            <a:endParaRPr lang="en-US" dirty="0" smtClean="0"/>
           </a:p>
           <a:p>
             <a:pPr marL="68580" indent="0">
               <a:buNone/>
             </a:pPr>
             <a:r>
-              <a:rPr lang="en-US" sz="1700" dirty="0"/>
-              <a:t>        </a:t>
-            </a:r>
-            <a:r>
-              <a:rPr lang="en-US" sz="1700" dirty="0" err="1"/>
-              <a:t>registry.addResourceHandler</a:t>
-            </a:r>
-            <a:r>
-              <a:rPr lang="en-US" sz="1700" dirty="0"/>
-              <a:t>("/static/**")</a:t>
-            </a:r>
-            <a:r>
-              <a:rPr lang="en-US" sz="1700" dirty="0" smtClean="0"/>
-              <a:t>.  </a:t>
+              <a:rPr lang="en-US" sz="1900" dirty="0" smtClean="0"/>
+              <a:t>There are alternative to xml based spring bean configurations in web applications.</a:t>
             </a:r>
           </a:p>
           <a:p>
             <a:pPr marL="68580" indent="0">
               <a:buNone/>
             </a:pPr>
-            <a:r>
-              <a:rPr lang="en-US" sz="1700" dirty="0"/>
-              <a:t> </a:t>
-            </a:r>
-            <a:r>
-              <a:rPr lang="en-US" sz="1700" dirty="0" smtClean="0"/>
-              <a:t>        </a:t>
-            </a:r>
-            <a:r>
-              <a:rPr lang="en-US" sz="1700" dirty="0" err="1" smtClean="0"/>
-              <a:t>addResourceLocations</a:t>
-            </a:r>
-            <a:r>
-              <a:rPr lang="en-US" sz="1700" dirty="0"/>
-              <a:t>("</a:t>
-            </a:r>
-            <a:r>
-              <a:rPr lang="en-US" sz="1700" dirty="0" err="1"/>
-              <a:t>classpath</a:t>
-            </a:r>
-            <a:r>
-              <a:rPr lang="en-US" sz="1700" dirty="0"/>
-              <a:t>:/static/");</a:t>
-            </a:r>
+            <a:endParaRPr lang="en-US" sz="1900" dirty="0"/>
           </a:p>
           <a:p>
             <a:pPr marL="68580" indent="0">
               <a:buNone/>
             </a:pPr>
             <a:r>
-              <a:rPr lang="en-US" sz="1700" dirty="0"/>
-              <a:t> </a:t>
-            </a:r>
-            <a:r>
-              <a:rPr lang="en-US" sz="1700" b="1" dirty="0" smtClean="0"/>
-              <a:t>}</a:t>
-            </a:r>
-            <a:endParaRPr lang="en-US" sz="1700" b="1" dirty="0"/>
-          </a:p>
-          <a:p>
+              <a:rPr lang="en-US" sz="2200" dirty="0" smtClean="0"/>
+              <a:t>It allows us to customize …..</a:t>
+            </a:r>
+          </a:p>
+          <a:p>
+            <a:r>
+              <a:rPr lang="en-US" sz="2200" dirty="0" smtClean="0"/>
+              <a:t>View </a:t>
+            </a:r>
+            <a:r>
+              <a:rPr lang="en-US" sz="2200" dirty="0" smtClean="0"/>
+              <a:t>Resolvers </a:t>
+            </a:r>
+            <a:endParaRPr lang="en-US" sz="2200" dirty="0" smtClean="0"/>
+          </a:p>
+          <a:p>
+            <a:r>
+              <a:rPr lang="en-US" sz="2200" dirty="0" smtClean="0"/>
+              <a:t>CORS filters</a:t>
+            </a:r>
+          </a:p>
+          <a:p>
+            <a:r>
+              <a:rPr lang="en-US" sz="2200" dirty="0" smtClean="0"/>
+              <a:t>Exception resolvers</a:t>
+            </a:r>
+          </a:p>
+          <a:p>
+            <a:r>
+              <a:rPr lang="en-US" sz="2200" dirty="0" smtClean="0"/>
+              <a:t>Static Resource configuration</a:t>
+            </a:r>
+          </a:p>
+          <a:p>
+            <a:r>
+              <a:rPr lang="en-US" sz="2200" dirty="0" smtClean="0"/>
+              <a:t>Message converters</a:t>
+            </a:r>
+          </a:p>
+          <a:p>
+            <a:r>
+              <a:rPr lang="en-US" sz="2200" dirty="0" smtClean="0"/>
+              <a:t>Locale configuration</a:t>
+            </a:r>
+          </a:p>
+          <a:p>
+            <a:r>
+              <a:rPr lang="en-US" sz="2200" dirty="0" smtClean="0"/>
+              <a:t>Enabling security to the web URLs or methods</a:t>
+            </a:r>
+          </a:p>
+          <a:p>
+            <a:r>
+              <a:rPr lang="en-US" sz="2200" dirty="0" smtClean="0"/>
+              <a:t>And more….</a:t>
+            </a:r>
             <a:endParaRPr lang="en-US" dirty="0"/>
           </a:p>
         </p:txBody>
@@ -14106,7 +14085,7 @@
     </p:spTree>
     <p:extLst>
       <p:ext uri="{BB962C8B-B14F-4D97-AF65-F5344CB8AC3E}">
-        <p14:creationId xmlns:p14="http://schemas.microsoft.com/office/powerpoint/2010/main" val="2635867883"/>
+        <p14:creationId xmlns:p14="http://schemas.microsoft.com/office/powerpoint/2010/main" val="1500462045"/>
       </p:ext>
     </p:extLst>
   </p:cSld>
@@ -14152,8 +14131,8 @@
         </p:nvSpPr>
         <p:spPr>
           <a:xfrm>
-            <a:off x="1043490" y="723287"/>
-            <a:ext cx="6777319" cy="564518"/>
+            <a:off x="1043490" y="864418"/>
+            <a:ext cx="6777319" cy="458669"/>
           </a:xfrm>
         </p:spPr>
         <p:txBody>
@@ -14164,7 +14143,7 @@
           <a:p>
             <a:r>
               <a:rPr lang="en-US" sz="3200" dirty="0" smtClean="0"/>
-              <a:t>Writing simple REST service</a:t>
+              <a:t>Two important adapters</a:t>
             </a:r>
             <a:endParaRPr lang="en-US" sz="3200" dirty="0"/>
           </a:p>
@@ -14182,66 +14161,62 @@
         </p:nvSpPr>
         <p:spPr>
           <a:xfrm>
-            <a:off x="1043492" y="1287806"/>
-            <a:ext cx="6777317" cy="4544824"/>
+            <a:off x="1043492" y="1570064"/>
+            <a:ext cx="6777317" cy="4262566"/>
           </a:xfrm>
         </p:spPr>
         <p:txBody>
-          <a:bodyPr>
-            <a:normAutofit/>
-          </a:bodyPr>
+          <a:bodyPr/>
           <a:lstStyle/>
+          <a:p>
+            <a:r>
+              <a:rPr lang="en-US" b="1" dirty="0" err="1" smtClean="0"/>
+              <a:t>WebMvcConfigurerAdapter</a:t>
+            </a:r>
+            <a:r>
+              <a:rPr lang="en-US" b="1" dirty="0"/>
+              <a:t> </a:t>
+            </a:r>
+            <a:r>
+              <a:rPr lang="en-US" dirty="0" smtClean="0"/>
+              <a:t>which implements</a:t>
+            </a:r>
+            <a:r>
+              <a:rPr lang="en-US" b="1" dirty="0" smtClean="0"/>
+              <a:t> </a:t>
+            </a:r>
+            <a:r>
+              <a:rPr lang="en-US" dirty="0" err="1" smtClean="0"/>
+              <a:t>WebMvcConfigurer</a:t>
+            </a:r>
+            <a:r>
+              <a:rPr lang="en-US" dirty="0" smtClean="0"/>
+              <a:t>. </a:t>
+            </a:r>
+            <a:endParaRPr lang="en-US" b="1" dirty="0" smtClean="0"/>
+          </a:p>
           <a:p>
             <a:pPr marL="68580" indent="0">
               <a:buNone/>
             </a:pPr>
+            <a:endParaRPr lang="en-US" b="1" dirty="0" smtClean="0"/>
+          </a:p>
+          <a:p>
+            <a:r>
+              <a:rPr lang="en-US" b="1" dirty="0" err="1" smtClean="0"/>
+              <a:t>WebSecurityConfigurerAdapter</a:t>
+            </a:r>
+            <a:r>
+              <a:rPr lang="en-US" dirty="0"/>
+              <a:t> </a:t>
+            </a:r>
             <a:r>
               <a:rPr lang="en-US" dirty="0" smtClean="0"/>
-              <a:t>Writing REST Service is simple with below steps</a:t>
-            </a:r>
-            <a:r>
-              <a:rPr lang="en-US" sz="2800" dirty="0" smtClean="0"/>
-              <a:t>…</a:t>
-            </a:r>
-          </a:p>
-          <a:p>
-            <a:r>
-              <a:rPr lang="en-US" dirty="0" smtClean="0"/>
-              <a:t>Annotate your controller with @</a:t>
-            </a:r>
-            <a:r>
-              <a:rPr lang="en-US" dirty="0" err="1" smtClean="0"/>
-              <a:t>RestController</a:t>
-            </a:r>
-            <a:r>
-              <a:rPr lang="en-US" dirty="0" smtClean="0"/>
-              <a:t> </a:t>
-            </a:r>
-          </a:p>
-          <a:p>
-            <a:pPr marL="68580" indent="0">
-              <a:buNone/>
-            </a:pPr>
-            <a:r>
-              <a:rPr lang="en-US" sz="2000" dirty="0" smtClean="0"/>
-              <a:t>	This is equals to @Controller +@</a:t>
-            </a:r>
-            <a:r>
-              <a:rPr lang="en-US" sz="2000" dirty="0" err="1" smtClean="0"/>
-              <a:t>ResponseBody</a:t>
-            </a:r>
-            <a:endParaRPr lang="en-US" sz="2000" dirty="0" smtClean="0"/>
-          </a:p>
-          <a:p>
-            <a:r>
-              <a:rPr lang="en-US" dirty="0" smtClean="0"/>
-              <a:t>Make sure appropriate message converters available in the class path. Spring will automatically creates message converters for you.</a:t>
-            </a:r>
-          </a:p>
-          <a:p>
-            <a:r>
-              <a:rPr lang="en-US" dirty="0" smtClean="0"/>
-              <a:t>Return required DTO Objects from the class methods</a:t>
+              <a:t>which implements </a:t>
+            </a:r>
+            <a:r>
+              <a:rPr lang="en-US" dirty="0" err="1"/>
+              <a:t>WebSecurityConfigurer</a:t>
             </a:r>
             <a:endParaRPr lang="en-US" dirty="0"/>
           </a:p>
@@ -14250,7 +14225,7 @@
     </p:spTree>
     <p:extLst>
       <p:ext uri="{BB962C8B-B14F-4D97-AF65-F5344CB8AC3E}">
-        <p14:creationId xmlns:p14="http://schemas.microsoft.com/office/powerpoint/2010/main" val="3933408760"/>
+        <p14:creationId xmlns:p14="http://schemas.microsoft.com/office/powerpoint/2010/main" val="1615959362"/>
       </p:ext>
     </p:extLst>
   </p:cSld>
@@ -14296,19 +14271,19 @@
         </p:nvSpPr>
         <p:spPr>
           <a:xfrm>
-            <a:off x="1043490" y="723287"/>
-            <a:ext cx="6171163" cy="652723"/>
+            <a:off x="1043490" y="670362"/>
+            <a:ext cx="6982592" cy="493953"/>
           </a:xfrm>
         </p:spPr>
         <p:txBody>
           <a:bodyPr>
-            <a:normAutofit/>
+            <a:normAutofit fontScale="90000"/>
           </a:bodyPr>
           <a:lstStyle/>
           <a:p>
             <a:r>
               <a:rPr lang="en-US" sz="3200" dirty="0" smtClean="0"/>
-              <a:t>Enabling Spring Security</a:t>
+              <a:t>Customizing web </a:t>
             </a:r>
             <a:endParaRPr lang="en-US" sz="3200" dirty="0"/>
           </a:p>
@@ -14326,184 +14301,121 @@
         </p:nvSpPr>
         <p:spPr>
           <a:xfrm>
-            <a:off x="1043492" y="1534781"/>
-            <a:ext cx="6777317" cy="4297848"/>
+            <a:off x="1043492" y="1658270"/>
+            <a:ext cx="6777317" cy="4174360"/>
           </a:xfrm>
         </p:spPr>
         <p:txBody>
           <a:bodyPr>
-            <a:normAutofit lnSpcReduction="10000"/>
+            <a:normAutofit/>
           </a:bodyPr>
           <a:lstStyle/>
-          <a:p>
-            <a:r>
-              <a:rPr lang="en-US" sz="2000" dirty="0" smtClean="0"/>
-              <a:t>Write a class and annotate with </a:t>
-            </a:r>
-            <a:r>
-              <a:rPr lang="en-US" sz="2000" b="1" dirty="0" smtClean="0"/>
-              <a:t>@</a:t>
-            </a:r>
-            <a:r>
-              <a:rPr lang="en-US" sz="2000" b="1" dirty="0" err="1" smtClean="0"/>
-              <a:t>EnableWebSecurity</a:t>
-            </a:r>
-            <a:r>
-              <a:rPr lang="en-US" sz="2000" dirty="0" smtClean="0"/>
-              <a:t> and extend that class with </a:t>
-            </a:r>
-            <a:r>
-              <a:rPr lang="en-US" sz="2000" b="1" dirty="0" err="1" smtClean="0"/>
-              <a:t>WebSecurityConfigurerAdapter</a:t>
-            </a:r>
-            <a:endParaRPr lang="en-US" sz="2000" b="1" dirty="0" smtClean="0"/>
-          </a:p>
           <a:p>
             <a:pPr marL="68580" indent="0">
               <a:buNone/>
             </a:pPr>
             <a:r>
+              <a:rPr lang="en-US" sz="2000" dirty="0" smtClean="0"/>
+              <a:t>Web customization can achieved by writing  a class and annotate with </a:t>
+            </a:r>
+            <a:r>
               <a:rPr lang="en-US" sz="2000" b="1" dirty="0" smtClean="0"/>
-              <a:t>This annotation looks for a instance of class </a:t>
-            </a:r>
-            <a:r>
-              <a:rPr lang="en-US" sz="2000" dirty="0" err="1" smtClean="0"/>
-              <a:t>WebSecurityConfigurer</a:t>
+              <a:t>@</a:t>
+            </a:r>
+            <a:r>
+              <a:rPr lang="en-US" sz="2000" b="1" dirty="0" err="1" smtClean="0"/>
+              <a:t>EnableWebMvc</a:t>
+            </a:r>
+            <a:r>
+              <a:rPr lang="en-US" sz="2000" b="1" dirty="0" smtClean="0"/>
+              <a:t> </a:t>
             </a:r>
             <a:r>
               <a:rPr lang="en-US" sz="2000" dirty="0" smtClean="0"/>
-              <a:t> to read the security settings</a:t>
-            </a:r>
-            <a:endParaRPr lang="en-US" sz="2000" b="1" dirty="0"/>
-          </a:p>
-          <a:p>
-            <a:r>
-              <a:rPr lang="en-US" sz="2000" b="1" dirty="0" smtClean="0"/>
-              <a:t>Override configure(</a:t>
+              <a:t>and Extend </a:t>
+            </a:r>
+            <a:r>
+              <a:rPr lang="en-US" sz="2000" dirty="0" smtClean="0"/>
+              <a:t>this </a:t>
+            </a:r>
+            <a:r>
+              <a:rPr lang="en-US" sz="2000" dirty="0"/>
+              <a:t>class with </a:t>
             </a:r>
             <a:r>
               <a:rPr lang="en-US" sz="2000" b="1" dirty="0" err="1" smtClean="0"/>
-              <a:t>HttpSecurity</a:t>
-            </a:r>
-            <a:r>
-              <a:rPr lang="en-US" sz="2000" b="1" dirty="0" smtClean="0"/>
-              <a:t> http) method</a:t>
-            </a:r>
+              <a:t>WebMvcConfigurerAdapter</a:t>
+            </a:r>
+            <a:endParaRPr lang="en-US" sz="2000" b="1" dirty="0" smtClean="0"/>
           </a:p>
           <a:p>
             <a:pPr marL="68580" indent="0">
               <a:buNone/>
             </a:pPr>
-            <a:r>
-              <a:rPr lang="en-US" sz="1800" dirty="0" err="1"/>
-              <a:t>http.authorizeRequests</a:t>
-            </a:r>
-            <a:r>
-              <a:rPr lang="en-US" sz="1800" dirty="0"/>
-              <a:t>().</a:t>
-            </a:r>
-            <a:r>
-              <a:rPr lang="en-US" sz="1800" dirty="0" err="1"/>
-              <a:t>anyRequest</a:t>
-            </a:r>
-            <a:r>
-              <a:rPr lang="en-US" sz="1800" dirty="0"/>
-              <a:t>().authenticated().and().</a:t>
-            </a:r>
-            <a:r>
-              <a:rPr lang="en-US" sz="1800" dirty="0" err="1"/>
-              <a:t>formLogin</a:t>
-            </a:r>
-            <a:r>
-              <a:rPr lang="en-US" sz="1800" dirty="0"/>
-              <a:t>().and().</a:t>
-            </a:r>
-            <a:r>
-              <a:rPr lang="en-US" sz="1800" dirty="0" err="1"/>
-              <a:t>httpBasic</a:t>
-            </a:r>
-            <a:r>
-              <a:rPr lang="en-US" sz="1800" dirty="0"/>
-              <a:t>();</a:t>
-            </a:r>
-            <a:endParaRPr lang="en-US" sz="1800" b="1" dirty="0" smtClean="0"/>
-          </a:p>
-          <a:p>
-            <a:r>
-              <a:rPr lang="en-US" sz="2000" b="1" dirty="0" smtClean="0"/>
-              <a:t>Configure Security filter proxy in the  </a:t>
-            </a:r>
-            <a:r>
-              <a:rPr lang="en-US" sz="2000" b="1" dirty="0" err="1" smtClean="0"/>
-              <a:t>WEBXMLConfig</a:t>
-            </a:r>
-            <a:r>
-              <a:rPr lang="en-US" sz="2000" b="1" dirty="0" smtClean="0"/>
-              <a:t> file </a:t>
-            </a:r>
-          </a:p>
-          <a:p>
-            <a:r>
-              <a:rPr lang="en-US" sz="2000" b="1" dirty="0" smtClean="0"/>
-              <a:t>Add </a:t>
-            </a:r>
-            <a:r>
-              <a:rPr lang="en-US" sz="2000" b="1" dirty="0" err="1" smtClean="0"/>
-              <a:t>authenticationProvider</a:t>
-            </a:r>
-            <a:r>
-              <a:rPr lang="en-US" sz="2000" b="1" dirty="0" smtClean="0"/>
-              <a:t> or </a:t>
-            </a:r>
-            <a:r>
-              <a:rPr lang="en-US" sz="2000" b="1" dirty="0" err="1" smtClean="0"/>
-              <a:t>inMemoryManager</a:t>
-            </a:r>
-            <a:r>
-              <a:rPr lang="en-US" sz="2000" b="1" dirty="0" smtClean="0"/>
-              <a:t> by overriding </a:t>
-            </a:r>
+            <a:endParaRPr lang="en-US" sz="2000" b="1" dirty="0" smtClean="0"/>
           </a:p>
           <a:p>
             <a:pPr marL="68580" indent="0">
               <a:buNone/>
             </a:pPr>
             <a:r>
+              <a:rPr lang="en-US" sz="2000" dirty="0" smtClean="0"/>
+              <a:t>With this annotation container will look for a class in the class path which implements </a:t>
+            </a:r>
+            <a:r>
+              <a:rPr lang="en-US" sz="2000" b="1" dirty="0" err="1" smtClean="0"/>
+              <a:t>WebMvcConfigurer</a:t>
+            </a:r>
+            <a:r>
+              <a:rPr lang="en-US" sz="2000" dirty="0" smtClean="0"/>
+              <a:t> or extends </a:t>
+            </a:r>
+            <a:r>
+              <a:rPr lang="en-US" sz="2000" dirty="0"/>
+              <a:t> </a:t>
+            </a:r>
+            <a:r>
+              <a:rPr lang="en-US" sz="2000" b="1" dirty="0" err="1" smtClean="0"/>
+              <a:t>WebMvcConfigurerAdapter</a:t>
+            </a:r>
+            <a:r>
+              <a:rPr lang="en-US" sz="2000" dirty="0"/>
+              <a:t> </a:t>
+            </a:r>
+            <a:r>
+              <a:rPr lang="en-US" sz="2000" dirty="0" smtClean="0"/>
+              <a:t>to load the customized settings for web application</a:t>
+            </a:r>
+            <a:r>
               <a:rPr lang="en-US" sz="2000" b="1" dirty="0" smtClean="0"/>
-              <a:t>  </a:t>
-            </a:r>
-            <a:r>
-              <a:rPr lang="en-US" sz="2000" b="1" dirty="0"/>
-              <a:t>configure(</a:t>
-            </a:r>
-            <a:r>
-              <a:rPr lang="en-US" sz="2000" b="1" dirty="0" err="1"/>
-              <a:t>AuthenticationManagerBuilder</a:t>
-            </a:r>
-            <a:r>
-              <a:rPr lang="en-US" sz="2000" b="1" dirty="0"/>
-              <a:t> </a:t>
-            </a:r>
-            <a:r>
-              <a:rPr lang="en-US" sz="2000" b="1" dirty="0" err="1"/>
-              <a:t>auth</a:t>
-            </a:r>
-            <a:r>
-              <a:rPr lang="en-US" sz="2000" b="1" dirty="0" smtClean="0"/>
-              <a:t>)     </a:t>
-            </a:r>
-            <a:r>
-              <a:rPr lang="en-US" sz="2000" dirty="0" smtClean="0"/>
-              <a:t>method.</a:t>
-            </a:r>
-            <a:endParaRPr lang="en-US" sz="2000" b="1" dirty="0"/>
+              <a:t>.</a:t>
+            </a:r>
+            <a:endParaRPr lang="en-US" sz="2000" dirty="0" smtClean="0"/>
+          </a:p>
+          <a:p>
+            <a:pPr marL="68580" indent="0">
+              <a:buNone/>
+            </a:pPr>
+            <a:endParaRPr lang="en-US" sz="2000" dirty="0" smtClean="0"/>
+          </a:p>
+          <a:p>
+            <a:pPr marL="68580" indent="0">
+              <a:buNone/>
+            </a:pPr>
+            <a:endParaRPr lang="en-US" sz="2000" dirty="0" smtClean="0"/>
+          </a:p>
+          <a:p>
+            <a:pPr marL="68580" indent="0">
+              <a:buNone/>
+            </a:pPr>
+            <a:endParaRPr lang="en-US" sz="2000" b="1" dirty="0" smtClean="0"/>
           </a:p>
         </p:txBody>
       </p:sp>
     </p:spTree>
     <p:extLst>
       <p:ext uri="{BB962C8B-B14F-4D97-AF65-F5344CB8AC3E}">
-        <p14:creationId xmlns:p14="http://schemas.microsoft.com/office/powerpoint/2010/main" val="1250269024"/>
+        <p14:creationId xmlns:p14="http://schemas.microsoft.com/office/powerpoint/2010/main" val="1428762558"/>
       </p:ext>
     </p:extLst>
   </p:cSld>
@@ -14549,21 +14461,21 @@
         </p:nvSpPr>
         <p:spPr>
           <a:xfrm>
-            <a:off x="1043490" y="829134"/>
-            <a:ext cx="6523958" cy="705647"/>
+            <a:off x="1043490" y="791747"/>
+            <a:ext cx="6594517" cy="471834"/>
           </a:xfrm>
         </p:spPr>
         <p:txBody>
           <a:bodyPr>
-            <a:normAutofit/>
+            <a:noAutofit/>
           </a:bodyPr>
           <a:lstStyle/>
           <a:p>
             <a:r>
-              <a:rPr lang="en-US" sz="3200" dirty="0" smtClean="0"/>
-              <a:t>Customizing spring security</a:t>
-            </a:r>
-            <a:endParaRPr lang="en-US" sz="3200" dirty="0"/>
+              <a:rPr lang="en-US" sz="2800" dirty="0" smtClean="0"/>
+              <a:t>CORS Mapping</a:t>
+            </a:r>
+            <a:endParaRPr lang="en-US" sz="2800" dirty="0"/>
           </a:p>
         </p:txBody>
       </p:sp>
@@ -14579,8 +14491,8 @@
         </p:nvSpPr>
         <p:spPr>
           <a:xfrm>
-            <a:off x="1043492" y="1534782"/>
-            <a:ext cx="6777317" cy="4297848"/>
+            <a:off x="1043492" y="1446575"/>
+            <a:ext cx="6777317" cy="4386055"/>
           </a:xfrm>
         </p:spPr>
         <p:txBody>
@@ -14589,107 +14501,113 @@
           </a:bodyPr>
           <a:lstStyle/>
           <a:p>
+            <a:r>
+              <a:rPr lang="en-US" dirty="0"/>
+              <a:t>Cross-origin resource sharing (CORS) is a mechanism that allows restricted resources </a:t>
+            </a:r>
+            <a:r>
+              <a:rPr lang="en-US" dirty="0" smtClean="0"/>
+              <a:t>on </a:t>
+            </a:r>
+            <a:r>
+              <a:rPr lang="en-US" dirty="0"/>
+              <a:t>a web page to be requested from another domain outside the domain from which the resource </a:t>
+            </a:r>
+            <a:r>
+              <a:rPr lang="en-US" dirty="0" smtClean="0"/>
+              <a:t>originated</a:t>
+            </a:r>
+          </a:p>
+          <a:p>
+            <a:endParaRPr lang="en-US" dirty="0" smtClean="0"/>
+          </a:p>
+          <a:p>
             <a:pPr marL="68580" indent="0">
               <a:buNone/>
             </a:pPr>
             <a:r>
               <a:rPr lang="en-US" sz="1800" dirty="0" smtClean="0"/>
-              <a:t>Following interfaces from spring security framework need to implement to customize spring security framework</a:t>
-            </a:r>
-          </a:p>
-          <a:p>
-            <a:pPr marL="411480" indent="-342900">
-              <a:buAutoNum type="arabicPeriod"/>
-            </a:pPr>
-            <a:r>
-              <a:rPr lang="en-US" sz="1800" b="1" dirty="0" err="1" smtClean="0"/>
-              <a:t>UserDetails</a:t>
-            </a:r>
-            <a:r>
-              <a:rPr lang="en-US" sz="1800" b="1" dirty="0" smtClean="0"/>
-              <a:t>:</a:t>
-            </a:r>
-            <a:r>
-              <a:rPr lang="en-US" sz="1800" dirty="0" smtClean="0"/>
-              <a:t> contains username ,password and other account enable disable locking kind of properties.</a:t>
-            </a:r>
-          </a:p>
-          <a:p>
-            <a:pPr marL="411480" indent="-342900">
-              <a:buAutoNum type="arabicPeriod"/>
-            </a:pPr>
-            <a:r>
-              <a:rPr lang="en-US" sz="1800" b="1" dirty="0" err="1" smtClean="0"/>
-              <a:t>GrantedAuthority</a:t>
-            </a:r>
-            <a:r>
-              <a:rPr lang="en-US" sz="1800" b="1" dirty="0" smtClean="0"/>
-              <a:t>: </a:t>
-            </a:r>
-            <a:r>
-              <a:rPr lang="en-US" sz="1800" dirty="0" smtClean="0"/>
-              <a:t>contains roles based we can grant access to the resources</a:t>
-            </a:r>
-          </a:p>
-          <a:p>
-            <a:pPr marL="411480" indent="-342900">
-              <a:buAutoNum type="arabicPeriod"/>
-            </a:pPr>
-            <a:r>
-              <a:rPr lang="en-US" sz="1800" b="1" dirty="0" err="1" smtClean="0"/>
-              <a:t>UserDetailService</a:t>
-            </a:r>
-            <a:r>
-              <a:rPr lang="en-US" sz="1800" b="1" dirty="0" smtClean="0"/>
-              <a:t>:</a:t>
-            </a:r>
-            <a:r>
-              <a:rPr lang="en-US" sz="1800" dirty="0" smtClean="0"/>
-              <a:t> loads the user based on username and returns </a:t>
-            </a:r>
-            <a:r>
-              <a:rPr lang="en-US" sz="1800" dirty="0" err="1" smtClean="0"/>
-              <a:t>UserDetails</a:t>
-            </a:r>
-            <a:r>
-              <a:rPr lang="en-US" sz="1800" dirty="0" smtClean="0"/>
-              <a:t> object.</a:t>
-            </a:r>
-          </a:p>
-          <a:p>
-            <a:pPr marL="411480" indent="-342900">
-              <a:buAutoNum type="arabicPeriod"/>
-            </a:pPr>
-            <a:r>
-              <a:rPr lang="en-US" sz="1800" b="1" dirty="0" err="1" smtClean="0"/>
-              <a:t>AuthenticationProvider</a:t>
-            </a:r>
-            <a:r>
-              <a:rPr lang="en-US" sz="1800" b="1" dirty="0" smtClean="0"/>
-              <a:t>:</a:t>
-            </a:r>
-            <a:r>
-              <a:rPr lang="en-US" sz="1800" dirty="0" smtClean="0"/>
-              <a:t> contains authenticate method to do check username and password against DB. If credentials are valid it has to return object of type </a:t>
-            </a:r>
-            <a:r>
-              <a:rPr lang="en-US" sz="1800" dirty="0" err="1" smtClean="0"/>
-              <a:t>UsernamePasswordAuthenticationToken</a:t>
+              <a:t>  @</a:t>
             </a:r>
             <a:r>
               <a:rPr lang="en-US" sz="1800" dirty="0"/>
-              <a:t> </a:t>
-            </a:r>
-            <a:r>
-              <a:rPr lang="en-US" sz="1800" dirty="0" smtClean="0"/>
-              <a:t>which takes valid username , password, authorities</a:t>
-            </a:r>
-            <a:endParaRPr lang="en-US" sz="1800" dirty="0"/>
+              <a:t>Override</a:t>
+            </a:r>
           </a:p>
           <a:p>
             <a:pPr marL="68580" indent="0">
               <a:buNone/>
             </a:pPr>
+            <a:r>
+              <a:rPr lang="en-US" sz="1800" dirty="0"/>
+              <a:t>    public void </a:t>
+            </a:r>
+            <a:r>
+              <a:rPr lang="en-US" sz="1800" dirty="0" err="1"/>
+              <a:t>addCorsMappings</a:t>
+            </a:r>
+            <a:r>
+              <a:rPr lang="en-US" sz="1800" dirty="0"/>
+              <a:t>(</a:t>
+            </a:r>
+            <a:r>
+              <a:rPr lang="en-US" sz="1800" dirty="0" err="1"/>
+              <a:t>CorsRegistry</a:t>
+            </a:r>
+            <a:r>
+              <a:rPr lang="en-US" sz="1800" dirty="0"/>
+              <a:t> registry) {</a:t>
+            </a:r>
+          </a:p>
+          <a:p>
+            <a:pPr marL="68580" indent="0">
+              <a:buNone/>
+            </a:pPr>
+            <a:r>
+              <a:rPr lang="en-US" sz="1800" dirty="0" smtClean="0"/>
+              <a:t>	</a:t>
+            </a:r>
+            <a:r>
+              <a:rPr lang="en-US" sz="1800" b="1" dirty="0" err="1" smtClean="0">
+                <a:solidFill>
+                  <a:srgbClr val="FF0000"/>
+                </a:solidFill>
+              </a:rPr>
+              <a:t>registry.addMapping</a:t>
+            </a:r>
+            <a:r>
+              <a:rPr lang="en-US" sz="1800" b="1" dirty="0">
+                <a:solidFill>
+                  <a:srgbClr val="FF0000"/>
+                </a:solidFill>
+              </a:rPr>
+              <a:t>("/</a:t>
+            </a:r>
+            <a:r>
+              <a:rPr lang="en-US" sz="1800" b="1" dirty="0" err="1">
+                <a:solidFill>
+                  <a:srgbClr val="FF0000"/>
+                </a:solidFill>
+              </a:rPr>
+              <a:t>cors</a:t>
+            </a:r>
+            <a:r>
+              <a:rPr lang="en-US" sz="1800" b="1" dirty="0">
+                <a:solidFill>
+                  <a:srgbClr val="FF0000"/>
+                </a:solidFill>
+              </a:rPr>
+              <a:t>/**");</a:t>
+            </a:r>
+          </a:p>
+          <a:p>
+            <a:pPr marL="68580" indent="0">
+              <a:buNone/>
+            </a:pPr>
+            <a:r>
+              <a:rPr lang="en-US" sz="1800" dirty="0"/>
+              <a:t>    }</a:t>
+            </a:r>
             <a:endParaRPr lang="en-US" dirty="0"/>
           </a:p>
         </p:txBody>
@@ -14697,7 +14615,7 @@
     </p:spTree>
     <p:extLst>
       <p:ext uri="{BB962C8B-B14F-4D97-AF65-F5344CB8AC3E}">
-        <p14:creationId xmlns:p14="http://schemas.microsoft.com/office/powerpoint/2010/main" val="3215067572"/>
+        <p14:creationId xmlns:p14="http://schemas.microsoft.com/office/powerpoint/2010/main" val="3281223477"/>
       </p:ext>
     </p:extLst>
   </p:cSld>
@@ -14743,25 +14661,21 @@
         </p:nvSpPr>
         <p:spPr>
           <a:xfrm>
-            <a:off x="1043490" y="811493"/>
-            <a:ext cx="6559238" cy="599800"/>
+            <a:off x="1226292" y="727764"/>
+            <a:ext cx="6594517" cy="595322"/>
           </a:xfrm>
         </p:spPr>
         <p:txBody>
           <a:bodyPr>
-            <a:normAutofit fontScale="90000"/>
+            <a:normAutofit/>
           </a:bodyPr>
           <a:lstStyle/>
           <a:p>
             <a:r>
-              <a:rPr lang="en-US" sz="3600" dirty="0" smtClean="0"/>
-              <a:t>Exception handing</a:t>
-            </a:r>
-            <a:r>
-              <a:rPr lang="en-US" dirty="0" smtClean="0"/>
-              <a:t> </a:t>
-            </a:r>
-            <a:endParaRPr lang="en-US" dirty="0"/>
+              <a:rPr lang="en-US" sz="2800" dirty="0" smtClean="0"/>
+              <a:t>Resource Handlers</a:t>
+            </a:r>
+            <a:endParaRPr lang="en-US" sz="2800" dirty="0"/>
           </a:p>
         </p:txBody>
       </p:sp>
@@ -14777,40 +14691,77 @@
         </p:nvSpPr>
         <p:spPr>
           <a:xfrm>
-            <a:off x="1043492" y="1639496"/>
-            <a:ext cx="6777317" cy="4193134"/>
+            <a:off x="705590" y="1446575"/>
+            <a:ext cx="7461609" cy="4386055"/>
           </a:xfrm>
         </p:spPr>
         <p:txBody>
           <a:bodyPr>
-            <a:normAutofit/>
+            <a:normAutofit lnSpcReduction="10000"/>
           </a:bodyPr>
           <a:lstStyle/>
+          <a:p>
+            <a:r>
+              <a:rPr lang="en-US" dirty="0"/>
+              <a:t>resource handlers for serving static resources such as images, </a:t>
+            </a:r>
+            <a:r>
+              <a:rPr lang="en-US" dirty="0" smtClean="0"/>
+              <a:t>CSS files </a:t>
+            </a:r>
+            <a:r>
+              <a:rPr lang="en-US" dirty="0"/>
+              <a:t>and others through Spring MVC including setting cache headers optimized for efficient loading in a web browser. Resources can be served out of locations under web application root, from the </a:t>
+            </a:r>
+            <a:r>
+              <a:rPr lang="en-US" dirty="0" smtClean="0"/>
+              <a:t>class path</a:t>
+            </a:r>
+            <a:r>
+              <a:rPr lang="en-US" dirty="0"/>
+              <a:t>, and others</a:t>
+            </a:r>
+            <a:r>
+              <a:rPr lang="en-US" dirty="0" smtClean="0"/>
+              <a:t>.</a:t>
+            </a:r>
+          </a:p>
           <a:p>
             <a:pPr marL="68580" indent="0">
               <a:buNone/>
             </a:pPr>
             <a:r>
-              <a:rPr lang="en-US" sz="1800" dirty="0" smtClean="0"/>
-              <a:t>Web exception can be handled by overriding method below method in </a:t>
-            </a:r>
-            <a:r>
-              <a:rPr lang="en-US" sz="1800" b="1" dirty="0" err="1" smtClean="0"/>
-              <a:t>WebMvcConfigurerAdapter</a:t>
-            </a:r>
-            <a:endParaRPr lang="en-US" dirty="0" smtClean="0"/>
+              <a:rPr lang="en-US" sz="1700" b="1" dirty="0" smtClean="0"/>
+              <a:t>@Override</a:t>
+            </a:r>
           </a:p>
           <a:p>
             <a:pPr marL="68580" indent="0">
               <a:buNone/>
             </a:pPr>
             <a:r>
-              <a:rPr lang="en-US" dirty="0"/>
-              <a:t> </a:t>
-            </a:r>
-            <a:r>
-              <a:rPr lang="en-US" sz="1400" dirty="0"/>
-              <a:t>@Override</a:t>
+              <a:rPr lang="en-US" sz="1700" b="1" dirty="0" smtClean="0"/>
+              <a:t>public </a:t>
+            </a:r>
+            <a:r>
+              <a:rPr lang="en-US" sz="1700" b="1" dirty="0"/>
+              <a:t>void </a:t>
+            </a:r>
+            <a:r>
+              <a:rPr lang="en-US" sz="1700" b="1" dirty="0" err="1"/>
+              <a:t>addResourceHandlers</a:t>
+            </a:r>
+            <a:r>
+              <a:rPr lang="en-US" sz="1700" b="1" dirty="0"/>
+              <a:t>(</a:t>
+            </a:r>
+            <a:r>
+              <a:rPr lang="en-US" sz="1700" b="1" dirty="0" err="1"/>
+              <a:t>ResourceHandlerRegistry</a:t>
+            </a:r>
+            <a:r>
+              <a:rPr lang="en-US" sz="1700" b="1" dirty="0"/>
+              <a:t> registry) {</a:t>
             </a:r>
           </a:p>
           <a:p>
@@ -14818,40 +14769,20 @@
               <a:buNone/>
             </a:pPr>
             <a:r>
-              <a:rPr lang="en-US" sz="1400" dirty="0"/>
-              <a:t> </a:t>
-            </a:r>
-            <a:r>
-              <a:rPr lang="en-US" sz="1400" b="1" dirty="0" smtClean="0"/>
-              <a:t>public </a:t>
-            </a:r>
-            <a:r>
-              <a:rPr lang="en-US" sz="1400" b="1" dirty="0"/>
-              <a:t>void </a:t>
-            </a:r>
-            <a:r>
-              <a:rPr lang="en-US" sz="1400" b="1" dirty="0" err="1"/>
-              <a:t>configureHandlerExceptionResolvers</a:t>
-            </a:r>
-            <a:r>
-              <a:rPr lang="en-US" sz="1400" b="1" dirty="0"/>
-              <a:t>(List&lt;</a:t>
-            </a:r>
-            <a:r>
-              <a:rPr lang="en-US" sz="1400" b="1" dirty="0" err="1"/>
-              <a:t>HandlerExceptionResolver</a:t>
-            </a:r>
-            <a:r>
-              <a:rPr lang="en-US" sz="1400" b="1" dirty="0"/>
-              <a:t>&gt; </a:t>
-            </a:r>
-            <a:r>
-              <a:rPr lang="en-US" sz="1400" b="1" dirty="0" err="1"/>
-              <a:t>exceptionResolvers</a:t>
-            </a:r>
-            <a:r>
-              <a:rPr lang="en-US" sz="1400" b="1" dirty="0"/>
-              <a:t>) {</a:t>
+              <a:rPr lang="en-US" sz="1700" dirty="0"/>
+              <a:t>        </a:t>
+            </a:r>
+            <a:r>
+              <a:rPr lang="en-US" sz="1700" dirty="0" err="1"/>
+              <a:t>registry.addResourceHandler</a:t>
+            </a:r>
+            <a:r>
+              <a:rPr lang="en-US" sz="1700" dirty="0"/>
+              <a:t>("/static/**")</a:t>
+            </a:r>
+            <a:r>
+              <a:rPr lang="en-US" sz="1700" dirty="0" smtClean="0"/>
+              <a:t>.  </a:t>
             </a:r>
           </a:p>
           <a:p>
@@ -14859,24 +14790,28 @@
               <a:buNone/>
             </a:pPr>
             <a:r>
-              <a:rPr lang="en-US" sz="1400" dirty="0"/>
+              <a:rPr lang="en-US" sz="1700" dirty="0"/>
+              <a:t> </a:t>
+            </a:r>
+            <a:r>
+              <a:rPr lang="en-US" sz="1700" dirty="0" smtClean="0"/>
               <a:t>        </a:t>
             </a:r>
             <a:r>
-              <a:rPr lang="en-US" sz="1400" b="1" dirty="0" err="1"/>
-              <a:t>super.configureHandlerExceptionResolvers</a:t>
-            </a:r>
-            <a:r>
-              <a:rPr lang="en-US" sz="1400" b="1" dirty="0"/>
-              <a:t>(</a:t>
-            </a:r>
-            <a:r>
-              <a:rPr lang="en-US" sz="1400" b="1" dirty="0" err="1"/>
-              <a:t>exceptionResolvers</a:t>
-            </a:r>
-            <a:r>
-              <a:rPr lang="en-US" sz="1400" b="1" dirty="0"/>
-              <a:t>);</a:t>
+              <a:rPr lang="en-US" sz="1700" dirty="0" err="1" smtClean="0"/>
+              <a:t>addResourceLocations</a:t>
+            </a:r>
+            <a:r>
+              <a:rPr lang="en-US" sz="1700" dirty="0"/>
+              <a:t>("</a:t>
+            </a:r>
+            <a:r>
+              <a:rPr lang="en-US" sz="1700" dirty="0" err="1"/>
+              <a:t>classpath</a:t>
+            </a:r>
+            <a:r>
+              <a:rPr lang="en-US" sz="1700" dirty="0"/>
+              <a:t>:/static/");</a:t>
             </a:r>
           </a:p>
           <a:p>
@@ -14884,38 +14819,16 @@
               <a:buNone/>
             </a:pPr>
             <a:r>
-              <a:rPr lang="en-US" sz="1400" dirty="0"/>
-              <a:t>        </a:t>
-            </a:r>
-            <a:r>
-              <a:rPr lang="en-US" sz="1400" dirty="0" err="1"/>
-              <a:t>exceptionResolvers.add</a:t>
-            </a:r>
-            <a:r>
-              <a:rPr lang="en-US" sz="1400" dirty="0"/>
-              <a:t>(</a:t>
-            </a:r>
-            <a:r>
-              <a:rPr lang="en-US" sz="1400" b="1" dirty="0"/>
-              <a:t>new </a:t>
-            </a:r>
-            <a:r>
-              <a:rPr lang="en-US" sz="1400" b="1" dirty="0" err="1"/>
-              <a:t>CustomExceptionResolver</a:t>
-            </a:r>
-            <a:r>
-              <a:rPr lang="en-US" sz="1400" b="1" dirty="0"/>
-              <a:t>());</a:t>
-            </a:r>
-          </a:p>
-          <a:p>
-            <a:pPr marL="68580" indent="0">
-              <a:buNone/>
-            </a:pPr>
-            <a:r>
-              <a:rPr lang="en-US" sz="1400" dirty="0"/>
-              <a:t>    }</a:t>
-            </a:r>
+              <a:rPr lang="en-US" sz="1700" dirty="0"/>
+              <a:t> </a:t>
+            </a:r>
+            <a:r>
+              <a:rPr lang="en-US" sz="1700" b="1" dirty="0" smtClean="0"/>
+              <a:t>}</a:t>
+            </a:r>
+            <a:endParaRPr lang="en-US" sz="1700" b="1" dirty="0"/>
+          </a:p>
+          <a:p>
             <a:endParaRPr lang="en-US" dirty="0"/>
           </a:p>
         </p:txBody>
@@ -14923,7 +14836,7 @@
     </p:spTree>
     <p:extLst>
       <p:ext uri="{BB962C8B-B14F-4D97-AF65-F5344CB8AC3E}">
-        <p14:creationId xmlns:p14="http://schemas.microsoft.com/office/powerpoint/2010/main" val="2577732982"/>
+        <p14:creationId xmlns:p14="http://schemas.microsoft.com/office/powerpoint/2010/main" val="2635867883"/>
       </p:ext>
     </p:extLst>
   </p:cSld>
@@ -14969,21 +14882,21 @@
         </p:nvSpPr>
         <p:spPr>
           <a:xfrm>
-            <a:off x="1043490" y="1027664"/>
-            <a:ext cx="6435760" cy="471834"/>
+            <a:off x="1043490" y="723287"/>
+            <a:ext cx="6777319" cy="564518"/>
           </a:xfrm>
         </p:spPr>
         <p:txBody>
           <a:bodyPr>
-            <a:noAutofit/>
+            <a:normAutofit fontScale="90000"/>
           </a:bodyPr>
           <a:lstStyle/>
           <a:p>
             <a:r>
-              <a:rPr lang="en-US" sz="2800" dirty="0" smtClean="0"/>
-              <a:t>Writing custom exception resolver </a:t>
-            </a:r>
-            <a:endParaRPr lang="en-US" sz="2800" dirty="0"/>
+              <a:rPr lang="en-US" sz="3200" dirty="0" smtClean="0"/>
+              <a:t>Writing simple REST service</a:t>
+            </a:r>
+            <a:endParaRPr lang="en-US" sz="3200" dirty="0"/>
           </a:p>
         </p:txBody>
       </p:sp>
@@ -14999,13 +14912,13 @@
         </p:nvSpPr>
         <p:spPr>
           <a:xfrm>
-            <a:off x="1043492" y="1746476"/>
-            <a:ext cx="6777317" cy="4086154"/>
+            <a:off x="1043492" y="1287806"/>
+            <a:ext cx="6777317" cy="4544824"/>
           </a:xfrm>
         </p:spPr>
         <p:txBody>
           <a:bodyPr>
-            <a:normAutofit fontScale="62500" lnSpcReduction="20000"/>
+            <a:normAutofit/>
           </a:bodyPr>
           <a:lstStyle/>
           <a:p>
@@ -15013,171 +14926,52 @@
               <a:buNone/>
             </a:pPr>
             <a:r>
-              <a:rPr lang="en-US" b="1" dirty="0"/>
-              <a:t>public class </a:t>
-            </a:r>
-            <a:r>
-              <a:rPr lang="en-US" b="1" dirty="0" err="1"/>
-              <a:t>CustomExceptionResolver</a:t>
-            </a:r>
-            <a:r>
-              <a:rPr lang="en-US" b="1" dirty="0"/>
-              <a:t> implements </a:t>
-            </a:r>
-            <a:r>
-              <a:rPr lang="en-US" b="1" dirty="0" err="1"/>
-              <a:t>HandlerExceptionResolver</a:t>
-            </a:r>
-            <a:r>
-              <a:rPr lang="en-US" b="1" dirty="0"/>
-              <a:t> {</a:t>
+              <a:rPr lang="en-US" dirty="0" smtClean="0"/>
+              <a:t>Writing REST Service is simple with below steps</a:t>
+            </a:r>
+            <a:r>
+              <a:rPr lang="en-US" sz="2800" dirty="0" smtClean="0"/>
+              <a:t>…</a:t>
+            </a:r>
+          </a:p>
+          <a:p>
+            <a:r>
+              <a:rPr lang="en-US" dirty="0" smtClean="0"/>
+              <a:t>Annotate your controller with @</a:t>
+            </a:r>
+            <a:r>
+              <a:rPr lang="en-US" dirty="0" err="1" smtClean="0"/>
+              <a:t>RestController</a:t>
+            </a:r>
+            <a:r>
+              <a:rPr lang="en-US" dirty="0" smtClean="0"/>
+              <a:t> </a:t>
             </a:r>
           </a:p>
           <a:p>
             <a:pPr marL="68580" indent="0">
               <a:buNone/>
             </a:pPr>
-            <a:endParaRPr lang="en-US" dirty="0"/>
-          </a:p>
-          <a:p>
-            <a:pPr marL="68580" indent="0">
-              <a:buNone/>
-            </a:pPr>
-            <a:r>
-              <a:rPr lang="en-US" dirty="0"/>
-              <a:t>    @Override</a:t>
-            </a:r>
-          </a:p>
-          <a:p>
-            <a:pPr marL="68580" indent="0">
-              <a:buNone/>
-            </a:pPr>
-            <a:r>
-              <a:rPr lang="en-US" dirty="0"/>
-              <a:t>    </a:t>
-            </a:r>
-            <a:r>
-              <a:rPr lang="en-US" b="1" dirty="0"/>
-              <a:t>public </a:t>
-            </a:r>
-            <a:r>
-              <a:rPr lang="en-US" b="1" dirty="0" err="1"/>
-              <a:t>ModelAndView</a:t>
-            </a:r>
-            <a:r>
-              <a:rPr lang="en-US" b="1" dirty="0"/>
-              <a:t> </a:t>
-            </a:r>
-            <a:r>
-              <a:rPr lang="en-US" b="1" dirty="0" err="1"/>
-              <a:t>resolveException</a:t>
-            </a:r>
-            <a:r>
-              <a:rPr lang="en-US" b="1" dirty="0"/>
-              <a:t>(</a:t>
-            </a:r>
-            <a:r>
-              <a:rPr lang="en-US" b="1" dirty="0" err="1"/>
-              <a:t>HttpServletRequest</a:t>
-            </a:r>
-            <a:r>
-              <a:rPr lang="en-US" b="1" dirty="0"/>
-              <a:t> request, </a:t>
-            </a:r>
-            <a:r>
-              <a:rPr lang="en-US" b="1" dirty="0" err="1"/>
-              <a:t>HttpServletResponse</a:t>
-            </a:r>
-            <a:r>
-              <a:rPr lang="en-US" b="1" dirty="0"/>
-              <a:t> response, Object handler, Exception ex) {</a:t>
-            </a:r>
-          </a:p>
-          <a:p>
-            <a:pPr marL="68580" indent="0">
-              <a:buNone/>
-            </a:pPr>
-            <a:endParaRPr lang="en-US" dirty="0"/>
-          </a:p>
-          <a:p>
-            <a:pPr marL="68580" indent="0">
-              <a:buNone/>
-            </a:pPr>
-            <a:r>
-              <a:rPr lang="ro-RO" b="1" dirty="0"/>
-              <a:t> </a:t>
-            </a:r>
-            <a:r>
-              <a:rPr lang="ro-RO" b="1" dirty="0" smtClean="0"/>
-              <a:t>    final </a:t>
-            </a:r>
-            <a:r>
-              <a:rPr lang="ro-RO" b="1" dirty="0"/>
-              <a:t>ModelAndView mv = new ModelAndView("exception");</a:t>
-            </a:r>
-          </a:p>
-          <a:p>
-            <a:pPr marL="68580" indent="0">
-              <a:buNone/>
-            </a:pPr>
-            <a:r>
-              <a:rPr lang="ro-RO" dirty="0"/>
-              <a:t>        mv.addObject("name", ex.getClass().getSimpleName());</a:t>
-            </a:r>
-          </a:p>
-          <a:p>
-            <a:pPr marL="68580" indent="0">
-              <a:buNone/>
-            </a:pPr>
-            <a:r>
-              <a:rPr lang="ro-RO" dirty="0"/>
-              <a:t>        mv.addObject("message", ex.getMessage());</a:t>
-            </a:r>
-          </a:p>
-          <a:p>
-            <a:pPr marL="68580" indent="0">
-              <a:buNone/>
-            </a:pPr>
-            <a:r>
-              <a:rPr lang="ro-RO" dirty="0"/>
-              <a:t>        mv.addObject("errorCode", response.getStatus());</a:t>
-            </a:r>
-          </a:p>
-          <a:p>
-            <a:pPr marL="68580" indent="0">
-              <a:buNone/>
-            </a:pPr>
-            <a:r>
-              <a:rPr lang="is-IS" dirty="0"/>
-              <a:t>        </a:t>
-            </a:r>
-            <a:r>
-              <a:rPr lang="is-IS" b="1" dirty="0"/>
-              <a:t>return mv;</a:t>
-            </a:r>
-          </a:p>
-          <a:p>
-            <a:pPr marL="68580" indent="0">
-              <a:buNone/>
-            </a:pPr>
-            <a:r>
-              <a:rPr lang="is-IS" dirty="0"/>
-              <a:t>    }</a:t>
-            </a:r>
-          </a:p>
-          <a:p>
-            <a:pPr marL="68580" indent="0">
-              <a:buNone/>
-            </a:pPr>
-            <a:endParaRPr lang="is-IS" dirty="0"/>
-          </a:p>
-          <a:p>
-            <a:pPr marL="68580" indent="0">
-              <a:buNone/>
-            </a:pPr>
-            <a:r>
-              <a:rPr lang="is-IS" dirty="0"/>
-              <a:t>}</a:t>
+            <a:r>
+              <a:rPr lang="en-US" sz="2000" dirty="0" smtClean="0"/>
+              <a:t>	This is equals to @Controller +@</a:t>
+            </a:r>
+            <a:r>
+              <a:rPr lang="en-US" sz="2000" dirty="0" err="1" smtClean="0"/>
+              <a:t>ResponseBody</a:t>
+            </a:r>
+            <a:endParaRPr lang="en-US" sz="2000" dirty="0" smtClean="0"/>
+          </a:p>
+          <a:p>
+            <a:r>
+              <a:rPr lang="en-US" dirty="0" smtClean="0"/>
+              <a:t>Make sure appropriate message converters available in the class path. Spring will automatically creates message converters for you.</a:t>
+            </a:r>
+          </a:p>
+          <a:p>
+            <a:r>
+              <a:rPr lang="en-US" dirty="0" smtClean="0"/>
+              <a:t>Return required DTO Objects from the class methods</a:t>
             </a:r>
             <a:endParaRPr lang="en-US" dirty="0"/>
           </a:p>
@@ -15186,7 +14980,7 @@
     </p:spTree>
     <p:extLst>
       <p:ext uri="{BB962C8B-B14F-4D97-AF65-F5344CB8AC3E}">
-        <p14:creationId xmlns:p14="http://schemas.microsoft.com/office/powerpoint/2010/main" val="1952428615"/>
+        <p14:creationId xmlns:p14="http://schemas.microsoft.com/office/powerpoint/2010/main" val="3933408760"/>
       </p:ext>
     </p:extLst>
   </p:cSld>
@@ -15232,23 +15026,19 @@
         </p:nvSpPr>
         <p:spPr>
           <a:xfrm>
-            <a:off x="1043490" y="712361"/>
-            <a:ext cx="6777319" cy="630605"/>
+            <a:off x="1043490" y="776211"/>
+            <a:ext cx="7024744" cy="688005"/>
           </a:xfrm>
         </p:spPr>
         <p:txBody>
           <a:bodyPr>
-            <a:noAutofit/>
+            <a:normAutofit/>
           </a:bodyPr>
           <a:lstStyle/>
           <a:p>
             <a:r>
-              <a:rPr lang="en-US" sz="2800" dirty="0" err="1" smtClean="0"/>
-              <a:t>RESTful</a:t>
-            </a:r>
-            <a:r>
               <a:rPr lang="en-US" sz="2800" dirty="0" smtClean="0"/>
-              <a:t> service exception handling</a:t>
+              <a:t>Web application scopes</a:t>
             </a:r>
             <a:endParaRPr lang="en-US" sz="2800" dirty="0"/>
           </a:p>
@@ -15266,108 +15056,890 @@
         </p:nvSpPr>
         <p:spPr>
           <a:xfrm>
-            <a:off x="1043492" y="1781758"/>
-            <a:ext cx="6777317" cy="4050872"/>
+            <a:off x="1043492" y="1693552"/>
+            <a:ext cx="6777317" cy="4139078"/>
           </a:xfrm>
         </p:spPr>
         <p:txBody>
           <a:bodyPr/>
           <a:lstStyle/>
           <a:p>
-            <a:r>
-              <a:rPr lang="en-US" sz="1800" dirty="0" smtClean="0"/>
-              <a:t>If you want exception message as JSON then write a class which extends </a:t>
-            </a:r>
-            <a:r>
-              <a:rPr lang="en-US" sz="1800" b="1" dirty="0" err="1"/>
-              <a:t>ResponseEntityExceptionHandler</a:t>
-            </a:r>
-            <a:r>
-              <a:rPr lang="en-US" sz="1800" dirty="0" smtClean="0"/>
-              <a:t> and annotate that class with @</a:t>
-            </a:r>
-            <a:r>
-              <a:rPr lang="en-US" sz="1800" dirty="0" err="1" smtClean="0"/>
-              <a:t>ControllerAdvice</a:t>
-            </a:r>
-            <a:r>
-              <a:rPr lang="en-US" sz="1800" dirty="0" smtClean="0"/>
-              <a:t>.</a:t>
-            </a:r>
-          </a:p>
-          <a:p>
-            <a:r>
-              <a:rPr lang="en-US" sz="1800" dirty="0" smtClean="0"/>
-              <a:t>Override  methods available in above handler class</a:t>
-            </a:r>
-          </a:p>
-          <a:p>
             <a:pPr marL="68580" indent="0">
               <a:buNone/>
             </a:pPr>
-            <a:endParaRPr lang="en-US" dirty="0" smtClean="0"/>
+            <a:r>
+              <a:rPr lang="en-US" dirty="0" smtClean="0"/>
+              <a:t>Spring web application has two additional scopes ::</a:t>
+            </a:r>
+            <a:endParaRPr lang="en-US" dirty="0"/>
+          </a:p>
+          <a:p>
+            <a:r>
+              <a:rPr lang="en-US" b="1" dirty="0" smtClean="0"/>
+              <a:t>Session scope:</a:t>
+            </a:r>
+            <a:r>
+              <a:rPr lang="en-US" dirty="0" smtClean="0"/>
+              <a:t> objects created per session based.</a:t>
+            </a:r>
           </a:p>
           <a:p>
             <a:pPr marL="68580" indent="0">
               <a:buNone/>
             </a:pPr>
             <a:r>
-              <a:rPr lang="en-US" sz="2000" dirty="0"/>
+              <a:rPr lang="en-US" sz="1800" b="1" dirty="0" smtClean="0"/>
+              <a:t> </a:t>
+            </a:r>
+            <a:r>
+              <a:rPr lang="en-US" sz="1600" b="1" dirty="0" smtClean="0"/>
               <a:t>@</a:t>
             </a:r>
             <a:r>
-              <a:rPr lang="en-US" sz="2000" dirty="0" err="1"/>
-              <a:t>ControllerAdvice</a:t>
-            </a:r>
-            <a:endParaRPr lang="en-US" sz="1800" dirty="0"/>
+              <a:rPr lang="en-US" sz="1600" b="1" dirty="0"/>
+              <a:t>Scope</a:t>
+            </a:r>
+            <a:r>
+              <a:rPr lang="en-US" sz="1600" dirty="0"/>
+              <a:t>(value = </a:t>
+            </a:r>
+            <a:r>
+              <a:rPr lang="en-US" sz="1600" dirty="0" err="1"/>
+              <a:t>WebApplicationContext.</a:t>
+            </a:r>
+            <a:r>
+              <a:rPr lang="en-US" sz="1600" b="1" i="1" dirty="0" err="1"/>
+              <a:t>SCOPE_SESSION</a:t>
+            </a:r>
+            <a:r>
+              <a:rPr lang="en-US" sz="1600" b="1" i="1" dirty="0"/>
+              <a:t>)</a:t>
+            </a:r>
+            <a:endParaRPr lang="en-US" sz="1600" dirty="0" smtClean="0"/>
+          </a:p>
+          <a:p>
+            <a:r>
+              <a:rPr lang="en-US" b="1" dirty="0" smtClean="0"/>
+              <a:t>Request scope</a:t>
+            </a:r>
+            <a:r>
+              <a:rPr lang="en-US" dirty="0" smtClean="0"/>
+              <a:t>: objects created per request based.</a:t>
+            </a:r>
           </a:p>
           <a:p>
             <a:pPr marL="68580" indent="0">
               <a:buNone/>
             </a:pPr>
             <a:r>
-              <a:rPr lang="en-US" sz="2000" dirty="0"/>
-              <a:t>public class </a:t>
-            </a:r>
-            <a:r>
-              <a:rPr lang="en-US" sz="2000" dirty="0" err="1"/>
-              <a:t>RESTExceptionHandler</a:t>
-            </a:r>
-            <a:r>
-              <a:rPr lang="en-US" sz="2000" dirty="0"/>
-              <a:t> extends </a:t>
-            </a:r>
-            <a:r>
-              <a:rPr lang="en-US" sz="2000" dirty="0" err="1" smtClean="0"/>
-              <a:t>ResponseEntityExceptionHandler</a:t>
-            </a:r>
-            <a:r>
-              <a:rPr lang="en-US" sz="2000" dirty="0" smtClean="0"/>
-              <a:t>{</a:t>
-            </a:r>
-          </a:p>
-          <a:p>
-            <a:pPr marL="68580" indent="0">
-              <a:buNone/>
-            </a:pPr>
-            <a:endParaRPr lang="en-US" sz="2000" dirty="0"/>
-          </a:p>
-          <a:p>
-            <a:pPr marL="68580" indent="0">
-              <a:buNone/>
-            </a:pPr>
-            <a:r>
-              <a:rPr lang="en-US" sz="2000" dirty="0" smtClean="0"/>
-              <a:t>}</a:t>
-            </a:r>
-            <a:endParaRPr lang="en-US" sz="2000" dirty="0"/>
+              <a:rPr lang="en-US" sz="1600" b="1" dirty="0" smtClean="0"/>
+              <a:t>  @</a:t>
+            </a:r>
+            <a:r>
+              <a:rPr lang="en-US" sz="1600" b="1" dirty="0"/>
+              <a:t>Scope</a:t>
+            </a:r>
+            <a:r>
+              <a:rPr lang="en-US" sz="1600" dirty="0"/>
+              <a:t>(value = </a:t>
+            </a:r>
+            <a:r>
+              <a:rPr lang="en-US" sz="1600" dirty="0" err="1"/>
+              <a:t>WebApplicationContext.</a:t>
+            </a:r>
+            <a:r>
+              <a:rPr lang="en-US" sz="1600" b="1" i="1" dirty="0" err="1"/>
+              <a:t>SCOPE_REQUEST</a:t>
+            </a:r>
+            <a:r>
+              <a:rPr lang="en-US" sz="1600" b="1" i="1" dirty="0"/>
+              <a:t>)</a:t>
+            </a:r>
+            <a:endParaRPr lang="en-US" dirty="0"/>
           </a:p>
         </p:txBody>
       </p:sp>
     </p:spTree>
     <p:extLst>
       <p:ext uri="{BB962C8B-B14F-4D97-AF65-F5344CB8AC3E}">
-        <p14:creationId xmlns:p14="http://schemas.microsoft.com/office/powerpoint/2010/main" val="3670534907"/>
+        <p14:creationId xmlns:p14="http://schemas.microsoft.com/office/powerpoint/2010/main" val="1202784962"/>
+      </p:ext>
+    </p:extLst>
+  </p:cSld>
+  <p:clrMapOvr>
+    <a:masterClrMapping/>
+  </p:clrMapOvr>
+</p:sld>
+</file>
+
+<file path=ppt/slides/slide17.xml><?xml version="1.0" encoding="utf-8"?>
+<p:sld xmlns:a="http://schemas.openxmlformats.org/drawingml/2006/main" xmlns:r="http://schemas.openxmlformats.org/officeDocument/2006/relationships" xmlns:p="http://schemas.openxmlformats.org/presentationml/2006/main">
+  <p:cSld>
+    <p:spTree>
+      <p:nvGrpSpPr>
+        <p:cNvPr id="1" name=""/>
+        <p:cNvGrpSpPr/>
+        <p:nvPr/>
+      </p:nvGrpSpPr>
+      <p:grpSpPr>
+        <a:xfrm>
+          <a:off x="0" y="0"/>
+          <a:ext cx="0" cy="0"/>
+          <a:chOff x="0" y="0"/>
+          <a:chExt cx="0" cy="0"/>
+        </a:xfrm>
+      </p:grpSpPr>
+      <p:sp>
+        <p:nvSpPr>
+          <p:cNvPr id="2" name="Title 1"/>
+          <p:cNvSpPr>
+            <a:spLocks noGrp="1"/>
+          </p:cNvSpPr>
+          <p:nvPr>
+            <p:ph type="title"/>
+          </p:nvPr>
+        </p:nvSpPr>
+        <p:spPr>
+          <a:xfrm>
+            <a:off x="1043490" y="723287"/>
+            <a:ext cx="6171163" cy="652723"/>
+          </a:xfrm>
+        </p:spPr>
+        <p:txBody>
+          <a:bodyPr>
+            <a:normAutofit/>
+          </a:bodyPr>
+          <a:lstStyle/>
+          <a:p>
+            <a:r>
+              <a:rPr lang="en-US" sz="2400" dirty="0" smtClean="0"/>
+              <a:t>Steps to enable </a:t>
+            </a:r>
+            <a:r>
+              <a:rPr lang="en-US" sz="2400" dirty="0" smtClean="0"/>
+              <a:t>Spring Security</a:t>
+            </a:r>
+            <a:endParaRPr lang="en-US" sz="2400" dirty="0"/>
+          </a:p>
+        </p:txBody>
+      </p:sp>
+      <p:sp>
+        <p:nvSpPr>
+          <p:cNvPr id="3" name="Content Placeholder 2"/>
+          <p:cNvSpPr>
+            <a:spLocks noGrp="1"/>
+          </p:cNvSpPr>
+          <p:nvPr>
+            <p:ph idx="1"/>
+          </p:nvPr>
+        </p:nvSpPr>
+        <p:spPr>
+          <a:xfrm>
+            <a:off x="1043492" y="1534781"/>
+            <a:ext cx="6777317" cy="4297848"/>
+          </a:xfrm>
+        </p:spPr>
+        <p:txBody>
+          <a:bodyPr>
+            <a:normAutofit/>
+          </a:bodyPr>
+          <a:lstStyle/>
+          <a:p>
+            <a:r>
+              <a:rPr lang="en-US" sz="1600" dirty="0" smtClean="0"/>
+              <a:t>Write a class and annotate with </a:t>
+            </a:r>
+            <a:r>
+              <a:rPr lang="en-US" sz="1600" b="1" dirty="0" smtClean="0"/>
+              <a:t>@</a:t>
+            </a:r>
+            <a:r>
+              <a:rPr lang="en-US" sz="1600" b="1" dirty="0" err="1" smtClean="0"/>
+              <a:t>EnableWebSecurity</a:t>
+            </a:r>
+            <a:r>
+              <a:rPr lang="en-US" sz="1600" dirty="0" smtClean="0"/>
+              <a:t> and extend that class with </a:t>
+            </a:r>
+            <a:r>
+              <a:rPr lang="en-US" sz="1600" b="1" dirty="0" err="1" smtClean="0"/>
+              <a:t>WebSecurityConfigurerAdapter</a:t>
+            </a:r>
+            <a:endParaRPr lang="en-US" sz="1600" b="1" dirty="0" smtClean="0"/>
+          </a:p>
+          <a:p>
+            <a:pPr marL="365760" lvl="1" indent="0">
+              <a:buNone/>
+            </a:pPr>
+            <a:r>
+              <a:rPr lang="en-US" sz="1400" dirty="0" smtClean="0"/>
+              <a:t>This annotation looks for a instance of class </a:t>
+            </a:r>
+            <a:r>
+              <a:rPr lang="en-US" sz="1400" dirty="0" err="1" smtClean="0"/>
+              <a:t>WebSecurityConfigurer</a:t>
+            </a:r>
+            <a:r>
+              <a:rPr lang="en-US" sz="1400" dirty="0" smtClean="0"/>
+              <a:t> to read the security </a:t>
+            </a:r>
+            <a:r>
+              <a:rPr lang="en-US" sz="1400" dirty="0" smtClean="0"/>
+              <a:t>settings</a:t>
+            </a:r>
+            <a:endParaRPr lang="en-US" sz="1600" b="1" dirty="0"/>
+          </a:p>
+          <a:p>
+            <a:r>
+              <a:rPr lang="en-US" sz="1600" dirty="0" smtClean="0"/>
+              <a:t>Override configure(</a:t>
+            </a:r>
+            <a:r>
+              <a:rPr lang="en-US" sz="1600" dirty="0" err="1" smtClean="0"/>
+              <a:t>HttpSecurity</a:t>
+            </a:r>
+            <a:r>
+              <a:rPr lang="en-US" sz="1600" dirty="0" smtClean="0"/>
+              <a:t> http) method</a:t>
+            </a:r>
+          </a:p>
+          <a:p>
+            <a:pPr marL="365760" lvl="1" indent="0">
+              <a:buNone/>
+            </a:pPr>
+            <a:r>
+              <a:rPr lang="en-US" sz="1400" dirty="0"/>
+              <a:t> </a:t>
+            </a:r>
+            <a:r>
+              <a:rPr lang="en-US" sz="1400" dirty="0" smtClean="0"/>
+              <a:t>   Ex: </a:t>
+            </a:r>
+            <a:r>
+              <a:rPr lang="en-US" sz="1400" dirty="0"/>
+              <a:t> </a:t>
+            </a:r>
+            <a:r>
+              <a:rPr lang="en-US" sz="1400" dirty="0" err="1"/>
+              <a:t>http.authorizeRequests</a:t>
+            </a:r>
+            <a:r>
+              <a:rPr lang="en-US" sz="1400" dirty="0"/>
+              <a:t>().</a:t>
+            </a:r>
+          </a:p>
+          <a:p>
+            <a:pPr marL="365760" lvl="1" indent="0">
+              <a:buNone/>
+            </a:pPr>
+            <a:r>
+              <a:rPr lang="ro-RO" sz="1400" dirty="0"/>
+              <a:t>        antMatchers("/secure/**").</a:t>
+            </a:r>
+          </a:p>
+          <a:p>
+            <a:pPr marL="365760" lvl="1" indent="0">
+              <a:buNone/>
+            </a:pPr>
+            <a:r>
+              <a:rPr lang="en-US" sz="1400" dirty="0"/>
+              <a:t>        </a:t>
+            </a:r>
+            <a:r>
+              <a:rPr lang="en-US" sz="1400" dirty="0" err="1"/>
+              <a:t>hasRole</a:t>
+            </a:r>
+            <a:r>
+              <a:rPr lang="en-US" sz="1400" dirty="0"/>
+              <a:t>("ADMIN").</a:t>
+            </a:r>
+          </a:p>
+          <a:p>
+            <a:pPr marL="365760" lvl="1" indent="0">
+              <a:buNone/>
+            </a:pPr>
+            <a:r>
+              <a:rPr lang="en-US" sz="1400" dirty="0"/>
+              <a:t>        and().</a:t>
+            </a:r>
+            <a:r>
+              <a:rPr lang="en-US" sz="1400" dirty="0" err="1"/>
+              <a:t>formLogin</a:t>
+            </a:r>
+            <a:r>
+              <a:rPr lang="en-US" sz="1400" dirty="0"/>
+              <a:t>().</a:t>
+            </a:r>
+          </a:p>
+          <a:p>
+            <a:pPr marL="365760" lvl="1" indent="0">
+              <a:buNone/>
+            </a:pPr>
+            <a:r>
+              <a:rPr lang="en-US" sz="1400" dirty="0"/>
+              <a:t>        and().logout().</a:t>
+            </a:r>
+            <a:r>
+              <a:rPr lang="en-US" sz="1400" dirty="0" err="1"/>
+              <a:t>logoutUrl</a:t>
+            </a:r>
+            <a:r>
+              <a:rPr lang="en-US" sz="1400" dirty="0"/>
+              <a:t>("/logout")</a:t>
+            </a:r>
+            <a:r>
+              <a:rPr lang="en-US" sz="1400" dirty="0" smtClean="0"/>
+              <a:t>;</a:t>
+            </a:r>
+            <a:endParaRPr lang="en-US" sz="1600" b="1" dirty="0" smtClean="0"/>
+          </a:p>
+          <a:p>
+            <a:r>
+              <a:rPr lang="en-US" sz="1600" dirty="0" smtClean="0"/>
+              <a:t>Configure Security filter proxy in the  </a:t>
+            </a:r>
+            <a:r>
+              <a:rPr lang="en-US" sz="1600" dirty="0" err="1" smtClean="0"/>
+              <a:t>WEBXMLConfig</a:t>
+            </a:r>
+            <a:r>
+              <a:rPr lang="en-US" sz="1600" dirty="0" smtClean="0"/>
+              <a:t> file </a:t>
+            </a:r>
+          </a:p>
+          <a:p>
+            <a:r>
+              <a:rPr lang="en-US" sz="1600" dirty="0" smtClean="0"/>
+              <a:t>Add </a:t>
+            </a:r>
+            <a:r>
+              <a:rPr lang="en-US" sz="1600" dirty="0" err="1" smtClean="0"/>
+              <a:t>authenticationProvider</a:t>
+            </a:r>
+            <a:r>
+              <a:rPr lang="en-US" sz="1600" dirty="0" smtClean="0"/>
+              <a:t> or </a:t>
+            </a:r>
+            <a:r>
+              <a:rPr lang="en-US" sz="1600" dirty="0" err="1" smtClean="0"/>
+              <a:t>inMemoryManager</a:t>
+            </a:r>
+            <a:r>
+              <a:rPr lang="en-US" sz="1600" dirty="0" smtClean="0"/>
+              <a:t> by overriding </a:t>
+            </a:r>
+            <a:r>
+              <a:rPr lang="en-US" sz="1600" dirty="0" smtClean="0"/>
+              <a:t>below method</a:t>
+            </a:r>
+            <a:endParaRPr lang="en-US" sz="1600" dirty="0" smtClean="0"/>
+          </a:p>
+          <a:p>
+            <a:pPr marL="68580" indent="0">
+              <a:buNone/>
+            </a:pPr>
+            <a:r>
+              <a:rPr lang="en-US" sz="1600" b="1" dirty="0" smtClean="0"/>
+              <a:t> </a:t>
+            </a:r>
+            <a:r>
+              <a:rPr lang="en-US" sz="1600" b="1" dirty="0" smtClean="0"/>
+              <a:t>    </a:t>
+            </a:r>
+            <a:r>
+              <a:rPr lang="en-US" sz="1600" b="1" dirty="0"/>
+              <a:t>configure(</a:t>
+            </a:r>
+            <a:r>
+              <a:rPr lang="en-US" sz="1600" b="1" dirty="0" err="1"/>
+              <a:t>AuthenticationManagerBuilder</a:t>
+            </a:r>
+            <a:r>
+              <a:rPr lang="en-US" sz="1600" b="1" dirty="0"/>
+              <a:t> </a:t>
+            </a:r>
+            <a:r>
+              <a:rPr lang="en-US" sz="1600" b="1" dirty="0" err="1"/>
+              <a:t>auth</a:t>
+            </a:r>
+            <a:r>
+              <a:rPr lang="en-US" sz="1600" b="1" dirty="0" smtClean="0"/>
+              <a:t>)</a:t>
+            </a:r>
+            <a:r>
+              <a:rPr lang="en-US" sz="1600" dirty="0" smtClean="0"/>
+              <a:t>;</a:t>
+            </a:r>
+          </a:p>
+          <a:p>
+            <a:pPr marL="365760" lvl="1" indent="0">
+              <a:buNone/>
+            </a:pPr>
+            <a:r>
+              <a:rPr lang="en-US" sz="1400" dirty="0" smtClean="0"/>
+              <a:t>Ex: </a:t>
+            </a:r>
+            <a:r>
+              <a:rPr lang="en-US" sz="1400" dirty="0" err="1" smtClean="0"/>
+              <a:t>auth.inMemoryAuthentication</a:t>
+            </a:r>
+            <a:r>
+              <a:rPr lang="en-US" sz="1400" dirty="0"/>
+              <a:t>()</a:t>
+            </a:r>
+            <a:r>
+              <a:rPr lang="en-US" sz="1400" dirty="0" smtClean="0"/>
+              <a:t>.</a:t>
+            </a:r>
+          </a:p>
+          <a:p>
+            <a:pPr marL="365760" lvl="1" indent="0">
+              <a:buNone/>
+            </a:pPr>
+            <a:r>
+              <a:rPr lang="en-US" sz="1400" dirty="0" err="1" smtClean="0"/>
+              <a:t>withUser</a:t>
+            </a:r>
+            <a:r>
+              <a:rPr lang="en-US" sz="1400" dirty="0"/>
+              <a:t>("</a:t>
+            </a:r>
+            <a:r>
+              <a:rPr lang="en-US" sz="1400" u="sng" dirty="0"/>
+              <a:t>admin").password("1234").roles("ADMIN"</a:t>
+            </a:r>
+            <a:r>
+              <a:rPr lang="en-US" sz="1400" u="sng" dirty="0" smtClean="0"/>
+              <a:t>);</a:t>
+            </a:r>
+            <a:endParaRPr lang="en-US" sz="1400" b="1" dirty="0"/>
+          </a:p>
+        </p:txBody>
+      </p:sp>
+    </p:spTree>
+    <p:extLst>
+      <p:ext uri="{BB962C8B-B14F-4D97-AF65-F5344CB8AC3E}">
+        <p14:creationId xmlns:p14="http://schemas.microsoft.com/office/powerpoint/2010/main" val="1250269024"/>
+      </p:ext>
+    </p:extLst>
+  </p:cSld>
+  <p:clrMapOvr>
+    <a:masterClrMapping/>
+  </p:clrMapOvr>
+  <p:timing>
+    <p:tnLst>
+      <p:par>
+        <p:cTn xmlns:p14="http://schemas.microsoft.com/office/powerpoint/2010/main" id="1" dur="indefinite" restart="never" nodeType="tmRoot"/>
+      </p:par>
+    </p:tnLst>
+  </p:timing>
+</p:sld>
+</file>
+
+<file path=ppt/slides/slide18.xml><?xml version="1.0" encoding="utf-8"?>
+<p:sld xmlns:a="http://schemas.openxmlformats.org/drawingml/2006/main" xmlns:r="http://schemas.openxmlformats.org/officeDocument/2006/relationships" xmlns:p="http://schemas.openxmlformats.org/presentationml/2006/main">
+  <p:cSld>
+    <p:spTree>
+      <p:nvGrpSpPr>
+        <p:cNvPr id="1" name=""/>
+        <p:cNvGrpSpPr/>
+        <p:nvPr/>
+      </p:nvGrpSpPr>
+      <p:grpSpPr>
+        <a:xfrm>
+          <a:off x="0" y="0"/>
+          <a:ext cx="0" cy="0"/>
+          <a:chOff x="0" y="0"/>
+          <a:chExt cx="0" cy="0"/>
+        </a:xfrm>
+      </p:grpSpPr>
+      <p:sp>
+        <p:nvSpPr>
+          <p:cNvPr id="2" name="Title 1"/>
+          <p:cNvSpPr>
+            <a:spLocks noGrp="1"/>
+          </p:cNvSpPr>
+          <p:nvPr>
+            <p:ph type="title"/>
+          </p:nvPr>
+        </p:nvSpPr>
+        <p:spPr>
+          <a:xfrm>
+            <a:off x="1043490" y="829134"/>
+            <a:ext cx="6523958" cy="705647"/>
+          </a:xfrm>
+        </p:spPr>
+        <p:txBody>
+          <a:bodyPr>
+            <a:normAutofit/>
+          </a:bodyPr>
+          <a:lstStyle/>
+          <a:p>
+            <a:r>
+              <a:rPr lang="en-US" sz="3200" dirty="0" smtClean="0"/>
+              <a:t>Customizing spring security</a:t>
+            </a:r>
+            <a:endParaRPr lang="en-US" sz="3200" dirty="0"/>
+          </a:p>
+        </p:txBody>
+      </p:sp>
+      <p:sp>
+        <p:nvSpPr>
+          <p:cNvPr id="3" name="Content Placeholder 2"/>
+          <p:cNvSpPr>
+            <a:spLocks noGrp="1"/>
+          </p:cNvSpPr>
+          <p:nvPr>
+            <p:ph idx="1"/>
+          </p:nvPr>
+        </p:nvSpPr>
+        <p:spPr>
+          <a:xfrm>
+            <a:off x="1043492" y="1534782"/>
+            <a:ext cx="6777317" cy="4297848"/>
+          </a:xfrm>
+        </p:spPr>
+        <p:txBody>
+          <a:bodyPr>
+            <a:normAutofit/>
+          </a:bodyPr>
+          <a:lstStyle/>
+          <a:p>
+            <a:pPr marL="68580" indent="0">
+              <a:buNone/>
+            </a:pPr>
+            <a:r>
+              <a:rPr lang="en-US" sz="1800" dirty="0" smtClean="0"/>
+              <a:t>Following interfaces from spring security framework need to implement to customize spring security framework</a:t>
+            </a:r>
+          </a:p>
+          <a:p>
+            <a:pPr marL="411480" indent="-342900">
+              <a:buAutoNum type="arabicPeriod"/>
+            </a:pPr>
+            <a:r>
+              <a:rPr lang="en-US" sz="1800" b="1" dirty="0" err="1" smtClean="0"/>
+              <a:t>UserDetails</a:t>
+            </a:r>
+            <a:r>
+              <a:rPr lang="en-US" sz="1800" b="1" dirty="0" smtClean="0"/>
+              <a:t>:</a:t>
+            </a:r>
+            <a:r>
+              <a:rPr lang="en-US" sz="1800" dirty="0" smtClean="0"/>
+              <a:t> contains username ,password and other account enable disable locking kind of properties.</a:t>
+            </a:r>
+          </a:p>
+          <a:p>
+            <a:pPr marL="411480" indent="-342900">
+              <a:buAutoNum type="arabicPeriod"/>
+            </a:pPr>
+            <a:r>
+              <a:rPr lang="en-US" sz="1800" b="1" dirty="0" err="1" smtClean="0"/>
+              <a:t>GrantedAuthority</a:t>
+            </a:r>
+            <a:r>
+              <a:rPr lang="en-US" sz="1800" b="1" dirty="0" smtClean="0"/>
+              <a:t>: </a:t>
+            </a:r>
+            <a:r>
+              <a:rPr lang="en-US" sz="1800" dirty="0" smtClean="0"/>
+              <a:t>contains roles based we can grant access to the resources</a:t>
+            </a:r>
+          </a:p>
+          <a:p>
+            <a:pPr marL="411480" indent="-342900">
+              <a:buAutoNum type="arabicPeriod"/>
+            </a:pPr>
+            <a:r>
+              <a:rPr lang="en-US" sz="1800" b="1" dirty="0" err="1" smtClean="0"/>
+              <a:t>UserDetailService</a:t>
+            </a:r>
+            <a:r>
+              <a:rPr lang="en-US" sz="1800" b="1" dirty="0" smtClean="0"/>
+              <a:t>:</a:t>
+            </a:r>
+            <a:r>
+              <a:rPr lang="en-US" sz="1800" dirty="0" smtClean="0"/>
+              <a:t> loads the user based on username and returns </a:t>
+            </a:r>
+            <a:r>
+              <a:rPr lang="en-US" sz="1800" dirty="0" err="1" smtClean="0"/>
+              <a:t>UserDetails</a:t>
+            </a:r>
+            <a:r>
+              <a:rPr lang="en-US" sz="1800" dirty="0" smtClean="0"/>
+              <a:t> object.</a:t>
+            </a:r>
+          </a:p>
+          <a:p>
+            <a:pPr marL="411480" indent="-342900">
+              <a:buAutoNum type="arabicPeriod"/>
+            </a:pPr>
+            <a:r>
+              <a:rPr lang="en-US" sz="1800" b="1" dirty="0" err="1" smtClean="0"/>
+              <a:t>AuthenticationProvider</a:t>
+            </a:r>
+            <a:r>
+              <a:rPr lang="en-US" sz="1800" b="1" dirty="0" smtClean="0"/>
+              <a:t>:</a:t>
+            </a:r>
+            <a:r>
+              <a:rPr lang="en-US" sz="1800" dirty="0" smtClean="0"/>
+              <a:t> contains authenticate method to do check username and password against DB. If credentials are valid it has to return object of type </a:t>
+            </a:r>
+            <a:r>
+              <a:rPr lang="en-US" sz="1800" dirty="0" err="1" smtClean="0"/>
+              <a:t>UsernamePasswordAuthenticationToken</a:t>
+            </a:r>
+            <a:r>
+              <a:rPr lang="en-US" sz="1800" dirty="0"/>
+              <a:t> </a:t>
+            </a:r>
+            <a:r>
+              <a:rPr lang="en-US" sz="1800" dirty="0" smtClean="0"/>
+              <a:t>which takes valid username , password, authorities</a:t>
+            </a:r>
+            <a:endParaRPr lang="en-US" sz="1800" dirty="0"/>
+          </a:p>
+          <a:p>
+            <a:pPr marL="68580" indent="0">
+              <a:buNone/>
+            </a:pPr>
+            <a:endParaRPr lang="en-US" dirty="0"/>
+          </a:p>
+        </p:txBody>
+      </p:sp>
+    </p:spTree>
+    <p:extLst>
+      <p:ext uri="{BB962C8B-B14F-4D97-AF65-F5344CB8AC3E}">
+        <p14:creationId xmlns:p14="http://schemas.microsoft.com/office/powerpoint/2010/main" val="3215067572"/>
+      </p:ext>
+    </p:extLst>
+  </p:cSld>
+  <p:clrMapOvr>
+    <a:masterClrMapping/>
+  </p:clrMapOvr>
+  <p:timing>
+    <p:tnLst>
+      <p:par>
+        <p:cTn xmlns:p14="http://schemas.microsoft.com/office/powerpoint/2010/main" id="1" dur="indefinite" restart="never" nodeType="tmRoot"/>
+      </p:par>
+    </p:tnLst>
+  </p:timing>
+</p:sld>
+</file>
+
+<file path=ppt/slides/slide19.xml><?xml version="1.0" encoding="utf-8"?>
+<p:sld xmlns:a="http://schemas.openxmlformats.org/drawingml/2006/main" xmlns:r="http://schemas.openxmlformats.org/officeDocument/2006/relationships" xmlns:p="http://schemas.openxmlformats.org/presentationml/2006/main">
+  <p:cSld>
+    <p:spTree>
+      <p:nvGrpSpPr>
+        <p:cNvPr id="1" name=""/>
+        <p:cNvGrpSpPr/>
+        <p:nvPr/>
+      </p:nvGrpSpPr>
+      <p:grpSpPr>
+        <a:xfrm>
+          <a:off x="0" y="0"/>
+          <a:ext cx="0" cy="0"/>
+          <a:chOff x="0" y="0"/>
+          <a:chExt cx="0" cy="0"/>
+        </a:xfrm>
+      </p:grpSpPr>
+      <p:sp>
+        <p:nvSpPr>
+          <p:cNvPr id="2" name="Title 1"/>
+          <p:cNvSpPr>
+            <a:spLocks noGrp="1"/>
+          </p:cNvSpPr>
+          <p:nvPr>
+            <p:ph type="title"/>
+          </p:nvPr>
+        </p:nvSpPr>
+        <p:spPr>
+          <a:xfrm>
+            <a:off x="1043490" y="811493"/>
+            <a:ext cx="6559238" cy="599800"/>
+          </a:xfrm>
+        </p:spPr>
+        <p:txBody>
+          <a:bodyPr>
+            <a:normAutofit fontScale="90000"/>
+          </a:bodyPr>
+          <a:lstStyle/>
+          <a:p>
+            <a:r>
+              <a:rPr lang="en-US" sz="3600" dirty="0" smtClean="0"/>
+              <a:t>Exception handing</a:t>
+            </a:r>
+            <a:r>
+              <a:rPr lang="en-US" dirty="0" smtClean="0"/>
+              <a:t> </a:t>
+            </a:r>
+            <a:endParaRPr lang="en-US" dirty="0"/>
+          </a:p>
+        </p:txBody>
+      </p:sp>
+      <p:sp>
+        <p:nvSpPr>
+          <p:cNvPr id="3" name="Content Placeholder 2"/>
+          <p:cNvSpPr>
+            <a:spLocks noGrp="1"/>
+          </p:cNvSpPr>
+          <p:nvPr>
+            <p:ph idx="1"/>
+          </p:nvPr>
+        </p:nvSpPr>
+        <p:spPr>
+          <a:xfrm>
+            <a:off x="1043492" y="1639496"/>
+            <a:ext cx="6777317" cy="4193134"/>
+          </a:xfrm>
+        </p:spPr>
+        <p:txBody>
+          <a:bodyPr>
+            <a:normAutofit/>
+          </a:bodyPr>
+          <a:lstStyle/>
+          <a:p>
+            <a:pPr marL="68580" indent="0">
+              <a:buNone/>
+            </a:pPr>
+            <a:r>
+              <a:rPr lang="en-US" sz="1800" dirty="0" smtClean="0"/>
+              <a:t>Web exception can be handled by overriding method below method in </a:t>
+            </a:r>
+            <a:r>
+              <a:rPr lang="en-US" sz="1800" b="1" dirty="0" err="1" smtClean="0"/>
+              <a:t>WebMvcConfigurerAdapter</a:t>
+            </a:r>
+            <a:endParaRPr lang="en-US" dirty="0" smtClean="0"/>
+          </a:p>
+          <a:p>
+            <a:pPr marL="68580" indent="0">
+              <a:buNone/>
+            </a:pPr>
+            <a:r>
+              <a:rPr lang="en-US" dirty="0"/>
+              <a:t> </a:t>
+            </a:r>
+            <a:r>
+              <a:rPr lang="en-US" sz="1400" dirty="0"/>
+              <a:t>@Override</a:t>
+            </a:r>
+          </a:p>
+          <a:p>
+            <a:pPr marL="68580" indent="0">
+              <a:buNone/>
+            </a:pPr>
+            <a:r>
+              <a:rPr lang="en-US" sz="1400" dirty="0"/>
+              <a:t> </a:t>
+            </a:r>
+            <a:r>
+              <a:rPr lang="en-US" sz="1400" b="1" dirty="0" smtClean="0"/>
+              <a:t>public </a:t>
+            </a:r>
+            <a:r>
+              <a:rPr lang="en-US" sz="1400" b="1" dirty="0"/>
+              <a:t>void </a:t>
+            </a:r>
+            <a:r>
+              <a:rPr lang="en-US" sz="1400" b="1" dirty="0" err="1"/>
+              <a:t>configureHandlerExceptionResolvers</a:t>
+            </a:r>
+            <a:r>
+              <a:rPr lang="en-US" sz="1400" b="1" dirty="0"/>
+              <a:t>(List&lt;</a:t>
+            </a:r>
+            <a:r>
+              <a:rPr lang="en-US" sz="1400" b="1" dirty="0" err="1"/>
+              <a:t>HandlerExceptionResolver</a:t>
+            </a:r>
+            <a:r>
+              <a:rPr lang="en-US" sz="1400" b="1" dirty="0"/>
+              <a:t>&gt; </a:t>
+            </a:r>
+            <a:r>
+              <a:rPr lang="en-US" sz="1400" b="1" dirty="0" err="1"/>
+              <a:t>exceptionResolvers</a:t>
+            </a:r>
+            <a:r>
+              <a:rPr lang="en-US" sz="1400" b="1" dirty="0"/>
+              <a:t>) {</a:t>
+            </a:r>
+          </a:p>
+          <a:p>
+            <a:pPr marL="68580" indent="0">
+              <a:buNone/>
+            </a:pPr>
+            <a:r>
+              <a:rPr lang="en-US" sz="1400" dirty="0"/>
+              <a:t>        </a:t>
+            </a:r>
+            <a:r>
+              <a:rPr lang="en-US" sz="1400" b="1" dirty="0" err="1"/>
+              <a:t>super.configureHandlerExceptionResolvers</a:t>
+            </a:r>
+            <a:r>
+              <a:rPr lang="en-US" sz="1400" b="1" dirty="0"/>
+              <a:t>(</a:t>
+            </a:r>
+            <a:r>
+              <a:rPr lang="en-US" sz="1400" b="1" dirty="0" err="1"/>
+              <a:t>exceptionResolvers</a:t>
+            </a:r>
+            <a:r>
+              <a:rPr lang="en-US" sz="1400" b="1" dirty="0"/>
+              <a:t>);</a:t>
+            </a:r>
+          </a:p>
+          <a:p>
+            <a:pPr marL="68580" indent="0">
+              <a:buNone/>
+            </a:pPr>
+            <a:r>
+              <a:rPr lang="en-US" sz="1400" dirty="0"/>
+              <a:t>        </a:t>
+            </a:r>
+            <a:r>
+              <a:rPr lang="en-US" sz="1400" dirty="0" err="1"/>
+              <a:t>exceptionResolvers.add</a:t>
+            </a:r>
+            <a:r>
+              <a:rPr lang="en-US" sz="1400" dirty="0"/>
+              <a:t>(</a:t>
+            </a:r>
+            <a:r>
+              <a:rPr lang="en-US" sz="1400" b="1" dirty="0"/>
+              <a:t>new </a:t>
+            </a:r>
+            <a:r>
+              <a:rPr lang="en-US" sz="1400" b="1" dirty="0" err="1"/>
+              <a:t>CustomExceptionResolver</a:t>
+            </a:r>
+            <a:r>
+              <a:rPr lang="en-US" sz="1400" b="1" dirty="0"/>
+              <a:t>());</a:t>
+            </a:r>
+          </a:p>
+          <a:p>
+            <a:pPr marL="68580" indent="0">
+              <a:buNone/>
+            </a:pPr>
+            <a:r>
+              <a:rPr lang="en-US" sz="1400" dirty="0"/>
+              <a:t>    }</a:t>
+            </a:r>
+            <a:endParaRPr lang="en-US" dirty="0"/>
+          </a:p>
+        </p:txBody>
+      </p:sp>
+    </p:spTree>
+    <p:extLst>
+      <p:ext uri="{BB962C8B-B14F-4D97-AF65-F5344CB8AC3E}">
+        <p14:creationId xmlns:p14="http://schemas.microsoft.com/office/powerpoint/2010/main" val="2577732982"/>
       </p:ext>
     </p:extLst>
   </p:cSld>
@@ -15453,8 +16025,9 @@
           <a:p>
             <a:r>
               <a:rPr lang="en-US" dirty="0" smtClean="0"/>
-              <a:t>Spring Java based configuration</a:t>
-            </a:r>
+              <a:t>Spring MVC</a:t>
+            </a:r>
+            <a:endParaRPr lang="en-US" dirty="0" smtClean="0"/>
           </a:p>
           <a:p>
             <a:r>
@@ -15465,23 +16038,27 @@
           <a:p>
             <a:r>
               <a:rPr lang="en-US" dirty="0" smtClean="0"/>
-              <a:t>Servlet </a:t>
-            </a:r>
-            <a:r>
-              <a:rPr lang="en-US" smtClean="0"/>
-              <a:t>3.0 </a:t>
-            </a:r>
-            <a:r>
-              <a:rPr lang="en-US" smtClean="0"/>
-              <a:t>container</a:t>
+              <a:t>Servlet 3.0 container</a:t>
+            </a:r>
+          </a:p>
+          <a:p>
+            <a:r>
+              <a:rPr lang="en-US" dirty="0" smtClean="0"/>
+              <a:t>Customizing web app with Spring </a:t>
+            </a:r>
+            <a:r>
+              <a:rPr lang="en-US" dirty="0" smtClean="0"/>
+              <a:t>Adapters (</a:t>
+            </a:r>
+            <a:r>
+              <a:rPr lang="en-US" sz="1800" dirty="0" smtClean="0"/>
+              <a:t>available in spring 3.1</a:t>
+            </a:r>
+            <a:r>
+              <a:rPr lang="en-US" dirty="0" smtClean="0"/>
+              <a:t>)</a:t>
             </a:r>
             <a:endParaRPr lang="en-US" dirty="0" smtClean="0"/>
-          </a:p>
-          <a:p>
-            <a:r>
-              <a:rPr lang="en-US" dirty="0" smtClean="0"/>
-              <a:t>Customizing web app with Spring Adapters</a:t>
-            </a:r>
           </a:p>
           <a:p>
             <a:r>
@@ -15511,6 +16088,450 @@
     <p:extLst>
       <p:ext uri="{BB962C8B-B14F-4D97-AF65-F5344CB8AC3E}">
         <p14:creationId xmlns:p14="http://schemas.microsoft.com/office/powerpoint/2010/main" val="361673591"/>
+      </p:ext>
+    </p:extLst>
+  </p:cSld>
+  <p:clrMapOvr>
+    <a:masterClrMapping/>
+  </p:clrMapOvr>
+  <p:timing>
+    <p:tnLst>
+      <p:par>
+        <p:cTn xmlns:p14="http://schemas.microsoft.com/office/powerpoint/2010/main" id="1" dur="indefinite" restart="never" nodeType="tmRoot"/>
+      </p:par>
+    </p:tnLst>
+  </p:timing>
+</p:sld>
+</file>
+
+<file path=ppt/slides/slide20.xml><?xml version="1.0" encoding="utf-8"?>
+<p:sld xmlns:a="http://schemas.openxmlformats.org/drawingml/2006/main" xmlns:r="http://schemas.openxmlformats.org/officeDocument/2006/relationships" xmlns:p="http://schemas.openxmlformats.org/presentationml/2006/main">
+  <p:cSld>
+    <p:spTree>
+      <p:nvGrpSpPr>
+        <p:cNvPr id="1" name=""/>
+        <p:cNvGrpSpPr/>
+        <p:nvPr/>
+      </p:nvGrpSpPr>
+      <p:grpSpPr>
+        <a:xfrm>
+          <a:off x="0" y="0"/>
+          <a:ext cx="0" cy="0"/>
+          <a:chOff x="0" y="0"/>
+          <a:chExt cx="0" cy="0"/>
+        </a:xfrm>
+      </p:grpSpPr>
+      <p:sp>
+        <p:nvSpPr>
+          <p:cNvPr id="2" name="Title 1"/>
+          <p:cNvSpPr>
+            <a:spLocks noGrp="1"/>
+          </p:cNvSpPr>
+          <p:nvPr>
+            <p:ph type="title"/>
+          </p:nvPr>
+        </p:nvSpPr>
+        <p:spPr>
+          <a:xfrm>
+            <a:off x="1043490" y="1027664"/>
+            <a:ext cx="6435760" cy="471834"/>
+          </a:xfrm>
+        </p:spPr>
+        <p:txBody>
+          <a:bodyPr>
+            <a:noAutofit/>
+          </a:bodyPr>
+          <a:lstStyle/>
+          <a:p>
+            <a:r>
+              <a:rPr lang="en-US" sz="2800" dirty="0" smtClean="0"/>
+              <a:t>Writing custom exception resolver </a:t>
+            </a:r>
+            <a:endParaRPr lang="en-US" sz="2800" dirty="0"/>
+          </a:p>
+        </p:txBody>
+      </p:sp>
+      <p:sp>
+        <p:nvSpPr>
+          <p:cNvPr id="3" name="Content Placeholder 2"/>
+          <p:cNvSpPr>
+            <a:spLocks noGrp="1"/>
+          </p:cNvSpPr>
+          <p:nvPr>
+            <p:ph idx="1"/>
+          </p:nvPr>
+        </p:nvSpPr>
+        <p:spPr>
+          <a:xfrm>
+            <a:off x="1043492" y="1746476"/>
+            <a:ext cx="6777317" cy="4086154"/>
+          </a:xfrm>
+        </p:spPr>
+        <p:txBody>
+          <a:bodyPr>
+            <a:normAutofit fontScale="62500" lnSpcReduction="20000"/>
+          </a:bodyPr>
+          <a:lstStyle/>
+          <a:p>
+            <a:pPr marL="68580" indent="0">
+              <a:buNone/>
+            </a:pPr>
+            <a:r>
+              <a:rPr lang="en-US" b="1" dirty="0"/>
+              <a:t>public class </a:t>
+            </a:r>
+            <a:r>
+              <a:rPr lang="en-US" b="1" dirty="0" err="1"/>
+              <a:t>CustomExceptionResolver</a:t>
+            </a:r>
+            <a:r>
+              <a:rPr lang="en-US" b="1" dirty="0"/>
+              <a:t> implements </a:t>
+            </a:r>
+            <a:r>
+              <a:rPr lang="en-US" b="1" dirty="0" err="1"/>
+              <a:t>HandlerExceptionResolver</a:t>
+            </a:r>
+            <a:r>
+              <a:rPr lang="en-US" b="1" dirty="0"/>
+              <a:t> {</a:t>
+            </a:r>
+          </a:p>
+          <a:p>
+            <a:pPr marL="68580" indent="0">
+              <a:buNone/>
+            </a:pPr>
+            <a:endParaRPr lang="en-US" dirty="0"/>
+          </a:p>
+          <a:p>
+            <a:pPr marL="68580" indent="0">
+              <a:buNone/>
+            </a:pPr>
+            <a:r>
+              <a:rPr lang="en-US" dirty="0"/>
+              <a:t>    @Override</a:t>
+            </a:r>
+          </a:p>
+          <a:p>
+            <a:pPr marL="68580" indent="0">
+              <a:buNone/>
+            </a:pPr>
+            <a:r>
+              <a:rPr lang="en-US" dirty="0"/>
+              <a:t>    </a:t>
+            </a:r>
+            <a:r>
+              <a:rPr lang="en-US" b="1" dirty="0"/>
+              <a:t>public </a:t>
+            </a:r>
+            <a:r>
+              <a:rPr lang="en-US" b="1" dirty="0" err="1"/>
+              <a:t>ModelAndView</a:t>
+            </a:r>
+            <a:r>
+              <a:rPr lang="en-US" b="1" dirty="0"/>
+              <a:t> </a:t>
+            </a:r>
+            <a:r>
+              <a:rPr lang="en-US" b="1" dirty="0" err="1"/>
+              <a:t>resolveException</a:t>
+            </a:r>
+            <a:r>
+              <a:rPr lang="en-US" b="1" dirty="0"/>
+              <a:t>(</a:t>
+            </a:r>
+            <a:r>
+              <a:rPr lang="en-US" b="1" dirty="0" err="1"/>
+              <a:t>HttpServletRequest</a:t>
+            </a:r>
+            <a:r>
+              <a:rPr lang="en-US" b="1" dirty="0"/>
+              <a:t> request, </a:t>
+            </a:r>
+            <a:r>
+              <a:rPr lang="en-US" b="1" dirty="0" err="1"/>
+              <a:t>HttpServletResponse</a:t>
+            </a:r>
+            <a:r>
+              <a:rPr lang="en-US" b="1" dirty="0"/>
+              <a:t> response, Object handler, Exception ex) {</a:t>
+            </a:r>
+          </a:p>
+          <a:p>
+            <a:pPr marL="68580" indent="0">
+              <a:buNone/>
+            </a:pPr>
+            <a:endParaRPr lang="en-US" dirty="0"/>
+          </a:p>
+          <a:p>
+            <a:pPr marL="68580" indent="0">
+              <a:buNone/>
+            </a:pPr>
+            <a:r>
+              <a:rPr lang="ro-RO" b="1" dirty="0"/>
+              <a:t> </a:t>
+            </a:r>
+            <a:r>
+              <a:rPr lang="ro-RO" b="1" dirty="0" smtClean="0"/>
+              <a:t>    final </a:t>
+            </a:r>
+            <a:r>
+              <a:rPr lang="ro-RO" b="1" dirty="0"/>
+              <a:t>ModelAndView mv = new ModelAndView("exception");</a:t>
+            </a:r>
+          </a:p>
+          <a:p>
+            <a:pPr marL="68580" indent="0">
+              <a:buNone/>
+            </a:pPr>
+            <a:r>
+              <a:rPr lang="ro-RO" dirty="0"/>
+              <a:t>        mv.addObject("name", ex.getClass().getSimpleName());</a:t>
+            </a:r>
+          </a:p>
+          <a:p>
+            <a:pPr marL="68580" indent="0">
+              <a:buNone/>
+            </a:pPr>
+            <a:r>
+              <a:rPr lang="ro-RO" dirty="0"/>
+              <a:t>        mv.addObject("message", ex.getMessage());</a:t>
+            </a:r>
+          </a:p>
+          <a:p>
+            <a:pPr marL="68580" indent="0">
+              <a:buNone/>
+            </a:pPr>
+            <a:r>
+              <a:rPr lang="ro-RO" dirty="0"/>
+              <a:t>        mv.addObject("errorCode", response.getStatus());</a:t>
+            </a:r>
+          </a:p>
+          <a:p>
+            <a:pPr marL="68580" indent="0">
+              <a:buNone/>
+            </a:pPr>
+            <a:r>
+              <a:rPr lang="is-IS" dirty="0"/>
+              <a:t>        </a:t>
+            </a:r>
+            <a:r>
+              <a:rPr lang="is-IS" b="1" dirty="0"/>
+              <a:t>return mv;</a:t>
+            </a:r>
+          </a:p>
+          <a:p>
+            <a:pPr marL="68580" indent="0">
+              <a:buNone/>
+            </a:pPr>
+            <a:r>
+              <a:rPr lang="is-IS" dirty="0"/>
+              <a:t>    }</a:t>
+            </a:r>
+          </a:p>
+          <a:p>
+            <a:pPr marL="68580" indent="0">
+              <a:buNone/>
+            </a:pPr>
+            <a:endParaRPr lang="is-IS" dirty="0"/>
+          </a:p>
+          <a:p>
+            <a:pPr marL="68580" indent="0">
+              <a:buNone/>
+            </a:pPr>
+            <a:r>
+              <a:rPr lang="is-IS" dirty="0"/>
+              <a:t>}</a:t>
+            </a:r>
+            <a:endParaRPr lang="en-US" dirty="0"/>
+          </a:p>
+        </p:txBody>
+      </p:sp>
+    </p:spTree>
+    <p:extLst>
+      <p:ext uri="{BB962C8B-B14F-4D97-AF65-F5344CB8AC3E}">
+        <p14:creationId xmlns:p14="http://schemas.microsoft.com/office/powerpoint/2010/main" val="1952428615"/>
+      </p:ext>
+    </p:extLst>
+  </p:cSld>
+  <p:clrMapOvr>
+    <a:masterClrMapping/>
+  </p:clrMapOvr>
+  <p:timing>
+    <p:tnLst>
+      <p:par>
+        <p:cTn xmlns:p14="http://schemas.microsoft.com/office/powerpoint/2010/main" id="1" dur="indefinite" restart="never" nodeType="tmRoot"/>
+      </p:par>
+    </p:tnLst>
+  </p:timing>
+</p:sld>
+</file>
+
+<file path=ppt/slides/slide21.xml><?xml version="1.0" encoding="utf-8"?>
+<p:sld xmlns:a="http://schemas.openxmlformats.org/drawingml/2006/main" xmlns:r="http://schemas.openxmlformats.org/officeDocument/2006/relationships" xmlns:p="http://schemas.openxmlformats.org/presentationml/2006/main">
+  <p:cSld>
+    <p:spTree>
+      <p:nvGrpSpPr>
+        <p:cNvPr id="1" name=""/>
+        <p:cNvGrpSpPr/>
+        <p:nvPr/>
+      </p:nvGrpSpPr>
+      <p:grpSpPr>
+        <a:xfrm>
+          <a:off x="0" y="0"/>
+          <a:ext cx="0" cy="0"/>
+          <a:chOff x="0" y="0"/>
+          <a:chExt cx="0" cy="0"/>
+        </a:xfrm>
+      </p:grpSpPr>
+      <p:sp>
+        <p:nvSpPr>
+          <p:cNvPr id="2" name="Title 1"/>
+          <p:cNvSpPr>
+            <a:spLocks noGrp="1"/>
+          </p:cNvSpPr>
+          <p:nvPr>
+            <p:ph type="title"/>
+          </p:nvPr>
+        </p:nvSpPr>
+        <p:spPr>
+          <a:xfrm>
+            <a:off x="1043490" y="712361"/>
+            <a:ext cx="6777319" cy="630605"/>
+          </a:xfrm>
+        </p:spPr>
+        <p:txBody>
+          <a:bodyPr>
+            <a:noAutofit/>
+          </a:bodyPr>
+          <a:lstStyle/>
+          <a:p>
+            <a:r>
+              <a:rPr lang="en-US" sz="2800" dirty="0" err="1" smtClean="0"/>
+              <a:t>RESTful</a:t>
+            </a:r>
+            <a:r>
+              <a:rPr lang="en-US" sz="2800" dirty="0" smtClean="0"/>
+              <a:t> service exception handling</a:t>
+            </a:r>
+            <a:endParaRPr lang="en-US" sz="2800" dirty="0"/>
+          </a:p>
+        </p:txBody>
+      </p:sp>
+      <p:sp>
+        <p:nvSpPr>
+          <p:cNvPr id="3" name="Content Placeholder 2"/>
+          <p:cNvSpPr>
+            <a:spLocks noGrp="1"/>
+          </p:cNvSpPr>
+          <p:nvPr>
+            <p:ph idx="1"/>
+          </p:nvPr>
+        </p:nvSpPr>
+        <p:spPr>
+          <a:xfrm>
+            <a:off x="1043492" y="1781758"/>
+            <a:ext cx="6777317" cy="4050872"/>
+          </a:xfrm>
+        </p:spPr>
+        <p:txBody>
+          <a:bodyPr/>
+          <a:lstStyle/>
+          <a:p>
+            <a:r>
+              <a:rPr lang="en-US" sz="1800" dirty="0" smtClean="0"/>
+              <a:t>If you want exception message as JSON then write a class which extends </a:t>
+            </a:r>
+            <a:r>
+              <a:rPr lang="en-US" sz="1800" b="1" dirty="0" err="1"/>
+              <a:t>ResponseEntityExceptionHandler</a:t>
+            </a:r>
+            <a:r>
+              <a:rPr lang="en-US" sz="1800" dirty="0" smtClean="0"/>
+              <a:t> and annotate that class with @</a:t>
+            </a:r>
+            <a:r>
+              <a:rPr lang="en-US" sz="1800" dirty="0" err="1" smtClean="0"/>
+              <a:t>ControllerAdvice</a:t>
+            </a:r>
+            <a:r>
+              <a:rPr lang="en-US" sz="1800" dirty="0" smtClean="0"/>
+              <a:t>.</a:t>
+            </a:r>
+          </a:p>
+          <a:p>
+            <a:r>
+              <a:rPr lang="en-US" sz="1800" dirty="0" smtClean="0"/>
+              <a:t>Override  methods available in above handler class</a:t>
+            </a:r>
+          </a:p>
+          <a:p>
+            <a:pPr marL="68580" indent="0">
+              <a:buNone/>
+            </a:pPr>
+            <a:endParaRPr lang="en-US" dirty="0" smtClean="0"/>
+          </a:p>
+          <a:p>
+            <a:pPr marL="68580" indent="0">
+              <a:buNone/>
+            </a:pPr>
+            <a:r>
+              <a:rPr lang="en-US" sz="2000" dirty="0"/>
+              <a:t>@</a:t>
+            </a:r>
+            <a:r>
+              <a:rPr lang="en-US" sz="2000" dirty="0" err="1"/>
+              <a:t>ControllerAdvice</a:t>
+            </a:r>
+            <a:endParaRPr lang="en-US" sz="1800" dirty="0"/>
+          </a:p>
+          <a:p>
+            <a:pPr marL="68580" indent="0">
+              <a:buNone/>
+            </a:pPr>
+            <a:r>
+              <a:rPr lang="en-US" sz="2000" dirty="0"/>
+              <a:t>public class </a:t>
+            </a:r>
+            <a:r>
+              <a:rPr lang="en-US" sz="2000" dirty="0" err="1"/>
+              <a:t>RESTExceptionHandler</a:t>
+            </a:r>
+            <a:r>
+              <a:rPr lang="en-US" sz="2000" dirty="0"/>
+              <a:t> extends </a:t>
+            </a:r>
+            <a:r>
+              <a:rPr lang="en-US" sz="2000" dirty="0" err="1" smtClean="0"/>
+              <a:t>ResponseEntityExceptionHandler</a:t>
+            </a:r>
+            <a:r>
+              <a:rPr lang="en-US" sz="2000" dirty="0" smtClean="0"/>
+              <a:t>{</a:t>
+            </a:r>
+          </a:p>
+          <a:p>
+            <a:pPr marL="68580" indent="0">
+              <a:buNone/>
+            </a:pPr>
+            <a:endParaRPr lang="en-US" sz="2000" dirty="0"/>
+          </a:p>
+          <a:p>
+            <a:pPr marL="68580" indent="0">
+              <a:buNone/>
+            </a:pPr>
+            <a:r>
+              <a:rPr lang="en-US" sz="2000" dirty="0" smtClean="0"/>
+              <a:t>}</a:t>
+            </a:r>
+            <a:endParaRPr lang="en-US" sz="2000" dirty="0"/>
+          </a:p>
+        </p:txBody>
+      </p:sp>
+    </p:spTree>
+    <p:extLst>
+      <p:ext uri="{BB962C8B-B14F-4D97-AF65-F5344CB8AC3E}">
+        <p14:creationId xmlns:p14="http://schemas.microsoft.com/office/powerpoint/2010/main" val="3670534907"/>
       </p:ext>
     </p:extLst>
   </p:cSld>
@@ -15556,148 +16577,52 @@
         </p:nvSpPr>
         <p:spPr>
           <a:xfrm>
-            <a:off x="1043490" y="705646"/>
-            <a:ext cx="6777319" cy="793852"/>
+            <a:off x="1043490" y="776211"/>
+            <a:ext cx="6312281" cy="529235"/>
           </a:xfrm>
         </p:spPr>
         <p:txBody>
           <a:bodyPr>
-            <a:noAutofit/>
+            <a:normAutofit/>
           </a:bodyPr>
           <a:lstStyle/>
           <a:p>
             <a:r>
               <a:rPr lang="en-US" sz="2800" dirty="0" smtClean="0"/>
-              <a:t>Traditional Web application</a:t>
+              <a:t>How Spring MVC works</a:t>
             </a:r>
             <a:endParaRPr lang="en-US" sz="2800" dirty="0"/>
           </a:p>
         </p:txBody>
       </p:sp>
-      <p:sp>
-        <p:nvSpPr>
-          <p:cNvPr id="3" name="Content Placeholder 2"/>
-          <p:cNvSpPr>
-            <a:spLocks noGrp="1"/>
-          </p:cNvSpPr>
+      <p:pic>
+        <p:nvPicPr>
+          <p:cNvPr id="4" name="Content Placeholder 3"/>
+          <p:cNvPicPr>
+            <a:picLocks noGrp="1" noChangeAspect="1"/>
+          </p:cNvPicPr>
           <p:nvPr>
             <p:ph idx="1"/>
           </p:nvPr>
-        </p:nvSpPr>
+        </p:nvPicPr>
+        <p:blipFill>
+          <a:blip r:embed="rId2"/>
+          <a:srcRect t="-667" b="-667"/>
+          <a:stretch>
+            <a:fillRect/>
+          </a:stretch>
+        </p:blipFill>
         <p:spPr>
           <a:xfrm>
-            <a:off x="1043492" y="1658270"/>
-            <a:ext cx="6777317" cy="4174360"/>
+            <a:off x="1042988" y="1428750"/>
+            <a:ext cx="6777037" cy="4403725"/>
           </a:xfrm>
         </p:spPr>
-        <p:txBody>
-          <a:bodyPr/>
-          <a:lstStyle/>
-          <a:p>
-            <a:pPr marL="68580" indent="0">
-              <a:buNone/>
-            </a:pPr>
-            <a:endParaRPr lang="en-US" dirty="0" smtClean="0"/>
-          </a:p>
-          <a:p>
-            <a:pPr marL="68580" indent="0">
-              <a:buNone/>
-            </a:pPr>
-            <a:r>
-              <a:rPr lang="en-US" dirty="0" smtClean="0"/>
-              <a:t>-</a:t>
-            </a:r>
-            <a:r>
-              <a:rPr lang="en-US" dirty="0" err="1" smtClean="0"/>
-              <a:t>myApp</a:t>
-            </a:r>
-            <a:endParaRPr lang="en-US" dirty="0" smtClean="0"/>
-          </a:p>
-          <a:p>
-            <a:pPr marL="68580" indent="0">
-              <a:buNone/>
-            </a:pPr>
-            <a:r>
-              <a:rPr lang="en-US" dirty="0" smtClean="0"/>
-              <a:t>    |static/ *.</a:t>
-            </a:r>
-            <a:r>
-              <a:rPr lang="en-US" dirty="0" err="1" smtClean="0"/>
-              <a:t>css</a:t>
-            </a:r>
-            <a:r>
-              <a:rPr lang="en-US" dirty="0" smtClean="0"/>
-              <a:t>, *.</a:t>
-            </a:r>
-            <a:r>
-              <a:rPr lang="en-US" dirty="0" err="1" smtClean="0"/>
-              <a:t>js</a:t>
-            </a:r>
-            <a:endParaRPr lang="en-US" dirty="0" smtClean="0"/>
-          </a:p>
-          <a:p>
-            <a:pPr marL="68580" indent="0">
-              <a:buNone/>
-            </a:pPr>
-            <a:r>
-              <a:rPr lang="en-US" dirty="0"/>
-              <a:t> </a:t>
-            </a:r>
-            <a:r>
-              <a:rPr lang="en-US" dirty="0" smtClean="0"/>
-              <a:t>   |-WEB-INF</a:t>
-            </a:r>
-          </a:p>
-          <a:p>
-            <a:pPr marL="68580" indent="0">
-              <a:buNone/>
-            </a:pPr>
-            <a:r>
-              <a:rPr lang="en-US" dirty="0"/>
-              <a:t>	</a:t>
-            </a:r>
-            <a:r>
-              <a:rPr lang="en-US" dirty="0" smtClean="0"/>
-              <a:t> |classes/ *.class</a:t>
-            </a:r>
-          </a:p>
-          <a:p>
-            <a:pPr marL="68580" indent="0">
-              <a:buNone/>
-            </a:pPr>
-            <a:r>
-              <a:rPr lang="en-US" dirty="0"/>
-              <a:t>	</a:t>
-            </a:r>
-            <a:r>
-              <a:rPr lang="en-US" dirty="0" smtClean="0"/>
-              <a:t> |lib/*.jar</a:t>
-            </a:r>
-          </a:p>
-          <a:p>
-            <a:pPr marL="68580" indent="0">
-              <a:buNone/>
-            </a:pPr>
-            <a:r>
-              <a:rPr lang="en-US" dirty="0"/>
-              <a:t>	</a:t>
-            </a:r>
-            <a:r>
-              <a:rPr lang="en-US" b="1" dirty="0" smtClean="0"/>
-              <a:t> |-</a:t>
-            </a:r>
-            <a:r>
-              <a:rPr lang="en-US" b="1" dirty="0" err="1" smtClean="0"/>
-              <a:t>web.xml</a:t>
-            </a:r>
-            <a:endParaRPr lang="en-US" b="1" dirty="0"/>
-          </a:p>
-        </p:txBody>
-      </p:sp>
+      </p:pic>
     </p:spTree>
     <p:extLst>
       <p:ext uri="{BB962C8B-B14F-4D97-AF65-F5344CB8AC3E}">
-        <p14:creationId xmlns:p14="http://schemas.microsoft.com/office/powerpoint/2010/main" val="17803406"/>
+        <p14:creationId xmlns:p14="http://schemas.microsoft.com/office/powerpoint/2010/main" val="3177185603"/>
       </p:ext>
     </p:extLst>
   </p:cSld>
@@ -15731,449 +16656,34 @@
           <a:chExt cx="0" cy="0"/>
         </a:xfrm>
       </p:grpSpPr>
-      <p:sp>
-        <p:nvSpPr>
-          <p:cNvPr id="2" name="Title 1"/>
-          <p:cNvSpPr>
-            <a:spLocks noGrp="1"/>
-          </p:cNvSpPr>
-          <p:nvPr>
-            <p:ph type="title"/>
-          </p:nvPr>
-        </p:nvSpPr>
-        <p:spPr>
-          <a:xfrm>
-            <a:off x="1043490" y="758570"/>
-            <a:ext cx="6576877" cy="511593"/>
-          </a:xfrm>
-        </p:spPr>
-        <p:txBody>
-          <a:bodyPr>
-            <a:normAutofit/>
-          </a:bodyPr>
-          <a:lstStyle/>
-          <a:p>
-            <a:r>
-              <a:rPr lang="en-US" sz="2000" dirty="0" smtClean="0"/>
-              <a:t>Configuring </a:t>
-            </a:r>
-            <a:r>
-              <a:rPr lang="en-US" sz="2000" dirty="0" err="1" smtClean="0"/>
-              <a:t>web.xml</a:t>
-            </a:r>
-            <a:r>
-              <a:rPr lang="en-US" sz="2000" dirty="0" smtClean="0"/>
-              <a:t> prior to servlet 3.0</a:t>
-            </a:r>
-            <a:endParaRPr lang="en-US" sz="2000" dirty="0"/>
-          </a:p>
-        </p:txBody>
-      </p:sp>
-      <p:sp>
-        <p:nvSpPr>
-          <p:cNvPr id="3" name="Content Placeholder 2"/>
-          <p:cNvSpPr>
-            <a:spLocks noGrp="1"/>
-          </p:cNvSpPr>
+      <p:pic>
+        <p:nvPicPr>
+          <p:cNvPr id="6" name="Content Placeholder 5"/>
+          <p:cNvPicPr>
+            <a:picLocks noGrp="1" noChangeAspect="1"/>
+          </p:cNvPicPr>
           <p:nvPr>
             <p:ph idx="1"/>
           </p:nvPr>
-        </p:nvSpPr>
+        </p:nvPicPr>
+        <p:blipFill>
+          <a:blip r:embed="rId2"/>
+          <a:srcRect l="-5929" r="-5929"/>
+          <a:stretch>
+            <a:fillRect/>
+          </a:stretch>
+        </p:blipFill>
         <p:spPr>
           <a:xfrm>
-            <a:off x="1043492" y="1464216"/>
-            <a:ext cx="6777317" cy="4368414"/>
+            <a:off x="1042988" y="793750"/>
+            <a:ext cx="6777037" cy="5038725"/>
           </a:xfrm>
         </p:spPr>
-        <p:txBody>
-          <a:bodyPr>
-            <a:normAutofit fontScale="40000" lnSpcReduction="20000"/>
-          </a:bodyPr>
-          <a:lstStyle/>
-          <a:p>
-            <a:pPr marL="68580" indent="0">
-              <a:buNone/>
-            </a:pPr>
-            <a:endParaRPr lang="en-US" dirty="0" smtClean="0"/>
-          </a:p>
-          <a:p>
-            <a:pPr marL="68580" indent="0">
-              <a:buNone/>
-            </a:pPr>
-            <a:endParaRPr lang="en-US" dirty="0"/>
-          </a:p>
-          <a:p>
-            <a:pPr marL="68580" indent="0">
-              <a:buNone/>
-            </a:pPr>
-            <a:r>
-              <a:rPr lang="en-US" dirty="0" smtClean="0"/>
-              <a:t>&lt;</a:t>
-            </a:r>
-            <a:r>
-              <a:rPr lang="en-US" dirty="0"/>
-              <a:t>web-app id="</a:t>
-            </a:r>
-            <a:r>
-              <a:rPr lang="en-US" dirty="0" err="1"/>
-              <a:t>WebApp_ID</a:t>
-            </a:r>
-            <a:r>
-              <a:rPr lang="en-US" dirty="0"/>
-              <a:t>" version="</a:t>
-            </a:r>
-            <a:r>
-              <a:rPr lang="en-US" dirty="0" smtClean="0"/>
-              <a:t>2.4”&gt;</a:t>
-            </a:r>
-          </a:p>
-          <a:p>
-            <a:pPr marL="68580" indent="0">
-              <a:buNone/>
-            </a:pPr>
-            <a:endParaRPr lang="en-US" dirty="0"/>
-          </a:p>
-          <a:p>
-            <a:pPr marL="68580" indent="0">
-              <a:buNone/>
-            </a:pPr>
-            <a:r>
-              <a:rPr lang="en-US" dirty="0"/>
-              <a:t> </a:t>
-            </a:r>
-            <a:endParaRPr lang="en-US" dirty="0" smtClean="0"/>
-          </a:p>
-          <a:p>
-            <a:pPr marL="68580" indent="0">
-              <a:buNone/>
-            </a:pPr>
-            <a:r>
-              <a:rPr lang="en-US" b="1" dirty="0"/>
-              <a:t>&lt;context-</a:t>
-            </a:r>
-            <a:r>
-              <a:rPr lang="en-US" b="1" dirty="0" err="1"/>
-              <a:t>param</a:t>
-            </a:r>
-            <a:r>
-              <a:rPr lang="en-US" b="1" dirty="0"/>
-              <a:t>&gt;</a:t>
-            </a:r>
-          </a:p>
-          <a:p>
-            <a:pPr marL="68580" indent="0">
-              <a:buNone/>
-            </a:pPr>
-            <a:r>
-              <a:rPr lang="en-US" b="1" dirty="0"/>
-              <a:t>    &lt;</a:t>
-            </a:r>
-            <a:r>
-              <a:rPr lang="en-US" b="1" dirty="0" err="1"/>
-              <a:t>param</a:t>
-            </a:r>
-            <a:r>
-              <a:rPr lang="en-US" b="1" dirty="0"/>
-              <a:t>-name&gt;</a:t>
-            </a:r>
-            <a:r>
-              <a:rPr lang="en-US" b="1" dirty="0" err="1"/>
-              <a:t>contextConfigLocation</a:t>
-            </a:r>
-            <a:r>
-              <a:rPr lang="en-US" b="1" dirty="0"/>
-              <a:t>&lt;/</a:t>
-            </a:r>
-            <a:r>
-              <a:rPr lang="en-US" b="1" dirty="0" err="1"/>
-              <a:t>param</a:t>
-            </a:r>
-            <a:r>
-              <a:rPr lang="en-US" b="1" dirty="0"/>
-              <a:t>-name&gt;</a:t>
-            </a:r>
-          </a:p>
-          <a:p>
-            <a:pPr marL="68580" indent="0">
-              <a:buNone/>
-            </a:pPr>
-            <a:r>
-              <a:rPr lang="en-US" b="1" dirty="0"/>
-              <a:t>    &lt;</a:t>
-            </a:r>
-            <a:r>
-              <a:rPr lang="en-US" b="1" dirty="0" err="1"/>
-              <a:t>param</a:t>
-            </a:r>
-            <a:r>
-              <a:rPr lang="en-US" b="1" dirty="0"/>
-              <a:t>-value&gt;/WEB-INF/</a:t>
-            </a:r>
-            <a:r>
-              <a:rPr lang="en-US" b="1" dirty="0" err="1"/>
-              <a:t>applicationContext.xml</a:t>
-            </a:r>
-            <a:r>
-              <a:rPr lang="en-US" b="1" dirty="0"/>
-              <a:t>&lt;/</a:t>
-            </a:r>
-            <a:r>
-              <a:rPr lang="en-US" b="1" dirty="0" err="1"/>
-              <a:t>param</a:t>
-            </a:r>
-            <a:r>
-              <a:rPr lang="en-US" b="1" dirty="0"/>
-              <a:t>-value&gt;</a:t>
-            </a:r>
-          </a:p>
-          <a:p>
-            <a:pPr marL="68580" indent="0">
-              <a:buNone/>
-            </a:pPr>
-            <a:r>
-              <a:rPr lang="en-US" b="1" dirty="0"/>
-              <a:t>&lt;/context-</a:t>
-            </a:r>
-            <a:r>
-              <a:rPr lang="en-US" b="1" dirty="0" err="1"/>
-              <a:t>param</a:t>
-            </a:r>
-            <a:r>
-              <a:rPr lang="en-US" b="1" dirty="0" smtClean="0"/>
-              <a:t>&gt;</a:t>
-            </a:r>
-          </a:p>
-          <a:p>
-            <a:pPr marL="68580" indent="0">
-              <a:buNone/>
-            </a:pPr>
-            <a:endParaRPr lang="en-US" dirty="0" smtClean="0"/>
-          </a:p>
-          <a:p>
-            <a:pPr marL="68580" indent="0">
-              <a:buNone/>
-            </a:pPr>
-            <a:r>
-              <a:rPr lang="en-US" b="1" dirty="0"/>
-              <a:t>&lt;listener&gt;  </a:t>
-            </a:r>
-            <a:endParaRPr lang="en-US" b="1" dirty="0">
-              <a:solidFill>
-                <a:srgbClr val="FF0000"/>
-              </a:solidFill>
-            </a:endParaRPr>
-          </a:p>
-          <a:p>
-            <a:pPr marL="68580" indent="0">
-              <a:buNone/>
-            </a:pPr>
-            <a:r>
-              <a:rPr lang="en-US" b="1" dirty="0">
-                <a:solidFill>
-                  <a:srgbClr val="FF0000"/>
-                </a:solidFill>
-              </a:rPr>
-              <a:t>        &lt;listener-class&gt;</a:t>
-            </a:r>
-            <a:r>
-              <a:rPr lang="en-US" b="1" dirty="0" err="1">
-                <a:solidFill>
-                  <a:srgbClr val="FF0000"/>
-                </a:solidFill>
-              </a:rPr>
-              <a:t>org.springframework.web.context.ContextLoaderListener</a:t>
-            </a:r>
-            <a:r>
-              <a:rPr lang="en-US" b="1" dirty="0"/>
-              <a:t>&lt;/listener-class&gt;  </a:t>
-            </a:r>
-          </a:p>
-          <a:p>
-            <a:pPr marL="68580" indent="0">
-              <a:buNone/>
-            </a:pPr>
-            <a:r>
-              <a:rPr lang="en-US" b="1" dirty="0"/>
-              <a:t>&lt;/listener&gt;</a:t>
-            </a:r>
-          </a:p>
-          <a:p>
-            <a:pPr marL="68580" indent="0">
-              <a:buNone/>
-            </a:pPr>
-            <a:endParaRPr lang="en-US" dirty="0"/>
-          </a:p>
-          <a:p>
-            <a:pPr marL="68580" indent="0">
-              <a:buNone/>
-            </a:pPr>
-            <a:r>
-              <a:rPr lang="en-US" dirty="0"/>
-              <a:t>   &lt;servlet&gt;</a:t>
-            </a:r>
-          </a:p>
-          <a:p>
-            <a:pPr marL="68580" indent="0">
-              <a:buNone/>
-            </a:pPr>
-            <a:r>
-              <a:rPr lang="en-US" dirty="0"/>
-              <a:t>      &lt;servlet-name&gt;dispatcher&lt;/servlet-name&gt;</a:t>
-            </a:r>
-          </a:p>
-          <a:p>
-            <a:pPr marL="68580" indent="0">
-              <a:buNone/>
-            </a:pPr>
-            <a:r>
-              <a:rPr lang="en-US" dirty="0"/>
-              <a:t>      &lt;servlet-class&gt;</a:t>
-            </a:r>
-          </a:p>
-          <a:p>
-            <a:pPr marL="68580" indent="0">
-              <a:buNone/>
-            </a:pPr>
-            <a:r>
-              <a:rPr lang="en-US" b="1" dirty="0">
-                <a:solidFill>
-                  <a:srgbClr val="FF0000"/>
-                </a:solidFill>
-              </a:rPr>
-              <a:t>         </a:t>
-            </a:r>
-            <a:r>
-              <a:rPr lang="en-US" b="1" dirty="0" err="1">
-                <a:solidFill>
-                  <a:srgbClr val="FF0000"/>
-                </a:solidFill>
-              </a:rPr>
-              <a:t>org.springframework.web.servlet.DispatcherServlet</a:t>
-            </a:r>
-            <a:endParaRPr lang="en-US" b="1" dirty="0">
-              <a:solidFill>
-                <a:srgbClr val="FF0000"/>
-              </a:solidFill>
-            </a:endParaRPr>
-          </a:p>
-          <a:p>
-            <a:pPr marL="68580" indent="0">
-              <a:buNone/>
-            </a:pPr>
-            <a:r>
-              <a:rPr lang="en-US" dirty="0"/>
-              <a:t>      &lt;/servlet-class&gt;</a:t>
-            </a:r>
-          </a:p>
-          <a:p>
-            <a:pPr marL="68580" indent="0">
-              <a:buNone/>
-            </a:pPr>
-            <a:r>
-              <a:rPr lang="en-US" dirty="0"/>
-              <a:t>      &lt;load-on-startup&gt;1&lt;/load-on-startup&gt;</a:t>
-            </a:r>
-          </a:p>
-          <a:p>
-            <a:pPr marL="68580" indent="0">
-              <a:buNone/>
-            </a:pPr>
-            <a:r>
-              <a:rPr lang="en-US" dirty="0"/>
-              <a:t>   &lt;/servlet&gt;</a:t>
-            </a:r>
-          </a:p>
-          <a:p>
-            <a:pPr marL="68580" indent="0">
-              <a:buNone/>
-            </a:pPr>
-            <a:endParaRPr lang="en-US" dirty="0"/>
-          </a:p>
-          <a:p>
-            <a:pPr marL="68580" indent="0">
-              <a:buNone/>
-            </a:pPr>
-            <a:r>
-              <a:rPr lang="en-US" dirty="0"/>
-              <a:t>   &lt;servlet-mapping&gt;</a:t>
-            </a:r>
-          </a:p>
-          <a:p>
-            <a:pPr marL="68580" indent="0">
-              <a:buNone/>
-            </a:pPr>
-            <a:r>
-              <a:rPr lang="en-US" dirty="0"/>
-              <a:t>      &lt;servlet-name&gt;dispatcher&lt;/servlet-name&gt;</a:t>
-            </a:r>
-          </a:p>
-          <a:p>
-            <a:pPr marL="68580" indent="0">
-              <a:buNone/>
-            </a:pPr>
-            <a:r>
-              <a:rPr lang="en-US" dirty="0"/>
-              <a:t>  </a:t>
-            </a:r>
-            <a:r>
-              <a:rPr lang="en-US" b="1" dirty="0"/>
-              <a:t>    &lt;</a:t>
-            </a:r>
-            <a:r>
-              <a:rPr lang="en-US" b="1" dirty="0" err="1"/>
-              <a:t>url</a:t>
-            </a:r>
-            <a:r>
-              <a:rPr lang="en-US" b="1" dirty="0"/>
-              <a:t>-pattern</a:t>
-            </a:r>
-            <a:r>
-              <a:rPr lang="en-US" b="1" dirty="0" smtClean="0"/>
-              <a:t>&gt;/*&lt;</a:t>
-            </a:r>
-            <a:r>
-              <a:rPr lang="en-US" b="1" dirty="0"/>
-              <a:t>/</a:t>
-            </a:r>
-            <a:r>
-              <a:rPr lang="en-US" b="1" dirty="0" err="1"/>
-              <a:t>url</a:t>
-            </a:r>
-            <a:r>
-              <a:rPr lang="en-US" b="1" dirty="0"/>
-              <a:t>-pattern&gt;</a:t>
-            </a:r>
-          </a:p>
-          <a:p>
-            <a:pPr marL="68580" indent="0">
-              <a:buNone/>
-            </a:pPr>
-            <a:r>
-              <a:rPr lang="en-US" dirty="0"/>
-              <a:t>   &lt;/servlet-mapping&gt;</a:t>
-            </a:r>
-          </a:p>
-          <a:p>
-            <a:pPr marL="68580" indent="0">
-              <a:buNone/>
-            </a:pPr>
-            <a:endParaRPr lang="en-US" dirty="0"/>
-          </a:p>
-          <a:p>
-            <a:pPr marL="68580" indent="0">
-              <a:buNone/>
-            </a:pPr>
-            <a:r>
-              <a:rPr lang="en-US" dirty="0"/>
-              <a:t>&lt;/web-app&gt;</a:t>
-            </a:r>
-          </a:p>
-        </p:txBody>
-      </p:sp>
+      </p:pic>
     </p:spTree>
     <p:extLst>
       <p:ext uri="{BB962C8B-B14F-4D97-AF65-F5344CB8AC3E}">
-        <p14:creationId xmlns:p14="http://schemas.microsoft.com/office/powerpoint/2010/main" val="3630978015"/>
+        <p14:creationId xmlns:p14="http://schemas.microsoft.com/office/powerpoint/2010/main" val="674560661"/>
       </p:ext>
     </p:extLst>
   </p:cSld>
@@ -16219,21 +16729,21 @@
         </p:nvSpPr>
         <p:spPr>
           <a:xfrm>
-            <a:off x="1043490" y="776211"/>
-            <a:ext cx="6777319" cy="546876"/>
+            <a:off x="1043490" y="705646"/>
+            <a:ext cx="6777319" cy="793852"/>
           </a:xfrm>
         </p:spPr>
         <p:txBody>
           <a:bodyPr>
-            <a:normAutofit/>
+            <a:noAutofit/>
           </a:bodyPr>
           <a:lstStyle/>
           <a:p>
             <a:r>
-              <a:rPr lang="en-US" sz="2400" dirty="0" smtClean="0"/>
-              <a:t>How Servlet 3.0 container works (tomcat 7 +)</a:t>
-            </a:r>
-            <a:endParaRPr lang="en-US" sz="2400" dirty="0"/>
+              <a:rPr lang="en-US" sz="2800" dirty="0" smtClean="0"/>
+              <a:t>Traditional Web application</a:t>
+            </a:r>
+            <a:endParaRPr lang="en-US" sz="2800" dirty="0"/>
           </a:p>
         </p:txBody>
       </p:sp>
@@ -16249,112 +16759,160 @@
         </p:nvSpPr>
         <p:spPr>
           <a:xfrm>
-            <a:off x="1043492" y="1446576"/>
-            <a:ext cx="6777317" cy="4386054"/>
+            <a:off x="1043492" y="1658270"/>
+            <a:ext cx="6777317" cy="4174360"/>
           </a:xfrm>
         </p:spPr>
         <p:txBody>
-          <a:bodyPr>
-            <a:normAutofit/>
-          </a:bodyPr>
+          <a:bodyPr/>
           <a:lstStyle/>
           <a:p>
+            <a:pPr marL="68580" indent="0">
+              <a:buNone/>
+            </a:pPr>
+            <a:endParaRPr lang="en-US" dirty="0" smtClean="0"/>
+          </a:p>
+          <a:p>
+            <a:pPr marL="68580" indent="0">
+              <a:buNone/>
+            </a:pPr>
+            <a:r>
+              <a:rPr lang="en-US" dirty="0" smtClean="0"/>
+              <a:t>-</a:t>
+            </a:r>
+            <a:r>
+              <a:rPr lang="en-US" dirty="0" err="1" smtClean="0"/>
+              <a:t>myApp</a:t>
+            </a:r>
+            <a:endParaRPr lang="en-US" dirty="0" smtClean="0"/>
+          </a:p>
+          <a:p>
+            <a:pPr marL="68580" indent="0">
+              <a:buNone/>
+            </a:pPr>
+            <a:r>
+              <a:rPr lang="en-US" dirty="0" smtClean="0"/>
+              <a:t>    </a:t>
+            </a:r>
+            <a:r>
+              <a:rPr lang="en-US" dirty="0" smtClean="0"/>
+              <a:t>|-static</a:t>
+            </a:r>
+            <a:r>
+              <a:rPr lang="en-US" dirty="0" smtClean="0"/>
+              <a:t>/ *.</a:t>
+            </a:r>
+            <a:r>
+              <a:rPr lang="en-US" dirty="0" err="1" smtClean="0"/>
+              <a:t>css</a:t>
+            </a:r>
+            <a:r>
+              <a:rPr lang="en-US" dirty="0" smtClean="0"/>
+              <a:t>, *.</a:t>
+            </a:r>
+            <a:r>
+              <a:rPr lang="en-US" dirty="0" err="1" smtClean="0"/>
+              <a:t>js</a:t>
+            </a:r>
+            <a:endParaRPr lang="en-US" dirty="0" smtClean="0"/>
+          </a:p>
+          <a:p>
+            <a:pPr marL="68580" indent="0">
+              <a:buNone/>
+            </a:pPr>
+            <a:r>
+              <a:rPr lang="en-US" dirty="0" smtClean="0"/>
+              <a:t>    |-views/*.</a:t>
+            </a:r>
+            <a:r>
+              <a:rPr lang="en-US" dirty="0" err="1" smtClean="0"/>
+              <a:t>jsp</a:t>
+            </a:r>
+            <a:r>
+              <a:rPr lang="en-US" dirty="0" smtClean="0"/>
+              <a:t>,*.html</a:t>
+            </a:r>
+            <a:endParaRPr lang="en-US" dirty="0" smtClean="0"/>
+          </a:p>
+          <a:p>
+            <a:pPr marL="68580" indent="0">
+              <a:buNone/>
+            </a:pPr>
+            <a:r>
+              <a:rPr lang="en-US" b="1" dirty="0"/>
+              <a:t> </a:t>
+            </a:r>
+            <a:r>
+              <a:rPr lang="en-US" b="1" dirty="0" smtClean="0"/>
+              <a:t>   |-WEB-INF</a:t>
+            </a:r>
+          </a:p>
+          <a:p>
+            <a:pPr marL="68580" indent="0">
+              <a:buNone/>
+            </a:pPr>
             <a:r>
               <a:rPr lang="en-US" dirty="0"/>
+              <a:t>	</a:t>
+            </a:r>
+            <a:r>
+              <a:rPr lang="en-US" dirty="0" smtClean="0"/>
               <a:t> </a:t>
             </a:r>
             <a:r>
-              <a:rPr lang="en-US" sz="2000" dirty="0"/>
-              <a:t>In a Servlet 3.0 environment, the container looks for any classes </a:t>
-            </a:r>
-            <a:r>
-              <a:rPr lang="en-US" sz="2000" dirty="0" smtClean="0"/>
-              <a:t>in </a:t>
-            </a:r>
-            <a:r>
-              <a:rPr lang="en-US" sz="2000" dirty="0"/>
-              <a:t>the </a:t>
-            </a:r>
-            <a:r>
-              <a:rPr lang="en-US" sz="2000" dirty="0" smtClean="0"/>
-              <a:t>class path </a:t>
-            </a:r>
-            <a:r>
-              <a:rPr lang="en-US" sz="2000" dirty="0"/>
-              <a:t>that implement the </a:t>
-            </a:r>
-            <a:r>
-              <a:rPr lang="en-US" sz="1800" b="1" i="1" dirty="0" err="1"/>
-              <a:t>javax.servlet.ServletContainerInitializer</a:t>
-            </a:r>
-            <a:r>
-              <a:rPr lang="en-US" sz="2000" dirty="0"/>
-              <a:t> interface; if any are found, they’re used to configure the servlet container</a:t>
-            </a:r>
-            <a:r>
-              <a:rPr lang="en-US" sz="2000" dirty="0" smtClean="0"/>
-              <a:t>.</a:t>
-            </a:r>
-          </a:p>
-          <a:p>
-            <a:r>
-              <a:rPr lang="en-US" sz="2000" dirty="0"/>
-              <a:t>Spring supplies an implementation of that interface called </a:t>
-            </a:r>
-            <a:r>
-              <a:rPr lang="en-US" sz="2000" b="1" dirty="0" err="1"/>
-              <a:t>SpringServletContainerInitializer</a:t>
-            </a:r>
-            <a:r>
-              <a:rPr lang="en-US" sz="2000" dirty="0"/>
-              <a:t> that, in turn, seeks out any classes that implement </a:t>
-            </a:r>
-            <a:r>
-              <a:rPr lang="en-US" sz="2000" b="1" dirty="0" err="1"/>
-              <a:t>WebApplicationInitializer</a:t>
-            </a:r>
-            <a:r>
-              <a:rPr lang="en-US" sz="2000" dirty="0"/>
-              <a:t> and delegates to them for configuration</a:t>
-            </a:r>
-            <a:r>
-              <a:rPr lang="en-US" sz="2000" dirty="0" smtClean="0"/>
-              <a:t>.</a:t>
-            </a:r>
-          </a:p>
-          <a:p>
-            <a:r>
-              <a:rPr lang="en-US" sz="2000" dirty="0"/>
-              <a:t>Spring 3.2 introduced a convenient base implementation of </a:t>
-            </a:r>
-            <a:r>
-              <a:rPr lang="en-US" sz="2000" b="1" dirty="0" err="1"/>
-              <a:t>WebApplicationInitializer</a:t>
-            </a:r>
-            <a:r>
-              <a:rPr lang="en-US" sz="2000" dirty="0"/>
-              <a:t> called </a:t>
-            </a:r>
-            <a:r>
-              <a:rPr lang="en-US" sz="1800" b="1" i="1" dirty="0" err="1" smtClean="0">
-                <a:solidFill>
-                  <a:srgbClr val="FF0000"/>
-                </a:solidFill>
-              </a:rPr>
-              <a:t>AbstractAnnotationConfigDispatcherServletInitializer</a:t>
-            </a:r>
-            <a:endParaRPr lang="en-US" sz="2000" i="1" dirty="0">
-              <a:solidFill>
-                <a:srgbClr val="FF0000"/>
-              </a:solidFill>
-            </a:endParaRPr>
+              <a:rPr lang="en-US" dirty="0" smtClean="0"/>
+              <a:t>|-classes</a:t>
+            </a:r>
+            <a:r>
+              <a:rPr lang="en-US" dirty="0" smtClean="0"/>
+              <a:t>/ *.class</a:t>
+            </a:r>
+          </a:p>
+          <a:p>
+            <a:pPr marL="68580" indent="0">
+              <a:buNone/>
+            </a:pPr>
+            <a:r>
+              <a:rPr lang="en-US" dirty="0"/>
+              <a:t>	</a:t>
+            </a:r>
+            <a:r>
+              <a:rPr lang="en-US" dirty="0" smtClean="0"/>
+              <a:t> </a:t>
+            </a:r>
+            <a:r>
+              <a:rPr lang="en-US" dirty="0" smtClean="0"/>
+              <a:t>|-lib</a:t>
+            </a:r>
+            <a:r>
+              <a:rPr lang="en-US" dirty="0" smtClean="0"/>
+              <a:t>/*.jar</a:t>
+            </a:r>
+          </a:p>
+          <a:p>
+            <a:pPr marL="68580" indent="0">
+              <a:buNone/>
+            </a:pPr>
+            <a:r>
+              <a:rPr lang="en-US" dirty="0"/>
+              <a:t>	</a:t>
+            </a:r>
+            <a:r>
+              <a:rPr lang="en-US" b="1" dirty="0" smtClean="0"/>
+              <a:t> |-</a:t>
+            </a:r>
+            <a:r>
+              <a:rPr lang="en-US" b="1" dirty="0" err="1" smtClean="0"/>
+              <a:t>web.xml</a:t>
+            </a:r>
+            <a:endParaRPr lang="en-US" b="1" dirty="0"/>
           </a:p>
         </p:txBody>
       </p:sp>
     </p:spTree>
     <p:extLst>
       <p:ext uri="{BB962C8B-B14F-4D97-AF65-F5344CB8AC3E}">
-        <p14:creationId xmlns:p14="http://schemas.microsoft.com/office/powerpoint/2010/main" val="2175643449"/>
+        <p14:creationId xmlns:p14="http://schemas.microsoft.com/office/powerpoint/2010/main" val="17803406"/>
       </p:ext>
     </p:extLst>
   </p:cSld>
@@ -16390,6 +16948,44 @@
       </p:grpSpPr>
       <p:sp>
         <p:nvSpPr>
+          <p:cNvPr id="2" name="Title 1"/>
+          <p:cNvSpPr>
+            <a:spLocks noGrp="1"/>
+          </p:cNvSpPr>
+          <p:nvPr>
+            <p:ph type="title"/>
+          </p:nvPr>
+        </p:nvSpPr>
+        <p:spPr>
+          <a:xfrm>
+            <a:off x="1043490" y="758570"/>
+            <a:ext cx="6576877" cy="511593"/>
+          </a:xfrm>
+        </p:spPr>
+        <p:txBody>
+          <a:bodyPr>
+            <a:normAutofit/>
+          </a:bodyPr>
+          <a:lstStyle/>
+          <a:p>
+            <a:r>
+              <a:rPr lang="en-US" sz="2000" dirty="0" smtClean="0"/>
+              <a:t>Configuring </a:t>
+            </a:r>
+            <a:r>
+              <a:rPr lang="en-US" sz="2000" dirty="0" smtClean="0"/>
+              <a:t>Front Controller in </a:t>
+            </a:r>
+            <a:r>
+              <a:rPr lang="en-US" sz="2000" dirty="0" err="1" smtClean="0"/>
+              <a:t>web.xml</a:t>
+            </a:r>
+            <a:endParaRPr lang="en-US" sz="2000" dirty="0"/>
+          </a:p>
+        </p:txBody>
+      </p:sp>
+      <p:sp>
+        <p:nvSpPr>
           <p:cNvPr id="3" name="Content Placeholder 2"/>
           <p:cNvSpPr>
             <a:spLocks noGrp="1"/>
@@ -16400,237 +16996,297 @@
         </p:nvSpPr>
         <p:spPr>
           <a:xfrm>
-            <a:off x="1043492" y="917340"/>
-            <a:ext cx="6777317" cy="4915289"/>
+            <a:off x="1043492" y="1464216"/>
+            <a:ext cx="6777317" cy="4368414"/>
           </a:xfrm>
         </p:spPr>
         <p:txBody>
           <a:bodyPr>
-            <a:normAutofit fontScale="92500" lnSpcReduction="10000"/>
+            <a:normAutofit fontScale="40000" lnSpcReduction="20000"/>
           </a:bodyPr>
           <a:lstStyle/>
           <a:p>
-            <a:r>
-              <a:rPr lang="en-US" sz="1800" b="1" dirty="0" err="1"/>
-              <a:t>AbstractAnnotationConfigDispatcherServletInitializer</a:t>
-            </a:r>
-            <a:r>
-              <a:rPr lang="en-US" sz="1800" dirty="0"/>
-              <a:t> creates both a </a:t>
-            </a:r>
-            <a:r>
-              <a:rPr lang="en-US" sz="1800" b="1" dirty="0" err="1"/>
-              <a:t>DispatcherServlet</a:t>
-            </a:r>
-            <a:r>
-              <a:rPr lang="en-US" sz="1800" dirty="0"/>
-              <a:t> and a </a:t>
-            </a:r>
-            <a:r>
-              <a:rPr lang="en-US" sz="1800" b="1" dirty="0" err="1"/>
-              <a:t>ContextLoaderListener</a:t>
-            </a:r>
-            <a:r>
-              <a:rPr lang="en-US" sz="1800" dirty="0"/>
-              <a:t>. </a:t>
-            </a:r>
-            <a:endParaRPr lang="en-US" sz="1800" dirty="0" smtClean="0"/>
-          </a:p>
-          <a:p>
-            <a:endParaRPr lang="en-US" sz="1800" dirty="0" smtClean="0"/>
-          </a:p>
-          <a:p>
-            <a:r>
-              <a:rPr lang="en-US" sz="1800" dirty="0" smtClean="0"/>
-              <a:t>The </a:t>
-            </a:r>
-            <a:r>
-              <a:rPr lang="en-US" sz="1800" dirty="0"/>
-              <a:t>@Configuration classes returned from </a:t>
-            </a:r>
-            <a:r>
-              <a:rPr lang="en-US" sz="1800" dirty="0" err="1">
+            <a:pPr marL="68580" indent="0">
+              <a:buNone/>
+            </a:pPr>
+            <a:endParaRPr lang="en-US" dirty="0" smtClean="0"/>
+          </a:p>
+          <a:p>
+            <a:pPr marL="68580" indent="0">
+              <a:buNone/>
+            </a:pPr>
+            <a:endParaRPr lang="en-US" dirty="0"/>
+          </a:p>
+          <a:p>
+            <a:pPr marL="68580" indent="0">
+              <a:buNone/>
+            </a:pPr>
+            <a:r>
+              <a:rPr lang="en-US" dirty="0" smtClean="0"/>
+              <a:t>&lt;</a:t>
+            </a:r>
+            <a:r>
+              <a:rPr lang="en-US" dirty="0"/>
+              <a:t>web-app id="</a:t>
+            </a:r>
+            <a:r>
+              <a:rPr lang="en-US" dirty="0" err="1"/>
+              <a:t>WebApp_ID</a:t>
+            </a:r>
+            <a:r>
+              <a:rPr lang="en-US" dirty="0"/>
+              <a:t>" version="</a:t>
+            </a:r>
+            <a:r>
+              <a:rPr lang="en-US" dirty="0" smtClean="0"/>
+              <a:t>2.4”&gt;</a:t>
+            </a:r>
+          </a:p>
+          <a:p>
+            <a:pPr marL="68580" indent="0">
+              <a:buNone/>
+            </a:pPr>
+            <a:endParaRPr lang="en-US" dirty="0"/>
+          </a:p>
+          <a:p>
+            <a:pPr marL="68580" indent="0">
+              <a:buNone/>
+            </a:pPr>
+            <a:r>
+              <a:rPr lang="en-US" dirty="0"/>
+              <a:t> </a:t>
+            </a:r>
+            <a:endParaRPr lang="en-US" dirty="0" smtClean="0"/>
+          </a:p>
+          <a:p>
+            <a:pPr marL="68580" indent="0">
+              <a:buNone/>
+            </a:pPr>
+            <a:r>
+              <a:rPr lang="en-US" b="1" dirty="0"/>
+              <a:t>&lt;context-</a:t>
+            </a:r>
+            <a:r>
+              <a:rPr lang="en-US" b="1" dirty="0" err="1"/>
+              <a:t>param</a:t>
+            </a:r>
+            <a:r>
+              <a:rPr lang="en-US" b="1" dirty="0"/>
+              <a:t>&gt;</a:t>
+            </a:r>
+          </a:p>
+          <a:p>
+            <a:pPr marL="68580" indent="0">
+              <a:buNone/>
+            </a:pPr>
+            <a:r>
+              <a:rPr lang="en-US" b="1" dirty="0"/>
+              <a:t>    &lt;</a:t>
+            </a:r>
+            <a:r>
+              <a:rPr lang="en-US" b="1" dirty="0" err="1"/>
+              <a:t>param</a:t>
+            </a:r>
+            <a:r>
+              <a:rPr lang="en-US" b="1" dirty="0"/>
+              <a:t>-name&gt;</a:t>
+            </a:r>
+            <a:r>
+              <a:rPr lang="en-US" b="1" dirty="0" err="1"/>
+              <a:t>contextConfigLocation</a:t>
+            </a:r>
+            <a:r>
+              <a:rPr lang="en-US" b="1" dirty="0"/>
+              <a:t>&lt;/</a:t>
+            </a:r>
+            <a:r>
+              <a:rPr lang="en-US" b="1" dirty="0" err="1"/>
+              <a:t>param</a:t>
+            </a:r>
+            <a:r>
+              <a:rPr lang="en-US" b="1" dirty="0"/>
+              <a:t>-name&gt;</a:t>
+            </a:r>
+          </a:p>
+          <a:p>
+            <a:pPr marL="68580" indent="0">
+              <a:buNone/>
+            </a:pPr>
+            <a:r>
+              <a:rPr lang="en-US" b="1" dirty="0"/>
+              <a:t>    &lt;</a:t>
+            </a:r>
+            <a:r>
+              <a:rPr lang="en-US" b="1" dirty="0" err="1"/>
+              <a:t>param</a:t>
+            </a:r>
+            <a:r>
+              <a:rPr lang="en-US" b="1" dirty="0"/>
+              <a:t>-value&gt;/WEB-INF/</a:t>
+            </a:r>
+            <a:r>
+              <a:rPr lang="en-US" b="1" dirty="0" err="1"/>
+              <a:t>applicationContext.xml</a:t>
+            </a:r>
+            <a:r>
+              <a:rPr lang="en-US" b="1" dirty="0"/>
+              <a:t>&lt;/</a:t>
+            </a:r>
+            <a:r>
+              <a:rPr lang="en-US" b="1" dirty="0" err="1"/>
+              <a:t>param</a:t>
+            </a:r>
+            <a:r>
+              <a:rPr lang="en-US" b="1" dirty="0"/>
+              <a:t>-value&gt;</a:t>
+            </a:r>
+          </a:p>
+          <a:p>
+            <a:pPr marL="68580" indent="0">
+              <a:buNone/>
+            </a:pPr>
+            <a:r>
+              <a:rPr lang="en-US" b="1" dirty="0"/>
+              <a:t>&lt;/context-</a:t>
+            </a:r>
+            <a:r>
+              <a:rPr lang="en-US" b="1" dirty="0" err="1"/>
+              <a:t>param</a:t>
+            </a:r>
+            <a:r>
+              <a:rPr lang="en-US" b="1" dirty="0" smtClean="0"/>
+              <a:t>&gt;</a:t>
+            </a:r>
+          </a:p>
+          <a:p>
+            <a:pPr marL="68580" indent="0">
+              <a:buNone/>
+            </a:pPr>
+            <a:endParaRPr lang="en-US" dirty="0" smtClean="0"/>
+          </a:p>
+          <a:p>
+            <a:pPr marL="68580" indent="0">
+              <a:buNone/>
+            </a:pPr>
+            <a:r>
+              <a:rPr lang="en-US" b="1" dirty="0"/>
+              <a:t>&lt;listener&gt;  </a:t>
+            </a:r>
+            <a:endParaRPr lang="en-US" b="1" dirty="0">
+              <a:solidFill>
+                <a:srgbClr val="FF0000"/>
+              </a:solidFill>
+            </a:endParaRPr>
+          </a:p>
+          <a:p>
+            <a:pPr marL="68580" indent="0">
+              <a:buNone/>
+            </a:pPr>
+            <a:r>
+              <a:rPr lang="en-US" b="1" dirty="0">
                 <a:solidFill>
                   <a:srgbClr val="FF0000"/>
                 </a:solidFill>
               </a:rPr>
-              <a:t>getServletConfigClasses</a:t>
-            </a:r>
-            <a:r>
-              <a:rPr lang="en-US" sz="1800" dirty="0">
+              <a:t>        &lt;listener-class&gt;</a:t>
+            </a:r>
+            <a:r>
+              <a:rPr lang="en-US" b="1" dirty="0" err="1">
                 <a:solidFill>
                   <a:srgbClr val="FF0000"/>
                 </a:solidFill>
               </a:rPr>
-              <a:t>()</a:t>
-            </a:r>
-            <a:r>
-              <a:rPr lang="en-US" sz="1800" dirty="0"/>
-              <a:t> will define beans for </a:t>
-            </a:r>
-            <a:r>
-              <a:rPr lang="en-US" sz="1800" dirty="0" err="1"/>
-              <a:t>DispatcherServlet’s</a:t>
-            </a:r>
-            <a:r>
-              <a:rPr lang="en-US" sz="1800" dirty="0"/>
-              <a:t> application context. </a:t>
-            </a:r>
-            <a:endParaRPr lang="en-US" sz="1800" dirty="0" smtClean="0"/>
+              <a:t>org.springframework.web.context.ContextLoaderListener</a:t>
+            </a:r>
+            <a:r>
+              <a:rPr lang="en-US" b="1" dirty="0"/>
+              <a:t>&lt;/listener-class&gt;  </a:t>
+            </a:r>
           </a:p>
           <a:p>
             <a:pPr marL="68580" indent="0">
               <a:buNone/>
             </a:pPr>
             <a:r>
-              <a:rPr lang="en-US" sz="1800" dirty="0">
-                <a:sym typeface="Wingdings"/>
-              </a:rPr>
-              <a:t> </a:t>
-            </a:r>
-            <a:r>
-              <a:rPr lang="en-US" sz="1800" dirty="0" smtClean="0">
-                <a:sym typeface="Wingdings"/>
-              </a:rPr>
-              <a:t>      </a:t>
-            </a:r>
-            <a:r>
-              <a:rPr lang="en-US" sz="1800" dirty="0" smtClean="0"/>
-              <a:t> </a:t>
-            </a:r>
-            <a:r>
-              <a:rPr lang="en-US" sz="1800" dirty="0"/>
-              <a:t>equals to </a:t>
-            </a:r>
-            <a:r>
-              <a:rPr lang="en-US" sz="1800" b="1" dirty="0"/>
-              <a:t>dispatcher-</a:t>
-            </a:r>
-            <a:r>
-              <a:rPr lang="en-US" sz="1800" b="1" dirty="0" err="1"/>
-              <a:t>servlet.xml</a:t>
-            </a:r>
-            <a:endParaRPr lang="en-US" sz="1800" dirty="0" smtClean="0"/>
+              <a:rPr lang="en-US" b="1" dirty="0"/>
+              <a:t>&lt;/listener&gt;</a:t>
+            </a:r>
           </a:p>
           <a:p>
             <a:pPr marL="68580" indent="0">
               <a:buNone/>
             </a:pPr>
-            <a:endParaRPr lang="en-US" sz="1800" dirty="0"/>
-          </a:p>
-          <a:p>
-            <a:r>
-              <a:rPr lang="en-US" sz="1800" dirty="0" smtClean="0"/>
-              <a:t>The </a:t>
-            </a:r>
-            <a:r>
-              <a:rPr lang="en-US" sz="1800" dirty="0"/>
-              <a:t>@Configuration class’s returned </a:t>
-            </a:r>
-            <a:r>
-              <a:rPr lang="en-US" sz="1800" dirty="0" err="1">
+            <a:endParaRPr lang="en-US" dirty="0"/>
+          </a:p>
+          <a:p>
+            <a:pPr marL="68580" indent="0">
+              <a:buNone/>
+            </a:pPr>
+            <a:r>
+              <a:rPr lang="en-US" dirty="0"/>
+              <a:t>   &lt;servlet&gt;</a:t>
+            </a:r>
+          </a:p>
+          <a:p>
+            <a:pPr marL="68580" indent="0">
+              <a:buNone/>
+            </a:pPr>
+            <a:r>
+              <a:rPr lang="en-US" dirty="0"/>
+              <a:t>      &lt;servlet-name&gt;dispatcher&lt;/servlet-name&gt;</a:t>
+            </a:r>
+          </a:p>
+          <a:p>
+            <a:pPr marL="68580" indent="0">
+              <a:buNone/>
+            </a:pPr>
+            <a:r>
+              <a:rPr lang="en-US" dirty="0"/>
+              <a:t>      &lt;servlet-class&gt;</a:t>
+            </a:r>
+          </a:p>
+          <a:p>
+            <a:pPr marL="68580" indent="0">
+              <a:buNone/>
+            </a:pPr>
+            <a:r>
+              <a:rPr lang="en-US" b="1" dirty="0">
                 <a:solidFill>
                   <a:srgbClr val="FF0000"/>
                 </a:solidFill>
               </a:rPr>
-              <a:t>getRootConfigClasses</a:t>
-            </a:r>
-            <a:r>
-              <a:rPr lang="en-US" sz="1800" dirty="0">
+              <a:t>         </a:t>
+            </a:r>
+            <a:r>
+              <a:rPr lang="en-US" b="1" dirty="0" err="1">
                 <a:solidFill>
                   <a:srgbClr val="FF0000"/>
                 </a:solidFill>
               </a:rPr>
-              <a:t>()</a:t>
-            </a:r>
-            <a:r>
-              <a:rPr lang="en-US" sz="1800" dirty="0"/>
-              <a:t> will be used to configure the application context created by </a:t>
-            </a:r>
-            <a:r>
-              <a:rPr lang="en-US" sz="1800" dirty="0" err="1" smtClean="0"/>
-              <a:t>ContextLoaderListener</a:t>
-            </a:r>
-            <a:endParaRPr lang="en-US" sz="1800" dirty="0" smtClean="0"/>
+              <a:t>org.springframework.web.servlet.DispatcherServlet</a:t>
+            </a:r>
+            <a:endParaRPr lang="en-US" b="1" dirty="0">
+              <a:solidFill>
+                <a:srgbClr val="FF0000"/>
+              </a:solidFill>
+            </a:endParaRPr>
           </a:p>
           <a:p>
             <a:pPr marL="68580" indent="0">
               <a:buNone/>
             </a:pPr>
             <a:r>
-              <a:rPr lang="en-US" sz="1800" dirty="0"/>
-              <a:t> </a:t>
-            </a:r>
-            <a:r>
-              <a:rPr lang="en-US" sz="1800" dirty="0" smtClean="0"/>
-              <a:t>     </a:t>
-            </a:r>
-            <a:r>
-              <a:rPr lang="en-US" sz="1800" dirty="0">
-                <a:sym typeface="Wingdings"/>
-              </a:rPr>
-              <a:t></a:t>
-            </a:r>
-            <a:r>
-              <a:rPr lang="en-US" sz="1800" dirty="0"/>
-              <a:t> equals to </a:t>
-            </a:r>
-            <a:r>
-              <a:rPr lang="en-US" sz="1800" b="1" dirty="0" err="1" smtClean="0"/>
-              <a:t>applicationContext.xml</a:t>
-            </a:r>
-            <a:endParaRPr lang="en-US" sz="1800" b="1" dirty="0" smtClean="0"/>
+              <a:rPr lang="en-US" dirty="0"/>
+              <a:t>      &lt;/servlet-class&gt;</a:t>
+            </a:r>
           </a:p>
           <a:p>
             <a:pPr marL="68580" indent="0">
               <a:buNone/>
             </a:pPr>
-            <a:endParaRPr lang="en-US" sz="1800" b="1" dirty="0" smtClean="0"/>
-          </a:p>
-          <a:p>
-            <a:r>
-              <a:rPr lang="en-US" sz="1800" dirty="0" err="1" smtClean="0">
-                <a:solidFill>
-                  <a:srgbClr val="FF0000"/>
-                </a:solidFill>
-              </a:rPr>
-              <a:t>getServletMappings</a:t>
-            </a:r>
-            <a:r>
-              <a:rPr lang="en-US" sz="1800" dirty="0">
-                <a:solidFill>
-                  <a:srgbClr val="FF0000"/>
-                </a:solidFill>
-              </a:rPr>
-              <a:t>(</a:t>
-            </a:r>
-            <a:r>
-              <a:rPr lang="en-US" sz="1800" dirty="0" smtClean="0">
-                <a:solidFill>
-                  <a:srgbClr val="FF0000"/>
-                </a:solidFill>
-              </a:rPr>
-              <a:t>)</a:t>
-            </a:r>
-            <a:r>
-              <a:rPr lang="en-US" sz="1800" dirty="0" smtClean="0"/>
-              <a:t> will </a:t>
-            </a:r>
-            <a:r>
-              <a:rPr lang="en-US" sz="1800" dirty="0" err="1" smtClean="0"/>
-              <a:t>provde</a:t>
-            </a:r>
-            <a:r>
-              <a:rPr lang="en-US" sz="1800" dirty="0" smtClean="0"/>
-              <a:t> URL Mappings for </a:t>
-            </a:r>
-            <a:r>
-              <a:rPr lang="en-US" sz="1800" dirty="0" err="1" smtClean="0"/>
-              <a:t>dispatcherServlet</a:t>
-            </a:r>
-            <a:r>
-              <a:rPr lang="en-US" sz="1800" dirty="0" smtClean="0"/>
-              <a:t>.   </a:t>
+            <a:r>
+              <a:rPr lang="en-US" dirty="0"/>
+              <a:t>      &lt;load-on-startup&gt;1&lt;/load-on-startup&gt;</a:t>
             </a:r>
           </a:p>
           <a:p>
@@ -16638,51 +17294,101 @@
               <a:buNone/>
             </a:pPr>
             <a:r>
-              <a:rPr lang="en-US" sz="1800" dirty="0"/>
-              <a:t> </a:t>
-            </a:r>
-            <a:r>
-              <a:rPr lang="en-US" sz="1800" dirty="0" smtClean="0"/>
-              <a:t>     </a:t>
-            </a:r>
-            <a:r>
-              <a:rPr lang="en-US" sz="1800" dirty="0" smtClean="0">
-                <a:sym typeface="Wingdings"/>
-              </a:rPr>
-              <a:t></a:t>
-            </a:r>
-            <a:r>
-              <a:rPr lang="en-US" sz="1800" dirty="0" smtClean="0"/>
-              <a:t>equals to </a:t>
-            </a:r>
-            <a:r>
-              <a:rPr lang="en-US" sz="1800" b="1" dirty="0" smtClean="0"/>
-              <a:t>&lt;</a:t>
-            </a:r>
-            <a:r>
-              <a:rPr lang="en-US" sz="1800" b="1" dirty="0" err="1" smtClean="0"/>
+              <a:rPr lang="en-US" dirty="0"/>
+              <a:t>   &lt;/servlet&gt;</a:t>
+            </a:r>
+          </a:p>
+          <a:p>
+            <a:pPr marL="68580" indent="0">
+              <a:buNone/>
+            </a:pPr>
+            <a:endParaRPr lang="en-US" dirty="0"/>
+          </a:p>
+          <a:p>
+            <a:pPr marL="68580" indent="0">
+              <a:buNone/>
+            </a:pPr>
+            <a:r>
+              <a:rPr lang="en-US" dirty="0"/>
+              <a:t>   &lt;servlet-mapping&gt;</a:t>
+            </a:r>
+          </a:p>
+          <a:p>
+            <a:pPr marL="68580" indent="0">
+              <a:buNone/>
+            </a:pPr>
+            <a:r>
+              <a:rPr lang="en-US" dirty="0"/>
+              <a:t>      &lt;servlet-name&gt;dispatcher&lt;/servlet-name&gt;</a:t>
+            </a:r>
+          </a:p>
+          <a:p>
+            <a:pPr marL="68580" indent="0">
+              <a:buNone/>
+            </a:pPr>
+            <a:r>
+              <a:rPr lang="en-US" dirty="0"/>
+              <a:t>  </a:t>
+            </a:r>
+            <a:r>
+              <a:rPr lang="en-US" b="1" dirty="0"/>
+              <a:t>    &lt;</a:t>
+            </a:r>
+            <a:r>
+              <a:rPr lang="en-US" b="1" dirty="0" err="1"/>
               <a:t>url</a:t>
             </a:r>
             <a:r>
-              <a:rPr lang="en-US" sz="1800" b="1" dirty="0" smtClean="0"/>
-              <a:t>-pattern&gt;/&lt;/</a:t>
-            </a:r>
-            <a:r>
-              <a:rPr lang="en-US" sz="1800" b="1" dirty="0" err="1" smtClean="0"/>
+              <a:rPr lang="en-US" b="1" dirty="0"/>
+              <a:t>-pattern</a:t>
+            </a:r>
+            <a:r>
+              <a:rPr lang="en-US" b="1" dirty="0" smtClean="0"/>
+              <a:t>&gt;/*&lt;</a:t>
+            </a:r>
+            <a:r>
+              <a:rPr lang="en-US" b="1" dirty="0"/>
+              <a:t>/</a:t>
+            </a:r>
+            <a:r>
+              <a:rPr lang="en-US" b="1" dirty="0" err="1"/>
               <a:t>url</a:t>
             </a:r>
             <a:r>
-              <a:rPr lang="en-US" sz="1800" b="1" dirty="0" smtClean="0"/>
+              <a:rPr lang="en-US" b="1" dirty="0"/>
               <a:t>-pattern&gt;</a:t>
             </a:r>
-            <a:endParaRPr lang="en-US" sz="1800" b="1" dirty="0"/>
+          </a:p>
+          <a:p>
+            <a:pPr marL="68580" indent="0">
+              <a:buNone/>
+            </a:pPr>
+            <a:r>
+              <a:rPr lang="en-US" dirty="0"/>
+              <a:t>   &lt;/servlet-mapping&gt;</a:t>
+            </a:r>
+          </a:p>
+          <a:p>
+            <a:pPr marL="68580" indent="0">
+              <a:buNone/>
+            </a:pPr>
+            <a:endParaRPr lang="en-US" dirty="0"/>
+          </a:p>
+          <a:p>
+            <a:pPr marL="68580" indent="0">
+              <a:buNone/>
+            </a:pPr>
+            <a:r>
+              <a:rPr lang="en-US" dirty="0"/>
+              <a:t>&lt;/web-app&gt;</a:t>
+            </a:r>
           </a:p>
         </p:txBody>
       </p:sp>
     </p:spTree>
     <p:extLst>
       <p:ext uri="{BB962C8B-B14F-4D97-AF65-F5344CB8AC3E}">
-        <p14:creationId xmlns:p14="http://schemas.microsoft.com/office/powerpoint/2010/main" val="3193296678"/>
+        <p14:creationId xmlns:p14="http://schemas.microsoft.com/office/powerpoint/2010/main" val="3630978015"/>
       </p:ext>
     </p:extLst>
   </p:cSld>
@@ -16728,21 +17434,21 @@
         </p:nvSpPr>
         <p:spPr>
           <a:xfrm>
-            <a:off x="1043489" y="774105"/>
-            <a:ext cx="6777319" cy="507117"/>
+            <a:off x="1043490" y="776211"/>
+            <a:ext cx="6777319" cy="546876"/>
           </a:xfrm>
         </p:spPr>
         <p:txBody>
           <a:bodyPr>
-            <a:normAutofit fontScale="90000"/>
+            <a:normAutofit/>
           </a:bodyPr>
           <a:lstStyle/>
           <a:p>
             <a:r>
-              <a:rPr lang="en-US" sz="3100" dirty="0" smtClean="0"/>
-              <a:t>Adapters </a:t>
-            </a:r>
-            <a:endParaRPr lang="en-US" dirty="0"/>
+              <a:rPr lang="en-US" sz="2400" dirty="0" smtClean="0"/>
+              <a:t>How Servlet 3.0 container works (tomcat 7 +)</a:t>
+            </a:r>
+            <a:endParaRPr lang="en-US" sz="2400" dirty="0"/>
           </a:p>
         </p:txBody>
       </p:sp>
@@ -16758,89 +17464,120 @@
         </p:nvSpPr>
         <p:spPr>
           <a:xfrm>
-            <a:off x="1043492" y="1281222"/>
-            <a:ext cx="6777317" cy="4551408"/>
+            <a:off x="1043492" y="1446576"/>
+            <a:ext cx="6777317" cy="4386054"/>
           </a:xfrm>
         </p:spPr>
         <p:txBody>
           <a:bodyPr>
-            <a:normAutofit fontScale="92500"/>
+            <a:normAutofit/>
           </a:bodyPr>
           <a:lstStyle/>
           <a:p>
-            <a:pPr marL="68580" indent="0">
-              <a:buNone/>
-            </a:pPr>
-            <a:r>
-              <a:rPr lang="en-US" dirty="0" smtClean="0"/>
-              <a:t>Spring comes with different adapters to custom spring web application rendering</a:t>
-            </a:r>
-            <a:endParaRPr lang="en-US" dirty="0"/>
-          </a:p>
-          <a:p>
-            <a:pPr marL="68580" indent="0">
-              <a:buNone/>
-            </a:pPr>
-            <a:r>
-              <a:rPr lang="en-US" dirty="0" smtClean="0"/>
-              <a:t>It allows us to customize …..</a:t>
-            </a:r>
-          </a:p>
-          <a:p>
-            <a:r>
-              <a:rPr lang="en-US" dirty="0" smtClean="0"/>
-              <a:t>View Resolvers</a:t>
-            </a:r>
-          </a:p>
-          <a:p>
-            <a:r>
-              <a:rPr lang="en-US" dirty="0" smtClean="0"/>
-              <a:t>CORS filters</a:t>
-            </a:r>
-          </a:p>
-          <a:p>
-            <a:r>
-              <a:rPr lang="en-US" dirty="0" smtClean="0"/>
-              <a:t>Exception resolvers</a:t>
-            </a:r>
-          </a:p>
-          <a:p>
-            <a:r>
-              <a:rPr lang="en-US" dirty="0" smtClean="0"/>
-              <a:t>Static Resource configuration</a:t>
-            </a:r>
-          </a:p>
-          <a:p>
-            <a:r>
-              <a:rPr lang="en-US" dirty="0" smtClean="0"/>
-              <a:t>Message converters</a:t>
-            </a:r>
-          </a:p>
-          <a:p>
-            <a:r>
-              <a:rPr lang="en-US" dirty="0" smtClean="0"/>
-              <a:t>Locale configuration</a:t>
-            </a:r>
-          </a:p>
-          <a:p>
-            <a:r>
-              <a:rPr lang="en-US" dirty="0" smtClean="0"/>
-              <a:t>Enabling security to the web URLs or methods</a:t>
-            </a:r>
-          </a:p>
-          <a:p>
-            <a:r>
-              <a:rPr lang="en-US" dirty="0" smtClean="0"/>
-              <a:t>And more….</a:t>
-            </a:r>
-            <a:endParaRPr lang="en-US" dirty="0"/>
+            <a:r>
+              <a:rPr lang="en-US" dirty="0"/>
+              <a:t> </a:t>
+            </a:r>
+            <a:r>
+              <a:rPr lang="en-US" sz="2000" dirty="0"/>
+              <a:t>In a Servlet 3.0 environment, the container looks for any classes </a:t>
+            </a:r>
+            <a:r>
+              <a:rPr lang="en-US" sz="2000" dirty="0" smtClean="0"/>
+              <a:t>in </a:t>
+            </a:r>
+            <a:r>
+              <a:rPr lang="en-US" sz="2000" dirty="0"/>
+              <a:t>the </a:t>
+            </a:r>
+            <a:r>
+              <a:rPr lang="en-US" sz="2000" dirty="0" smtClean="0"/>
+              <a:t>class path </a:t>
+            </a:r>
+            <a:r>
+              <a:rPr lang="en-US" sz="2000" dirty="0"/>
+              <a:t>that implement the </a:t>
+            </a:r>
+            <a:r>
+              <a:rPr lang="en-US" sz="1800" b="1" i="1" dirty="0" err="1"/>
+              <a:t>javax.servlet.ServletContainerInitializer</a:t>
+            </a:r>
+            <a:r>
+              <a:rPr lang="en-US" sz="2000" dirty="0"/>
+              <a:t> interface; if any are found, they’re used to configure the servlet container</a:t>
+            </a:r>
+            <a:r>
+              <a:rPr lang="en-US" sz="2000" dirty="0" smtClean="0"/>
+              <a:t>.</a:t>
+            </a:r>
+          </a:p>
+          <a:p>
+            <a:r>
+              <a:rPr lang="en-US" sz="2000" dirty="0"/>
+              <a:t>Spring supplies an implementation of that interface called </a:t>
+            </a:r>
+            <a:r>
+              <a:rPr lang="en-US" sz="1800" b="1" dirty="0" err="1"/>
+              <a:t>SpringServletContainerInitializer</a:t>
+            </a:r>
+            <a:r>
+              <a:rPr lang="en-US" sz="2000" dirty="0"/>
+              <a:t> that, in turn, seeks out any classes that implement </a:t>
+            </a:r>
+            <a:r>
+              <a:rPr lang="en-US" sz="1800" b="1" dirty="0" err="1" smtClean="0"/>
+              <a:t>org.springframework.web.WebApplicationInitializer</a:t>
+            </a:r>
+            <a:r>
+              <a:rPr lang="en-US" sz="1800" b="1" dirty="0" smtClean="0"/>
+              <a:t> </a:t>
+            </a:r>
+            <a:r>
+              <a:rPr lang="en-US" sz="2000" dirty="0" smtClean="0"/>
+              <a:t>and </a:t>
+            </a:r>
+            <a:r>
+              <a:rPr lang="en-US" sz="2000" dirty="0"/>
+              <a:t>delegates to them for configuration</a:t>
+            </a:r>
+            <a:r>
+              <a:rPr lang="en-US" sz="2000" dirty="0" smtClean="0"/>
+              <a:t>.</a:t>
+            </a:r>
+          </a:p>
+          <a:p>
+            <a:r>
+              <a:rPr lang="en-US" sz="2000" dirty="0"/>
+              <a:t>Spring 3.2 introduced a convenient base implementation of </a:t>
+            </a:r>
+            <a:r>
+              <a:rPr lang="en-US" sz="1800" b="1" dirty="0" err="1"/>
+              <a:t>WebApplicationInitializer</a:t>
+            </a:r>
+            <a:r>
+              <a:rPr lang="en-US" sz="2000" dirty="0"/>
+              <a:t> called </a:t>
+            </a:r>
+            <a:r>
+              <a:rPr lang="en-US" sz="1800" b="1" dirty="0" err="1" smtClean="0">
+                <a:solidFill>
+                  <a:srgbClr val="FF0000"/>
+                </a:solidFill>
+              </a:rPr>
+              <a:t>AbstractAnnotationConfigDispatcherServletInitializer</a:t>
+            </a:r>
+            <a:endParaRPr lang="en-US" sz="2000" dirty="0">
+              <a:solidFill>
+                <a:srgbClr val="FF0000"/>
+              </a:solidFill>
+            </a:endParaRPr>
           </a:p>
         </p:txBody>
       </p:sp>
     </p:spTree>
     <p:extLst>
       <p:ext uri="{BB962C8B-B14F-4D97-AF65-F5344CB8AC3E}">
-        <p14:creationId xmlns:p14="http://schemas.microsoft.com/office/powerpoint/2010/main" val="1500462045"/>
+        <p14:creationId xmlns:p14="http://schemas.microsoft.com/office/powerpoint/2010/main" val="2175643449"/>
       </p:ext>
     </p:extLst>
   </p:cSld>
@@ -16874,159 +17611,34 @@
           <a:chExt cx="0" cy="0"/>
         </a:xfrm>
       </p:grpSpPr>
-      <p:sp>
-        <p:nvSpPr>
-          <p:cNvPr id="2" name="Title 1"/>
-          <p:cNvSpPr>
-            <a:spLocks noGrp="1"/>
-          </p:cNvSpPr>
-          <p:nvPr>
-            <p:ph type="title"/>
-          </p:nvPr>
-        </p:nvSpPr>
-        <p:spPr>
-          <a:xfrm>
-            <a:off x="1043490" y="670362"/>
-            <a:ext cx="6982592" cy="493953"/>
-          </a:xfrm>
-        </p:spPr>
-        <p:txBody>
-          <a:bodyPr>
-            <a:normAutofit fontScale="90000"/>
-          </a:bodyPr>
-          <a:lstStyle/>
-          <a:p>
-            <a:r>
-              <a:rPr lang="en-US" sz="3200" dirty="0" smtClean="0"/>
-              <a:t>Customizing web </a:t>
-            </a:r>
-            <a:endParaRPr lang="en-US" sz="3200" dirty="0"/>
-          </a:p>
-        </p:txBody>
-      </p:sp>
-      <p:sp>
-        <p:nvSpPr>
-          <p:cNvPr id="3" name="Content Placeholder 2"/>
-          <p:cNvSpPr>
-            <a:spLocks noGrp="1"/>
-          </p:cNvSpPr>
+      <p:pic>
+        <p:nvPicPr>
+          <p:cNvPr id="4" name="Content Placeholder 3"/>
+          <p:cNvPicPr>
+            <a:picLocks noGrp="1" noChangeAspect="1"/>
+          </p:cNvPicPr>
           <p:nvPr>
             <p:ph idx="1"/>
           </p:nvPr>
-        </p:nvSpPr>
+        </p:nvPicPr>
+        <p:blipFill>
+          <a:blip r:embed="rId2"/>
+          <a:srcRect l="3027" r="3027"/>
+          <a:stretch>
+            <a:fillRect/>
+          </a:stretch>
+        </p:blipFill>
         <p:spPr>
           <a:xfrm>
-            <a:off x="1043492" y="1658270"/>
-            <a:ext cx="6777317" cy="4174360"/>
+            <a:off x="1042988" y="828675"/>
+            <a:ext cx="6777037" cy="5003800"/>
           </a:xfrm>
         </p:spPr>
-        <p:txBody>
-          <a:bodyPr>
-            <a:normAutofit/>
-          </a:bodyPr>
-          <a:lstStyle/>
-          <a:p>
-            <a:pPr marL="68580" indent="0">
-              <a:buNone/>
-            </a:pPr>
-            <a:r>
-              <a:rPr lang="en-US" sz="2000" dirty="0" smtClean="0"/>
-              <a:t>Web customization can achieved by writing  a class and annotate with </a:t>
-            </a:r>
-            <a:r>
-              <a:rPr lang="en-US" sz="2000" b="1" dirty="0" smtClean="0"/>
-              <a:t>@</a:t>
-            </a:r>
-            <a:r>
-              <a:rPr lang="en-US" sz="2000" b="1" dirty="0" err="1" smtClean="0"/>
-              <a:t>EnableWebMvc</a:t>
-            </a:r>
-            <a:r>
-              <a:rPr lang="en-US" sz="2000" b="1" dirty="0" smtClean="0"/>
-              <a:t> And </a:t>
-            </a:r>
-            <a:r>
-              <a:rPr lang="en-US" sz="2000" dirty="0" smtClean="0"/>
-              <a:t>Extend this </a:t>
-            </a:r>
-            <a:r>
-              <a:rPr lang="en-US" sz="2000" dirty="0"/>
-              <a:t>class with </a:t>
-            </a:r>
-            <a:r>
-              <a:rPr lang="en-US" sz="2000" b="1" dirty="0" err="1" smtClean="0"/>
-              <a:t>WebMvcConfigurerAdapter</a:t>
-            </a:r>
-            <a:endParaRPr lang="en-US" sz="2000" b="1" dirty="0" smtClean="0"/>
-          </a:p>
-          <a:p>
-            <a:pPr marL="68580" indent="0">
-              <a:buNone/>
-            </a:pPr>
-            <a:endParaRPr lang="en-US" sz="2000" b="1" dirty="0" smtClean="0"/>
-          </a:p>
-          <a:p>
-            <a:pPr marL="68580" indent="0">
-              <a:buNone/>
-            </a:pPr>
-            <a:r>
-              <a:rPr lang="en-US" sz="2000" dirty="0" smtClean="0"/>
-              <a:t>With this annotation container will look for a class in the class path which implements </a:t>
-            </a:r>
-            <a:r>
-              <a:rPr lang="en-US" sz="2000" b="1" dirty="0" err="1" smtClean="0"/>
-              <a:t>WebMvcConfigurer</a:t>
-            </a:r>
-            <a:r>
-              <a:rPr lang="en-US" sz="2000" dirty="0" smtClean="0"/>
-              <a:t> or extends </a:t>
-            </a:r>
-            <a:r>
-              <a:rPr lang="en-US" sz="2000" dirty="0"/>
-              <a:t> </a:t>
-            </a:r>
-            <a:r>
-              <a:rPr lang="en-US" sz="2000" b="1" dirty="0" err="1" smtClean="0"/>
-              <a:t>WebMvcConfigurerAdapter</a:t>
-            </a:r>
-            <a:r>
-              <a:rPr lang="en-US" sz="2000" dirty="0"/>
-              <a:t> </a:t>
-            </a:r>
-            <a:r>
-              <a:rPr lang="en-US" sz="2000" dirty="0" smtClean="0"/>
-              <a:t>to load the customized settings for web application</a:t>
-            </a:r>
-            <a:r>
-              <a:rPr lang="en-US" sz="2000" b="1" dirty="0" smtClean="0"/>
-              <a:t>.</a:t>
-            </a:r>
-            <a:endParaRPr lang="en-US" sz="2000" dirty="0" smtClean="0"/>
-          </a:p>
-          <a:p>
-            <a:pPr marL="68580" indent="0">
-              <a:buNone/>
-            </a:pPr>
-            <a:endParaRPr lang="en-US" sz="2000" dirty="0" smtClean="0"/>
-          </a:p>
-          <a:p>
-            <a:pPr marL="68580" indent="0">
-              <a:buNone/>
-            </a:pPr>
-            <a:endParaRPr lang="en-US" sz="2000" dirty="0" smtClean="0"/>
-          </a:p>
-          <a:p>
-            <a:pPr marL="68580" indent="0">
-              <a:buNone/>
-            </a:pPr>
-            <a:endParaRPr lang="en-US" sz="2000" b="1" dirty="0" smtClean="0"/>
-          </a:p>
-        </p:txBody>
-      </p:sp>
+      </p:pic>
     </p:spTree>
     <p:extLst>
       <p:ext uri="{BB962C8B-B14F-4D97-AF65-F5344CB8AC3E}">
-        <p14:creationId xmlns:p14="http://schemas.microsoft.com/office/powerpoint/2010/main" val="1428762558"/>
+        <p14:creationId xmlns:p14="http://schemas.microsoft.com/office/powerpoint/2010/main" val="2879650087"/>
       </p:ext>
     </p:extLst>
   </p:cSld>
@@ -17062,36 +17674,6 @@
       </p:grpSpPr>
       <p:sp>
         <p:nvSpPr>
-          <p:cNvPr id="2" name="Title 1"/>
-          <p:cNvSpPr>
-            <a:spLocks noGrp="1"/>
-          </p:cNvSpPr>
-          <p:nvPr>
-            <p:ph type="title"/>
-          </p:nvPr>
-        </p:nvSpPr>
-        <p:spPr>
-          <a:xfrm>
-            <a:off x="1043490" y="791747"/>
-            <a:ext cx="6594517" cy="471834"/>
-          </a:xfrm>
-        </p:spPr>
-        <p:txBody>
-          <a:bodyPr>
-            <a:noAutofit/>
-          </a:bodyPr>
-          <a:lstStyle/>
-          <a:p>
-            <a:r>
-              <a:rPr lang="en-US" sz="2800" dirty="0" smtClean="0"/>
-              <a:t>CORS Mapping</a:t>
-            </a:r>
-            <a:endParaRPr lang="en-US" sz="2800" dirty="0"/>
-          </a:p>
-        </p:txBody>
-      </p:sp>
-      <p:sp>
-        <p:nvSpPr>
           <p:cNvPr id="3" name="Content Placeholder 2"/>
           <p:cNvSpPr>
             <a:spLocks noGrp="1"/>
@@ -17102,8 +17684,8 @@
         </p:nvSpPr>
         <p:spPr>
           <a:xfrm>
-            <a:off x="1043492" y="1446575"/>
-            <a:ext cx="6777317" cy="4386055"/>
+            <a:off x="1043492" y="1622986"/>
+            <a:ext cx="6777317" cy="4209643"/>
           </a:xfrm>
         </p:spPr>
         <p:txBody>
@@ -17113,120 +17695,299 @@
           <a:lstStyle/>
           <a:p>
             <a:r>
-              <a:rPr lang="en-US" dirty="0"/>
-              <a:t>Cross-origin resource sharing (CORS) is a mechanism that allows restricted resources </a:t>
-            </a:r>
-            <a:r>
-              <a:rPr lang="en-US" dirty="0" smtClean="0"/>
-              <a:t>on </a:t>
-            </a:r>
-            <a:r>
-              <a:rPr lang="en-US" dirty="0"/>
-              <a:t>a web page to be requested from another domain outside the domain from which the resource </a:t>
-            </a:r>
-            <a:r>
-              <a:rPr lang="en-US" dirty="0" smtClean="0"/>
-              <a:t>originated</a:t>
-            </a:r>
-          </a:p>
-          <a:p>
-            <a:endParaRPr lang="en-US" dirty="0" smtClean="0"/>
-          </a:p>
-          <a:p>
-            <a:pPr marL="68580" indent="0">
-              <a:buNone/>
-            </a:pPr>
-            <a:r>
-              <a:rPr lang="en-US" sz="1800" dirty="0" smtClean="0"/>
-              <a:t>  @</a:t>
-            </a:r>
-            <a:r>
-              <a:rPr lang="en-US" sz="1800" dirty="0"/>
-              <a:t>Override</a:t>
-            </a:r>
-          </a:p>
-          <a:p>
-            <a:pPr marL="68580" indent="0">
-              <a:buNone/>
-            </a:pPr>
-            <a:r>
-              <a:rPr lang="en-US" sz="1800" dirty="0"/>
-              <a:t>    public void </a:t>
-            </a:r>
-            <a:r>
-              <a:rPr lang="en-US" sz="1800" dirty="0" err="1"/>
-              <a:t>addCorsMappings</a:t>
-            </a:r>
-            <a:r>
-              <a:rPr lang="en-US" sz="1800" dirty="0"/>
-              <a:t>(</a:t>
-            </a:r>
-            <a:r>
-              <a:rPr lang="en-US" sz="1800" dirty="0" err="1"/>
-              <a:t>CorsRegistry</a:t>
-            </a:r>
-            <a:r>
-              <a:rPr lang="en-US" sz="1800" dirty="0"/>
-              <a:t> registry) {</a:t>
-            </a:r>
-          </a:p>
-          <a:p>
-            <a:pPr marL="68580" indent="0">
-              <a:buNone/>
-            </a:pPr>
-            <a:r>
-              <a:rPr lang="en-US" sz="1800" dirty="0" smtClean="0"/>
-              <a:t>	</a:t>
-            </a:r>
-            <a:r>
-              <a:rPr lang="en-US" sz="1800" b="1" dirty="0" err="1" smtClean="0">
+              <a:rPr lang="en-US" sz="1400" b="1" dirty="0" err="1"/>
+              <a:t>AbstractAnnotationConfigDispatcherServletInitializer</a:t>
+            </a:r>
+            <a:r>
+              <a:rPr lang="en-US" sz="1400" dirty="0"/>
+              <a:t> creates both a </a:t>
+            </a:r>
+            <a:r>
+              <a:rPr lang="en-US" sz="1400" b="1" dirty="0" err="1"/>
+              <a:t>DispatcherServlet</a:t>
+            </a:r>
+            <a:r>
+              <a:rPr lang="en-US" sz="1400" dirty="0"/>
+              <a:t> and a </a:t>
+            </a:r>
+            <a:r>
+              <a:rPr lang="en-US" sz="1400" b="1" dirty="0" err="1"/>
+              <a:t>ContextLoaderListener</a:t>
+            </a:r>
+            <a:r>
+              <a:rPr lang="en-US" sz="1400" dirty="0"/>
+              <a:t>. </a:t>
+            </a:r>
+            <a:endParaRPr lang="en-US" sz="1400" dirty="0" smtClean="0"/>
+          </a:p>
+          <a:p>
+            <a:endParaRPr lang="en-US" sz="1400" dirty="0" smtClean="0"/>
+          </a:p>
+          <a:p>
+            <a:r>
+              <a:rPr lang="en-US" sz="1400" dirty="0" err="1" smtClean="0">
                 <a:solidFill>
                   <a:srgbClr val="FF0000"/>
                 </a:solidFill>
               </a:rPr>
-              <a:t>registry.addMapping</a:t>
-            </a:r>
-            <a:r>
-              <a:rPr lang="en-US" sz="1800" b="1" dirty="0">
+              <a:t>getServletConfigClasses</a:t>
+            </a:r>
+            <a:r>
+              <a:rPr lang="en-US" sz="1400" dirty="0">
                 <a:solidFill>
                   <a:srgbClr val="FF0000"/>
                 </a:solidFill>
               </a:rPr>
-              <a:t>("/</a:t>
-            </a:r>
-            <a:r>
-              <a:rPr lang="en-US" sz="1800" b="1" dirty="0" err="1">
+              <a:t>(</a:t>
+            </a:r>
+            <a:r>
+              <a:rPr lang="en-US" sz="1400" dirty="0" smtClean="0">
                 <a:solidFill>
                   <a:srgbClr val="FF0000"/>
                 </a:solidFill>
               </a:rPr>
-              <a:t>cors</a:t>
-            </a:r>
-            <a:r>
-              <a:rPr lang="en-US" sz="1800" b="1" dirty="0">
+              <a:t>):  </a:t>
+            </a:r>
+            <a:r>
+              <a:rPr lang="en-US" sz="1400" dirty="0" smtClean="0"/>
+              <a:t>Create and Return Java configuration files. </a:t>
+            </a:r>
+          </a:p>
+          <a:p>
+            <a:pPr marL="68580" indent="0">
+              <a:buNone/>
+            </a:pPr>
+            <a:r>
+              <a:rPr lang="en-US" sz="1400" dirty="0"/>
+              <a:t> </a:t>
+            </a:r>
+            <a:r>
+              <a:rPr lang="en-US" sz="1400" dirty="0" smtClean="0"/>
+              <a:t>     </a:t>
+            </a:r>
+            <a:r>
+              <a:rPr lang="en-US" sz="1400" dirty="0" smtClean="0"/>
+              <a:t>These files read by </a:t>
+            </a:r>
+            <a:r>
+              <a:rPr lang="en-US" sz="1400" dirty="0" err="1" smtClean="0"/>
+              <a:t>DispatcherServlet</a:t>
+            </a:r>
+            <a:endParaRPr lang="en-US" sz="1400" dirty="0" smtClean="0"/>
+          </a:p>
+          <a:p>
+            <a:pPr marL="68580" indent="0">
+              <a:buNone/>
+            </a:pPr>
+            <a:r>
+              <a:rPr lang="en-US" sz="1400" dirty="0">
+                <a:sym typeface="Wingdings"/>
+              </a:rPr>
+              <a:t> </a:t>
+            </a:r>
+            <a:r>
+              <a:rPr lang="en-US" sz="1400" dirty="0" smtClean="0">
+                <a:sym typeface="Wingdings"/>
+              </a:rPr>
+              <a:t>      </a:t>
+            </a:r>
+            <a:r>
+              <a:rPr lang="en-US" sz="1400" dirty="0" smtClean="0"/>
+              <a:t> </a:t>
+            </a:r>
+            <a:r>
+              <a:rPr lang="en-US" sz="1400" dirty="0"/>
+              <a:t>equals to </a:t>
+            </a:r>
+            <a:r>
+              <a:rPr lang="en-US" sz="1400" b="1" dirty="0"/>
+              <a:t>dispatcher-</a:t>
+            </a:r>
+            <a:r>
+              <a:rPr lang="en-US" sz="1400" b="1" dirty="0" err="1"/>
+              <a:t>servlet.xml</a:t>
+            </a:r>
+            <a:endParaRPr lang="en-US" sz="1400" dirty="0" smtClean="0"/>
+          </a:p>
+          <a:p>
+            <a:pPr marL="68580" indent="0">
+              <a:buNone/>
+            </a:pPr>
+            <a:endParaRPr lang="en-US" sz="1400" dirty="0"/>
+          </a:p>
+          <a:p>
+            <a:r>
+              <a:rPr lang="en-US" sz="1400" dirty="0" err="1" smtClean="0">
                 <a:solidFill>
                   <a:srgbClr val="FF0000"/>
                 </a:solidFill>
               </a:rPr>
-              <a:t>/**");</a:t>
-            </a:r>
+              <a:t>getRootConfigClasses</a:t>
+            </a:r>
+            <a:r>
+              <a:rPr lang="en-US" sz="1400" dirty="0">
+                <a:solidFill>
+                  <a:srgbClr val="FF0000"/>
+                </a:solidFill>
+              </a:rPr>
+              <a:t>(</a:t>
+            </a:r>
+            <a:r>
+              <a:rPr lang="en-US" sz="1400" dirty="0" smtClean="0">
+                <a:solidFill>
+                  <a:srgbClr val="FF0000"/>
+                </a:solidFill>
+              </a:rPr>
+              <a:t>):</a:t>
+            </a:r>
+            <a:r>
+              <a:rPr lang="en-US" sz="1400" dirty="0" smtClean="0"/>
+              <a:t>  </a:t>
+            </a:r>
+            <a:r>
+              <a:rPr lang="en-US" sz="1400" dirty="0" smtClean="0"/>
+              <a:t>Create and return Java Configuration files. These file read by</a:t>
+            </a:r>
+            <a:r>
+              <a:rPr lang="en-US" sz="1400" dirty="0" smtClean="0"/>
+              <a:t> </a:t>
+            </a:r>
+            <a:r>
+              <a:rPr lang="en-US" sz="1400" dirty="0" err="1" smtClean="0"/>
+              <a:t>ContextLoaderListener</a:t>
+            </a:r>
+            <a:endParaRPr lang="en-US" sz="1400" dirty="0" smtClean="0"/>
           </a:p>
           <a:p>
             <a:pPr marL="68580" indent="0">
               <a:buNone/>
             </a:pPr>
             <a:r>
-              <a:rPr lang="en-US" sz="1800" dirty="0"/>
-              <a:t>    }</a:t>
-            </a:r>
-            <a:endParaRPr lang="en-US" dirty="0"/>
+              <a:rPr lang="en-US" sz="1400" dirty="0"/>
+              <a:t> </a:t>
+            </a:r>
+            <a:r>
+              <a:rPr lang="en-US" sz="1400" dirty="0" smtClean="0"/>
+              <a:t>     </a:t>
+            </a:r>
+            <a:r>
+              <a:rPr lang="en-US" sz="1400" dirty="0">
+                <a:sym typeface="Wingdings"/>
+              </a:rPr>
+              <a:t></a:t>
+            </a:r>
+            <a:r>
+              <a:rPr lang="en-US" sz="1400" dirty="0"/>
+              <a:t> equals to </a:t>
+            </a:r>
+            <a:r>
+              <a:rPr lang="en-US" sz="1400" b="1" dirty="0" err="1" smtClean="0"/>
+              <a:t>applicationContext.xml</a:t>
+            </a:r>
+            <a:endParaRPr lang="en-US" sz="1400" b="1" dirty="0" smtClean="0"/>
+          </a:p>
+          <a:p>
+            <a:pPr marL="68580" indent="0">
+              <a:buNone/>
+            </a:pPr>
+            <a:endParaRPr lang="en-US" sz="1400" b="1" dirty="0" smtClean="0"/>
+          </a:p>
+          <a:p>
+            <a:r>
+              <a:rPr lang="en-US" sz="1400" dirty="0" err="1" smtClean="0">
+                <a:solidFill>
+                  <a:srgbClr val="FF0000"/>
+                </a:solidFill>
+              </a:rPr>
+              <a:t>getServletMappings</a:t>
+            </a:r>
+            <a:r>
+              <a:rPr lang="en-US" sz="1400" dirty="0">
+                <a:solidFill>
+                  <a:srgbClr val="FF0000"/>
+                </a:solidFill>
+              </a:rPr>
+              <a:t>(</a:t>
+            </a:r>
+            <a:r>
+              <a:rPr lang="en-US" sz="1400" dirty="0" smtClean="0">
+                <a:solidFill>
+                  <a:srgbClr val="FF0000"/>
+                </a:solidFill>
+              </a:rPr>
+              <a:t>)</a:t>
+            </a:r>
+            <a:r>
+              <a:rPr lang="en-US" sz="1400" dirty="0" smtClean="0"/>
+              <a:t> will </a:t>
+            </a:r>
+            <a:r>
+              <a:rPr lang="en-US" sz="1400" dirty="0" err="1" smtClean="0"/>
+              <a:t>provde</a:t>
+            </a:r>
+            <a:r>
+              <a:rPr lang="en-US" sz="1400" dirty="0" smtClean="0"/>
+              <a:t> URL Mappings for </a:t>
+            </a:r>
+            <a:r>
+              <a:rPr lang="en-US" sz="1400" dirty="0" err="1" smtClean="0"/>
+              <a:t>dispatcherServlet</a:t>
+            </a:r>
+            <a:r>
+              <a:rPr lang="en-US" sz="1400" dirty="0" smtClean="0"/>
+              <a:t>.   </a:t>
+            </a:r>
+          </a:p>
+          <a:p>
+            <a:pPr marL="68580" indent="0">
+              <a:buNone/>
+            </a:pPr>
+            <a:r>
+              <a:rPr lang="en-US" sz="1400" dirty="0"/>
+              <a:t> </a:t>
+            </a:r>
+            <a:r>
+              <a:rPr lang="en-US" sz="1400" dirty="0" smtClean="0"/>
+              <a:t>     </a:t>
+            </a:r>
+            <a:r>
+              <a:rPr lang="en-US" sz="1400" dirty="0" smtClean="0">
+                <a:sym typeface="Wingdings"/>
+              </a:rPr>
+              <a:t></a:t>
+            </a:r>
+            <a:r>
+              <a:rPr lang="en-US" sz="1400" dirty="0" smtClean="0"/>
+              <a:t>equals to </a:t>
+            </a:r>
+            <a:r>
+              <a:rPr lang="en-US" sz="1400" b="1" dirty="0" smtClean="0"/>
+              <a:t>&lt;</a:t>
+            </a:r>
+            <a:r>
+              <a:rPr lang="en-US" sz="1400" b="1" dirty="0" err="1" smtClean="0"/>
+              <a:t>url</a:t>
+            </a:r>
+            <a:r>
+              <a:rPr lang="en-US" sz="1400" b="1" dirty="0" smtClean="0"/>
+              <a:t>-pattern&gt;/&lt;/</a:t>
+            </a:r>
+            <a:r>
+              <a:rPr lang="en-US" sz="1400" b="1" dirty="0" err="1" smtClean="0"/>
+              <a:t>url</a:t>
+            </a:r>
+            <a:r>
+              <a:rPr lang="en-US" sz="1400" b="1" dirty="0" smtClean="0"/>
+              <a:t>-pattern&gt;</a:t>
+            </a:r>
+            <a:endParaRPr lang="en-US" sz="1400" b="1" dirty="0"/>
           </a:p>
         </p:txBody>
       </p:sp>
     </p:spTree>
     <p:extLst>
       <p:ext uri="{BB962C8B-B14F-4D97-AF65-F5344CB8AC3E}">
-        <p14:creationId xmlns:p14="http://schemas.microsoft.com/office/powerpoint/2010/main" val="3281223477"/>
+        <p14:creationId xmlns:p14="http://schemas.microsoft.com/office/powerpoint/2010/main" val="3193296678"/>
       </p:ext>
     </p:extLst>
   </p:cSld>
